--- a/BMML_Presentation.pptx
+++ b/BMML_Presentation.pptx
@@ -9,9 +9,11 @@
     <p:sldId id="257" r:id="rId3"/>
     <p:sldId id="260" r:id="rId4"/>
     <p:sldId id="261" r:id="rId5"/>
-    <p:sldId id="258" r:id="rId6"/>
-    <p:sldId id="259" r:id="rId7"/>
+    <p:sldId id="264" r:id="rId6"/>
+    <p:sldId id="258" r:id="rId7"/>
     <p:sldId id="262" r:id="rId8"/>
+    <p:sldId id="259" r:id="rId9"/>
+    <p:sldId id="263" r:id="rId10"/>
   </p:sldIdLst>
   <p:sldSz cx="9144000" cy="6858000" type="screen4x3"/>
   <p:notesSz cx="6858000" cy="9144000"/>
@@ -301,7 +303,7 @@
           <a:p>
             <a:fld id="{C8A432C8-69A7-458B-9684-2BFA64B31948}" type="datetime2">
               <a:rPr lang="en-US" smtClean="0"/>
-              <a:t>Tuesday, April 21, 15</a:t>
+              <a:t>Wednesday, April 22, 15</a:t>
             </a:fld>
             <a:endParaRPr lang="en-US"/>
           </a:p>
@@ -503,7 +505,7 @@
           <a:p>
             <a:fld id="{8CC057FC-95B6-4D89-AFDA-ABA33EE921E5}" type="datetime2">
               <a:rPr lang="en-US" smtClean="0"/>
-              <a:t>Tuesday, April 21, 15</a:t>
+              <a:t>Wednesday, April 22, 15</a:t>
             </a:fld>
             <a:endParaRPr lang="en-US"/>
           </a:p>
@@ -680,7 +682,7 @@
           <a:p>
             <a:fld id="{EC4549AC-EB31-477F-92A9-B1988E232878}" type="datetime2">
               <a:rPr lang="en-US" smtClean="0"/>
-              <a:t>Tuesday, April 21, 15</a:t>
+              <a:t>Wednesday, April 22, 15</a:t>
             </a:fld>
             <a:endParaRPr lang="en-US"/>
           </a:p>
@@ -847,7 +849,7 @@
           <a:p>
             <a:fld id="{6396A3A3-94A6-4E5B-AF39-173ACA3E61CC}" type="datetime2">
               <a:rPr lang="en-US" smtClean="0"/>
-              <a:t>Tuesday, April 21, 15</a:t>
+              <a:t>Wednesday, April 22, 15</a:t>
             </a:fld>
             <a:endParaRPr lang="en-US"/>
           </a:p>
@@ -1097,7 +1099,7 @@
           <a:p>
             <a:fld id="{9933D019-A32C-4EAD-B8E6-DBDA699692FD}" type="datetime2">
               <a:rPr lang="en-US" smtClean="0"/>
-              <a:t>Tuesday, April 21, 15</a:t>
+              <a:t>Wednesday, April 22, 15</a:t>
             </a:fld>
             <a:endParaRPr lang="en-US"/>
           </a:p>
@@ -1417,7 +1419,7 @@
           <a:p>
             <a:fld id="{CCEBA98F-560C-4997-81C4-81D4D9187EAB}" type="datetime2">
               <a:rPr lang="en-US" smtClean="0"/>
-              <a:t>Tuesday, April 21, 15</a:t>
+              <a:t>Wednesday, April 22, 15</a:t>
             </a:fld>
             <a:endParaRPr lang="en-US"/>
           </a:p>
@@ -1885,7 +1887,7 @@
           <a:p>
             <a:fld id="{150972B2-CA5C-437D-87D0-8081271A9E4B}" type="datetime2">
               <a:rPr lang="en-US" smtClean="0"/>
-              <a:t>Tuesday, April 21, 15</a:t>
+              <a:t>Wednesday, April 22, 15</a:t>
             </a:fld>
             <a:endParaRPr lang="en-US"/>
           </a:p>
@@ -2035,7 +2037,7 @@
           <a:p>
             <a:fld id="{79CD4847-11EF-4466-A8AD-85CDB7B49118}" type="datetime2">
               <a:rPr lang="en-US" smtClean="0"/>
-              <a:t>Tuesday, April 21, 15</a:t>
+              <a:t>Wednesday, April 22, 15</a:t>
             </a:fld>
             <a:endParaRPr lang="en-US"/>
           </a:p>
@@ -2127,7 +2129,7 @@
           <a:p>
             <a:fld id="{F168457A-3AB9-4880-8A0C-9F8524491207}" type="datetime2">
               <a:rPr lang="en-US" smtClean="0"/>
-              <a:t>Tuesday, April 21, 15</a:t>
+              <a:t>Wednesday, April 22, 15</a:t>
             </a:fld>
             <a:endParaRPr lang="en-US"/>
           </a:p>
@@ -2403,7 +2405,7 @@
           <a:p>
             <a:fld id="{3FE976D3-5B7F-4300-ABED-C91F1B2AE209}" type="datetime2">
               <a:rPr lang="en-US" smtClean="0"/>
-              <a:t>Tuesday, April 21, 15</a:t>
+              <a:t>Wednesday, April 22, 15</a:t>
             </a:fld>
             <a:endParaRPr lang="en-US"/>
           </a:p>
@@ -2710,7 +2712,7 @@
           <a:p>
             <a:fld id="{EBDC1E59-17DD-41CE-97CA-624A472382D4}" type="datetime2">
               <a:rPr lang="en-US" smtClean="0"/>
-              <a:t>Tuesday, April 21, 15</a:t>
+              <a:t>Wednesday, April 22, 15</a:t>
             </a:fld>
             <a:endParaRPr lang="en-US"/>
           </a:p>
@@ -3010,7 +3012,7 @@
           <a:p>
             <a:fld id="{A80CB818-7379-467D-8E76-EF9D9074A26C}" type="datetime2">
               <a:rPr lang="en-US" smtClean="0"/>
-              <a:t>Tuesday, April 21, 15</a:t>
+              <a:t>Wednesday, April 22, 15</a:t>
             </a:fld>
             <a:endParaRPr lang="en-US" dirty="0"/>
           </a:p>
@@ -3427,18 +3429,22 @@
           <a:p>
             <a:r>
               <a:rPr lang="en-US" sz="3200" dirty="0" smtClean="0"/>
-              <a:t>A Text Mining Model Comparison:</a:t>
+              <a:t>Text-Mining </a:t>
+            </a:r>
+            <a:r>
+              <a:rPr lang="en-US" sz="3200" dirty="0" smtClean="0"/>
+              <a:t>Model Comparison:</a:t>
             </a:r>
             <a:br>
               <a:rPr lang="en-US" sz="3200" dirty="0" smtClean="0"/>
             </a:br>
             <a:r>
               <a:rPr lang="en-US" sz="3200" dirty="0" smtClean="0"/>
-              <a:t>	LDA </a:t>
-            </a:r>
-            <a:r>
-              <a:rPr lang="en-US" sz="2800" dirty="0" err="1" smtClean="0"/>
-              <a:t>vs</a:t>
+              <a:t>	</a:t>
+            </a:r>
+            <a:r>
+              <a:rPr lang="en-US" sz="3200" dirty="0" smtClean="0"/>
+              <a:t>LDA  And</a:t>
             </a:r>
             <a:r>
               <a:rPr lang="en-US" sz="2800" dirty="0" smtClean="0"/>
@@ -3502,6 +3508,13 @@
   <p:clrMapOvr>
     <a:masterClrMapping/>
   </p:clrMapOvr>
+  <p:timing>
+    <p:tnLst>
+      <p:par>
+        <p:cTn xmlns:p14="http://schemas.microsoft.com/office/powerpoint/2010/main" id="1" dur="indefinite" restart="never" nodeType="tmRoot"/>
+      </p:par>
+    </p:tnLst>
+  </p:timing>
 </p:sld>
 </file>
 
@@ -3555,14 +3568,30 @@
             <p:ph idx="1"/>
           </p:nvPr>
         </p:nvSpPr>
-        <p:spPr/>
+        <p:spPr>
+          <a:xfrm>
+            <a:off x="457200" y="1600200"/>
+            <a:ext cx="3338827" cy="4876800"/>
+          </a:xfrm>
+        </p:spPr>
         <p:txBody>
           <a:bodyPr/>
           <a:lstStyle/>
           <a:p>
             <a:r>
               <a:rPr lang="en-US" sz="3600" dirty="0" smtClean="0"/>
-              <a:t>Text Mining ??</a:t>
+              <a:t>Text </a:t>
+            </a:r>
+            <a:r>
+              <a:rPr lang="en-US" sz="3600" dirty="0" smtClean="0"/>
+              <a:t>Mining</a:t>
+            </a:r>
+            <a:endParaRPr lang="en-US" sz="3600" dirty="0"/>
+          </a:p>
+          <a:p>
+            <a:r>
+              <a:rPr lang="en-US" sz="3600" dirty="0" smtClean="0"/>
+              <a:t>LDA</a:t>
             </a:r>
             <a:endParaRPr lang="en-US" sz="3600" dirty="0"/>
           </a:p>
@@ -3575,15 +3604,24 @@
           <a:p>
             <a:r>
               <a:rPr lang="en-US" sz="3600" dirty="0" smtClean="0"/>
-              <a:t>LDA</a:t>
+              <a:t>HDP</a:t>
             </a:r>
           </a:p>
           <a:p>
             <a:pPr lvl="1"/>
             <a:r>
-              <a:rPr lang="en-US" sz="3600" dirty="0" smtClean="0"/>
-              <a:t>HDP?</a:t>
-            </a:r>
+              <a:rPr lang="en-US" sz="2600" dirty="0" smtClean="0"/>
+              <a:t>does this </a:t>
+            </a:r>
+            <a:r>
+              <a:rPr lang="en-US" sz="2600" dirty="0" err="1" smtClean="0"/>
+              <a:t>overfit</a:t>
+            </a:r>
+            <a:r>
+              <a:rPr lang="en-US" sz="2600" dirty="0" smtClean="0"/>
+              <a:t>?</a:t>
+            </a:r>
+            <a:endParaRPr lang="en-US" sz="2600" dirty="0" smtClean="0"/>
           </a:p>
           <a:p>
             <a:r>
@@ -3618,8 +3656,8 @@
         </p:blipFill>
         <p:spPr>
           <a:xfrm>
-            <a:off x="3053631" y="2144823"/>
-            <a:ext cx="5633170" cy="4332177"/>
+            <a:off x="3681860" y="1524000"/>
+            <a:ext cx="5176190" cy="3980738"/>
           </a:xfrm>
           <a:prstGeom prst="rect">
             <a:avLst/>
@@ -3636,6 +3674,13 @@
   <p:clrMapOvr>
     <a:masterClrMapping/>
   </p:clrMapOvr>
+  <p:timing>
+    <p:tnLst>
+      <p:par>
+        <p:cTn xmlns:p14="http://schemas.microsoft.com/office/powerpoint/2010/main" id="1" dur="indefinite" restart="never" nodeType="tmRoot"/>
+      </p:par>
+    </p:tnLst>
+  </p:timing>
 </p:sld>
 </file>
 
@@ -3679,25 +3724,6 @@
           </a:p>
         </p:txBody>
       </p:sp>
-      <p:sp>
-        <p:nvSpPr>
-          <p:cNvPr id="3" name="Text Placeholder 2"/>
-          <p:cNvSpPr>
-            <a:spLocks noGrp="1"/>
-          </p:cNvSpPr>
-          <p:nvPr>
-            <p:ph type="body" idx="1"/>
-          </p:nvPr>
-        </p:nvSpPr>
-        <p:spPr/>
-        <p:txBody>
-          <a:bodyPr/>
-          <a:lstStyle/>
-          <a:p>
-            <a:endParaRPr lang="en-US"/>
-          </a:p>
-        </p:txBody>
-      </p:sp>
     </p:spTree>
     <p:extLst>
       <p:ext uri="{BB962C8B-B14F-4D97-AF65-F5344CB8AC3E}">
@@ -3708,6 +3734,13 @@
   <p:clrMapOvr>
     <a:masterClrMapping/>
   </p:clrMapOvr>
+  <p:timing>
+    <p:tnLst>
+      <p:par>
+        <p:cTn xmlns:p14="http://schemas.microsoft.com/office/powerpoint/2010/main" id="1" dur="indefinite" restart="never" nodeType="tmRoot"/>
+      </p:par>
+    </p:tnLst>
+  </p:timing>
 </p:sld>
 </file>
 
@@ -3761,14 +3794,17 @@
             <p:ph idx="1"/>
           </p:nvPr>
         </p:nvPicPr>
-        <p:blipFill>
+        <p:blipFill rotWithShape="1">
           <a:blip r:embed="rId2"/>
-          <a:srcRect t="1466" b="1466"/>
-          <a:stretch>
-            <a:fillRect/>
-          </a:stretch>
+          <a:srcRect l="2741" t="5402" r="2142" b="5436"/>
+          <a:stretch/>
         </p:blipFill>
-        <p:spPr/>
+        <p:spPr>
+          <a:xfrm>
+            <a:off x="657141" y="1709496"/>
+            <a:ext cx="7883920" cy="4511753"/>
+          </a:xfrm>
+        </p:spPr>
       </p:pic>
     </p:spTree>
     <p:extLst>
@@ -3780,6 +3816,13 @@
   <p:clrMapOvr>
     <a:masterClrMapping/>
   </p:clrMapOvr>
+  <p:timing>
+    <p:tnLst>
+      <p:par>
+        <p:cTn xmlns:p14="http://schemas.microsoft.com/office/powerpoint/2010/main" id="1" dur="indefinite" restart="never" nodeType="tmRoot"/>
+      </p:par>
+    </p:tnLst>
+  </p:timing>
 </p:sld>
 </file>
 
@@ -3817,28 +3860,185 @@
           <a:p>
             <a:r>
               <a:rPr lang="en-US" dirty="0" smtClean="0"/>
+              <a:t>Motivations for Text Mining</a:t>
+            </a:r>
+            <a:endParaRPr lang="en-US" dirty="0"/>
+          </a:p>
+        </p:txBody>
+      </p:sp>
+      <p:sp>
+        <p:nvSpPr>
+          <p:cNvPr id="3" name="Content Placeholder 2"/>
+          <p:cNvSpPr>
+            <a:spLocks noGrp="1"/>
+          </p:cNvSpPr>
+          <p:nvPr>
+            <p:ph idx="1"/>
+          </p:nvPr>
+        </p:nvSpPr>
+        <p:spPr/>
+        <p:txBody>
+          <a:bodyPr/>
+          <a:lstStyle/>
+          <a:p>
+            <a:r>
+              <a:rPr lang="en-US" dirty="0" smtClean="0"/>
+              <a:t>DNA Sequencing (Gene discovery)</a:t>
+            </a:r>
+            <a:endParaRPr lang="en-US" dirty="0"/>
+          </a:p>
+          <a:p>
+            <a:r>
+              <a:rPr lang="en-US" dirty="0"/>
+              <a:t>Document </a:t>
+            </a:r>
+            <a:r>
+              <a:rPr lang="en-US" dirty="0" smtClean="0"/>
+              <a:t>Classification</a:t>
+            </a:r>
+          </a:p>
+          <a:p>
+            <a:r>
+              <a:rPr lang="en-US" dirty="0" smtClean="0"/>
+              <a:t>Trends across languages</a:t>
+            </a:r>
+          </a:p>
+          <a:p>
+            <a:r>
+              <a:rPr lang="en-US" dirty="0" smtClean="0"/>
               <a:t>Topic Modeling</a:t>
             </a:r>
+          </a:p>
+        </p:txBody>
+      </p:sp>
+    </p:spTree>
+    <p:extLst>
+      <p:ext uri="{BB962C8B-B14F-4D97-AF65-F5344CB8AC3E}">
+        <p14:creationId xmlns:p14="http://schemas.microsoft.com/office/powerpoint/2010/main" val="406741486"/>
+      </p:ext>
+    </p:extLst>
+  </p:cSld>
+  <p:clrMapOvr>
+    <a:masterClrMapping/>
+  </p:clrMapOvr>
+  <p:timing>
+    <p:tnLst>
+      <p:par>
+        <p:cTn xmlns:p14="http://schemas.microsoft.com/office/powerpoint/2010/main" id="1" dur="indefinite" restart="never" nodeType="tmRoot">
+          <p:childTnLst>
+            <p:seq concurrent="1" nextAc="seek">
+              <p:cTn id="2" dur="indefinite" nodeType="mainSeq">
+                <p:childTnLst>
+                  <p:par>
+                    <p:cTn id="3" fill="hold">
+                      <p:stCondLst>
+                        <p:cond delay="indefinite"/>
+                      </p:stCondLst>
+                      <p:childTnLst>
+                        <p:par>
+                          <p:cTn id="4" fill="hold">
+                            <p:stCondLst>
+                              <p:cond delay="0"/>
+                            </p:stCondLst>
+                            <p:childTnLst>
+                              <p:par>
+                                <p:cTn id="5" presetID="15" presetClass="emph" presetSubtype="0" nodeType="clickEffect">
+                                  <p:stCondLst>
+                                    <p:cond delay="0"/>
+                                  </p:stCondLst>
+                                  <p:iterate type="lt">
+                                    <p:tmAbs val="25"/>
+                                  </p:iterate>
+                                  <p:childTnLst>
+                                    <p:set>
+                                      <p:cBhvr override="childStyle">
+                                        <p:cTn id="6" dur="indefinite"/>
+                                        <p:tgtEl>
+                                          <p:spTgt spid="3">
+                                            <p:txEl>
+                                              <p:pRg st="3" end="3"/>
+                                            </p:txEl>
+                                          </p:spTgt>
+                                        </p:tgtEl>
+                                        <p:attrNameLst>
+                                          <p:attrName>style.fontWeight</p:attrName>
+                                        </p:attrNameLst>
+                                      </p:cBhvr>
+                                      <p:to>
+                                        <p:strVal val="bold"/>
+                                      </p:to>
+                                    </p:set>
+                                  </p:childTnLst>
+                                </p:cTn>
+                              </p:par>
+                            </p:childTnLst>
+                          </p:cTn>
+                        </p:par>
+                      </p:childTnLst>
+                    </p:cTn>
+                  </p:par>
+                </p:childTnLst>
+              </p:cTn>
+              <p:prevCondLst>
+                <p:cond evt="onPrev" delay="0">
+                  <p:tgtEl>
+                    <p:sldTgt/>
+                  </p:tgtEl>
+                </p:cond>
+              </p:prevCondLst>
+              <p:nextCondLst>
+                <p:cond evt="onNext" delay="0">
+                  <p:tgtEl>
+                    <p:sldTgt/>
+                  </p:tgtEl>
+                </p:cond>
+              </p:nextCondLst>
+            </p:seq>
+          </p:childTnLst>
+        </p:cTn>
+      </p:par>
+    </p:tnLst>
+  </p:timing>
+</p:sld>
+</file>
+
+<file path=ppt/slides/slide6.xml><?xml version="1.0" encoding="utf-8"?>
+<p:sld xmlns:a="http://schemas.openxmlformats.org/drawingml/2006/main" xmlns:r="http://schemas.openxmlformats.org/officeDocument/2006/relationships" xmlns:p="http://schemas.openxmlformats.org/presentationml/2006/main">
+  <p:cSld>
+    <p:spTree>
+      <p:nvGrpSpPr>
+        <p:cNvPr id="1" name=""/>
+        <p:cNvGrpSpPr/>
+        <p:nvPr/>
+      </p:nvGrpSpPr>
+      <p:grpSpPr>
+        <a:xfrm>
+          <a:off x="0" y="0"/>
+          <a:ext cx="0" cy="0"/>
+          <a:chOff x="0" y="0"/>
+          <a:chExt cx="0" cy="0"/>
+        </a:xfrm>
+      </p:grpSpPr>
+      <p:sp>
+        <p:nvSpPr>
+          <p:cNvPr id="2" name="Title 1"/>
+          <p:cNvSpPr>
+            <a:spLocks noGrp="1"/>
+          </p:cNvSpPr>
+          <p:nvPr>
+            <p:ph type="title"/>
+          </p:nvPr>
+        </p:nvSpPr>
+        <p:spPr/>
+        <p:txBody>
+          <a:bodyPr/>
+          <a:lstStyle/>
+          <a:p>
+            <a:r>
+              <a:rPr lang="en-US" dirty="0" smtClean="0"/>
+              <a:t>Topic Modeling</a:t>
+            </a:r>
             <a:endParaRPr lang="en-US" dirty="0"/>
-          </a:p>
-        </p:txBody>
-      </p:sp>
-      <p:sp>
-        <p:nvSpPr>
-          <p:cNvPr id="3" name="Text Placeholder 2"/>
-          <p:cNvSpPr>
-            <a:spLocks noGrp="1"/>
-          </p:cNvSpPr>
-          <p:nvPr>
-            <p:ph type="body" idx="1"/>
-          </p:nvPr>
-        </p:nvSpPr>
-        <p:spPr/>
-        <p:txBody>
-          <a:bodyPr/>
-          <a:lstStyle/>
-          <a:p>
-            <a:endParaRPr lang="en-US"/>
           </a:p>
         </p:txBody>
       </p:sp>
@@ -3852,10 +4052,145 @@
   <p:clrMapOvr>
     <a:masterClrMapping/>
   </p:clrMapOvr>
+  <p:timing>
+    <p:tnLst>
+      <p:par>
+        <p:cTn xmlns:p14="http://schemas.microsoft.com/office/powerpoint/2010/main" id="1" dur="indefinite" restart="never" nodeType="tmRoot"/>
+      </p:par>
+    </p:tnLst>
+  </p:timing>
 </p:sld>
 </file>
 
-<file path=ppt/slides/slide6.xml><?xml version="1.0" encoding="utf-8"?>
+<file path=ppt/slides/slide7.xml><?xml version="1.0" encoding="utf-8"?>
+<p:sld xmlns:a="http://schemas.openxmlformats.org/drawingml/2006/main" xmlns:r="http://schemas.openxmlformats.org/officeDocument/2006/relationships" xmlns:p="http://schemas.openxmlformats.org/presentationml/2006/main">
+  <p:cSld>
+    <p:spTree>
+      <p:nvGrpSpPr>
+        <p:cNvPr id="1" name=""/>
+        <p:cNvGrpSpPr/>
+        <p:nvPr/>
+      </p:nvGrpSpPr>
+      <p:grpSpPr>
+        <a:xfrm>
+          <a:off x="0" y="0"/>
+          <a:ext cx="0" cy="0"/>
+          <a:chOff x="0" y="0"/>
+          <a:chExt cx="0" cy="0"/>
+        </a:xfrm>
+      </p:grpSpPr>
+      <p:sp>
+        <p:nvSpPr>
+          <p:cNvPr id="2" name="Title 1"/>
+          <p:cNvSpPr>
+            <a:spLocks noGrp="1"/>
+          </p:cNvSpPr>
+          <p:nvPr>
+            <p:ph type="title"/>
+          </p:nvPr>
+        </p:nvSpPr>
+        <p:spPr/>
+        <p:txBody>
+          <a:bodyPr>
+            <a:normAutofit/>
+          </a:bodyPr>
+          <a:lstStyle/>
+          <a:p>
+            <a:r>
+              <a:rPr lang="en-US" dirty="0" smtClean="0"/>
+              <a:t>Latent </a:t>
+            </a:r>
+            <a:r>
+              <a:rPr lang="en-US" dirty="0" err="1" smtClean="0"/>
+              <a:t>Dirichlet</a:t>
+            </a:r>
+            <a:r>
+              <a:rPr lang="en-US" dirty="0" smtClean="0"/>
+              <a:t> </a:t>
+            </a:r>
+            <a:r>
+              <a:rPr lang="en-US" dirty="0" smtClean="0"/>
+              <a:t>Allocation</a:t>
+            </a:r>
+            <a:endParaRPr lang="en-US" dirty="0"/>
+          </a:p>
+        </p:txBody>
+      </p:sp>
+      <p:sp>
+        <p:nvSpPr>
+          <p:cNvPr id="4" name="TextBox 3"/>
+          <p:cNvSpPr txBox="1"/>
+          <p:nvPr/>
+        </p:nvSpPr>
+        <p:spPr>
+          <a:xfrm>
+            <a:off x="799163" y="2356032"/>
+            <a:ext cx="6564557" cy="369332"/>
+          </a:xfrm>
+          <a:prstGeom prst="rect">
+            <a:avLst/>
+          </a:prstGeom>
+          <a:noFill/>
+        </p:spPr>
+        <p:txBody>
+          <a:bodyPr wrap="square" rtlCol="0">
+            <a:spAutoFit/>
+          </a:bodyPr>
+          <a:lstStyle/>
+          <a:p>
+            <a:r>
+              <a:rPr lang="en-US" dirty="0" smtClean="0"/>
+              <a:t>Take </a:t>
+            </a:r>
+            <a:r>
+              <a:rPr lang="en-US" dirty="0" err="1" smtClean="0"/>
+              <a:t>pLSA</a:t>
+            </a:r>
+            <a:r>
+              <a:rPr lang="en-US" dirty="0" smtClean="0"/>
+              <a:t>, then put </a:t>
+            </a:r>
+            <a:r>
+              <a:rPr lang="en-US" dirty="0"/>
+              <a:t>a </a:t>
+            </a:r>
+            <a:r>
+              <a:rPr lang="en-US" dirty="0" err="1"/>
+              <a:t>dirichlict</a:t>
+            </a:r>
+            <a:r>
+              <a:rPr lang="en-US" dirty="0"/>
+              <a:t> prior on a word given a </a:t>
+            </a:r>
+            <a:r>
+              <a:rPr lang="en-US" dirty="0" smtClean="0"/>
+              <a:t>topic…</a:t>
+            </a:r>
+            <a:endParaRPr lang="en-US" dirty="0"/>
+          </a:p>
+        </p:txBody>
+      </p:sp>
+    </p:spTree>
+    <p:extLst>
+      <p:ext uri="{BB962C8B-B14F-4D97-AF65-F5344CB8AC3E}">
+        <p14:creationId xmlns:p14="http://schemas.microsoft.com/office/powerpoint/2010/main" val="3760624967"/>
+      </p:ext>
+    </p:extLst>
+  </p:cSld>
+  <p:clrMapOvr>
+    <a:masterClrMapping/>
+  </p:clrMapOvr>
+  <p:timing>
+    <p:tnLst>
+      <p:par>
+        <p:cTn xmlns:p14="http://schemas.microsoft.com/office/powerpoint/2010/main" id="1" dur="indefinite" restart="never" nodeType="tmRoot"/>
+      </p:par>
+    </p:tnLst>
+  </p:timing>
+</p:sld>
+</file>
+
+<file path=ppt/slides/slide8.xml><?xml version="1.0" encoding="utf-8"?>
 <p:sld xmlns:a="http://schemas.openxmlformats.org/drawingml/2006/main" xmlns:r="http://schemas.openxmlformats.org/officeDocument/2006/relationships" xmlns:p="http://schemas.openxmlformats.org/presentationml/2006/main">
   <p:cSld>
     <p:spTree>
@@ -3998,10 +4333,17 @@
   <p:clrMapOvr>
     <a:masterClrMapping/>
   </p:clrMapOvr>
+  <p:timing>
+    <p:tnLst>
+      <p:par>
+        <p:cTn xmlns:p14="http://schemas.microsoft.com/office/powerpoint/2010/main" id="1" dur="indefinite" restart="never" nodeType="tmRoot"/>
+      </p:par>
+    </p:tnLst>
+  </p:timing>
 </p:sld>
 </file>
 
-<file path=ppt/slides/slide7.xml><?xml version="1.0" encoding="utf-8"?>
+<file path=ppt/slides/slide9.xml><?xml version="1.0" encoding="utf-8"?>
 <p:sld xmlns:a="http://schemas.openxmlformats.org/drawingml/2006/main" xmlns:r="http://schemas.openxmlformats.org/officeDocument/2006/relationships" xmlns:p="http://schemas.openxmlformats.org/presentationml/2006/main">
   <p:cSld>
     <p:spTree>
@@ -4035,15 +4377,7 @@
           <a:p>
             <a:r>
               <a:rPr lang="en-US" dirty="0" smtClean="0"/>
-              <a:t>Latent </a:t>
-            </a:r>
-            <a:r>
-              <a:rPr lang="en-US" dirty="0" err="1" smtClean="0"/>
-              <a:t>Dirichlet</a:t>
-            </a:r>
-            <a:r>
-              <a:rPr lang="en-US" dirty="0" smtClean="0"/>
-              <a:t> Allocation</a:t>
+              <a:t>Questions?</a:t>
             </a:r>
             <a:endParaRPr lang="en-US" dirty="0"/>
           </a:p>
@@ -4052,13 +4386,20 @@
     </p:spTree>
     <p:extLst>
       <p:ext uri="{BB962C8B-B14F-4D97-AF65-F5344CB8AC3E}">
-        <p14:creationId xmlns:p14="http://schemas.microsoft.com/office/powerpoint/2010/main" val="3760624967"/>
+        <p14:creationId xmlns:p14="http://schemas.microsoft.com/office/powerpoint/2010/main" val="2459084719"/>
       </p:ext>
     </p:extLst>
   </p:cSld>
   <p:clrMapOvr>
     <a:masterClrMapping/>
   </p:clrMapOvr>
+  <p:timing>
+    <p:tnLst>
+      <p:par>
+        <p:cTn xmlns:p14="http://schemas.microsoft.com/office/powerpoint/2010/main" id="1" dur="indefinite" restart="never" nodeType="tmRoot"/>
+      </p:par>
+    </p:tnLst>
+  </p:timing>
 </p:sld>
 </file>
 

--- a/BMML_Presentation.pptx
+++ b/BMML_Presentation.pptx
@@ -13,7 +13,11 @@
     <p:sldId id="258" r:id="rId7"/>
     <p:sldId id="262" r:id="rId8"/>
     <p:sldId id="259" r:id="rId9"/>
-    <p:sldId id="263" r:id="rId10"/>
+    <p:sldId id="265" r:id="rId10"/>
+    <p:sldId id="266" r:id="rId11"/>
+    <p:sldId id="267" r:id="rId12"/>
+    <p:sldId id="268" r:id="rId13"/>
+    <p:sldId id="263" r:id="rId14"/>
   </p:sldIdLst>
   <p:sldSz cx="9144000" cy="6858000" type="screen4x3"/>
   <p:notesSz cx="6858000" cy="9144000"/>
@@ -3429,30 +3433,7 @@
           <a:p>
             <a:r>
               <a:rPr lang="en-US" sz="3200" dirty="0" smtClean="0"/>
-              <a:t>Text-Mining </a:t>
-            </a:r>
-            <a:r>
-              <a:rPr lang="en-US" sz="3200" dirty="0" smtClean="0"/>
-              <a:t>Model Comparison:</a:t>
-            </a:r>
-            <a:br>
-              <a:rPr lang="en-US" sz="3200" dirty="0" smtClean="0"/>
-            </a:br>
-            <a:r>
-              <a:rPr lang="en-US" sz="3200" dirty="0" smtClean="0"/>
-              <a:t>	</a:t>
-            </a:r>
-            <a:r>
-              <a:rPr lang="en-US" sz="3200" dirty="0" smtClean="0"/>
-              <a:t>LDA  And</a:t>
-            </a:r>
-            <a:r>
-              <a:rPr lang="en-US" sz="2800" dirty="0" smtClean="0"/>
-              <a:t> </a:t>
-            </a:r>
-            <a:r>
-              <a:rPr lang="en-US" sz="3200" dirty="0" smtClean="0"/>
-              <a:t>NMF</a:t>
+              <a:t>Comparative Topic modeling</a:t>
             </a:r>
             <a:endParaRPr lang="en-US" sz="3200" dirty="0"/>
           </a:p>
@@ -3502,6 +3483,322 @@
     <p:extLst>
       <p:ext uri="{BB962C8B-B14F-4D97-AF65-F5344CB8AC3E}">
         <p14:creationId xmlns:p14="http://schemas.microsoft.com/office/powerpoint/2010/main" val="1758335031"/>
+      </p:ext>
+    </p:extLst>
+  </p:cSld>
+  <p:clrMapOvr>
+    <a:masterClrMapping/>
+  </p:clrMapOvr>
+  <p:timing>
+    <p:tnLst>
+      <p:par>
+        <p:cTn xmlns:p14="http://schemas.microsoft.com/office/powerpoint/2010/main" id="1" dur="indefinite" restart="never" nodeType="tmRoot"/>
+      </p:par>
+    </p:tnLst>
+  </p:timing>
+</p:sld>
+</file>
+
+<file path=ppt/slides/slide10.xml><?xml version="1.0" encoding="utf-8"?>
+<p:sld xmlns:a="http://schemas.openxmlformats.org/drawingml/2006/main" xmlns:r="http://schemas.openxmlformats.org/officeDocument/2006/relationships" xmlns:p="http://schemas.openxmlformats.org/presentationml/2006/main">
+  <p:cSld>
+    <p:spTree>
+      <p:nvGrpSpPr>
+        <p:cNvPr id="1" name=""/>
+        <p:cNvGrpSpPr/>
+        <p:nvPr/>
+      </p:nvGrpSpPr>
+      <p:grpSpPr>
+        <a:xfrm>
+          <a:off x="0" y="0"/>
+          <a:ext cx="0" cy="0"/>
+          <a:chOff x="0" y="0"/>
+          <a:chExt cx="0" cy="0"/>
+        </a:xfrm>
+      </p:grpSpPr>
+      <p:sp>
+        <p:nvSpPr>
+          <p:cNvPr id="2" name="Title 1"/>
+          <p:cNvSpPr>
+            <a:spLocks noGrp="1"/>
+          </p:cNvSpPr>
+          <p:nvPr>
+            <p:ph type="title"/>
+          </p:nvPr>
+        </p:nvSpPr>
+        <p:spPr/>
+        <p:txBody>
+          <a:bodyPr/>
+          <a:lstStyle/>
+          <a:p>
+            <a:r>
+              <a:rPr lang="en-US" dirty="0" smtClean="0"/>
+              <a:t>HDP…</a:t>
+            </a:r>
+            <a:endParaRPr lang="en-US" dirty="0"/>
+          </a:p>
+        </p:txBody>
+      </p:sp>
+      <p:sp>
+        <p:nvSpPr>
+          <p:cNvPr id="3" name="Content Placeholder 2"/>
+          <p:cNvSpPr>
+            <a:spLocks noGrp="1"/>
+          </p:cNvSpPr>
+          <p:nvPr>
+            <p:ph idx="1"/>
+          </p:nvPr>
+        </p:nvSpPr>
+        <p:spPr/>
+        <p:txBody>
+          <a:bodyPr/>
+          <a:lstStyle/>
+          <a:p>
+            <a:endParaRPr lang="en-US" dirty="0" smtClean="0"/>
+          </a:p>
+        </p:txBody>
+      </p:sp>
+    </p:spTree>
+    <p:extLst>
+      <p:ext uri="{BB962C8B-B14F-4D97-AF65-F5344CB8AC3E}">
+        <p14:creationId xmlns:p14="http://schemas.microsoft.com/office/powerpoint/2010/main" val="4066006703"/>
+      </p:ext>
+    </p:extLst>
+  </p:cSld>
+  <p:clrMapOvr>
+    <a:masterClrMapping/>
+  </p:clrMapOvr>
+  <p:timing>
+    <p:tnLst>
+      <p:par>
+        <p:cTn xmlns:p14="http://schemas.microsoft.com/office/powerpoint/2010/main" id="1" dur="indefinite" restart="never" nodeType="tmRoot"/>
+      </p:par>
+    </p:tnLst>
+  </p:timing>
+</p:sld>
+</file>
+
+<file path=ppt/slides/slide11.xml><?xml version="1.0" encoding="utf-8"?>
+<p:sld xmlns:a="http://schemas.openxmlformats.org/drawingml/2006/main" xmlns:r="http://schemas.openxmlformats.org/officeDocument/2006/relationships" xmlns:p="http://schemas.openxmlformats.org/presentationml/2006/main">
+  <p:cSld>
+    <p:spTree>
+      <p:nvGrpSpPr>
+        <p:cNvPr id="1" name=""/>
+        <p:cNvGrpSpPr/>
+        <p:nvPr/>
+      </p:nvGrpSpPr>
+      <p:grpSpPr>
+        <a:xfrm>
+          <a:off x="0" y="0"/>
+          <a:ext cx="0" cy="0"/>
+          <a:chOff x="0" y="0"/>
+          <a:chExt cx="0" cy="0"/>
+        </a:xfrm>
+      </p:grpSpPr>
+      <p:sp>
+        <p:nvSpPr>
+          <p:cNvPr id="2" name="Title 1"/>
+          <p:cNvSpPr>
+            <a:spLocks noGrp="1"/>
+          </p:cNvSpPr>
+          <p:nvPr>
+            <p:ph type="title"/>
+          </p:nvPr>
+        </p:nvSpPr>
+        <p:spPr/>
+        <p:txBody>
+          <a:bodyPr>
+            <a:normAutofit fontScale="90000"/>
+          </a:bodyPr>
+          <a:lstStyle/>
+          <a:p>
+            <a:r>
+              <a:rPr lang="en-US" dirty="0" smtClean="0"/>
+              <a:t>Using LDA Topic-Distributions as Features</a:t>
+            </a:r>
+            <a:endParaRPr lang="en-US" dirty="0"/>
+          </a:p>
+        </p:txBody>
+      </p:sp>
+      <p:sp>
+        <p:nvSpPr>
+          <p:cNvPr id="3" name="Content Placeholder 2"/>
+          <p:cNvSpPr>
+            <a:spLocks noGrp="1"/>
+          </p:cNvSpPr>
+          <p:nvPr>
+            <p:ph idx="1"/>
+          </p:nvPr>
+        </p:nvSpPr>
+        <p:spPr/>
+        <p:txBody>
+          <a:bodyPr/>
+          <a:lstStyle/>
+          <a:p>
+            <a:r>
+              <a:rPr lang="en-US" dirty="0" smtClean="0"/>
+              <a:t>How does topic count affect accuracy of classifiers?</a:t>
+            </a:r>
+          </a:p>
+          <a:p>
+            <a:r>
+              <a:rPr lang="en-US" dirty="0" smtClean="0"/>
+              <a:t>How does this relate to other methods of </a:t>
+            </a:r>
+            <a:r>
+              <a:rPr lang="en-US" dirty="0" err="1" smtClean="0"/>
+              <a:t>determiniing</a:t>
+            </a:r>
+            <a:r>
+              <a:rPr lang="en-US" dirty="0" smtClean="0"/>
+              <a:t> ideal topic count?</a:t>
+            </a:r>
+          </a:p>
+        </p:txBody>
+      </p:sp>
+    </p:spTree>
+    <p:extLst>
+      <p:ext uri="{BB962C8B-B14F-4D97-AF65-F5344CB8AC3E}">
+        <p14:creationId xmlns:p14="http://schemas.microsoft.com/office/powerpoint/2010/main" val="4066006703"/>
+      </p:ext>
+    </p:extLst>
+  </p:cSld>
+  <p:clrMapOvr>
+    <a:masterClrMapping/>
+  </p:clrMapOvr>
+  <p:timing>
+    <p:tnLst>
+      <p:par>
+        <p:cTn xmlns:p14="http://schemas.microsoft.com/office/powerpoint/2010/main" id="1" dur="indefinite" restart="never" nodeType="tmRoot"/>
+      </p:par>
+    </p:tnLst>
+  </p:timing>
+</p:sld>
+</file>
+
+<file path=ppt/slides/slide12.xml><?xml version="1.0" encoding="utf-8"?>
+<p:sld xmlns:a="http://schemas.openxmlformats.org/drawingml/2006/main" xmlns:r="http://schemas.openxmlformats.org/officeDocument/2006/relationships" xmlns:p="http://schemas.openxmlformats.org/presentationml/2006/main">
+  <p:cSld>
+    <p:spTree>
+      <p:nvGrpSpPr>
+        <p:cNvPr id="1" name=""/>
+        <p:cNvGrpSpPr/>
+        <p:nvPr/>
+      </p:nvGrpSpPr>
+      <p:grpSpPr>
+        <a:xfrm>
+          <a:off x="0" y="0"/>
+          <a:ext cx="0" cy="0"/>
+          <a:chOff x="0" y="0"/>
+          <a:chExt cx="0" cy="0"/>
+        </a:xfrm>
+      </p:grpSpPr>
+      <p:sp>
+        <p:nvSpPr>
+          <p:cNvPr id="2" name="Title 1"/>
+          <p:cNvSpPr>
+            <a:spLocks noGrp="1"/>
+          </p:cNvSpPr>
+          <p:nvPr>
+            <p:ph type="title"/>
+          </p:nvPr>
+        </p:nvSpPr>
+        <p:spPr/>
+        <p:txBody>
+          <a:bodyPr/>
+          <a:lstStyle/>
+          <a:p>
+            <a:r>
+              <a:rPr lang="en-US" dirty="0" smtClean="0"/>
+              <a:t>Our progress so far…</a:t>
+            </a:r>
+            <a:endParaRPr lang="en-US" dirty="0"/>
+          </a:p>
+        </p:txBody>
+      </p:sp>
+      <p:sp>
+        <p:nvSpPr>
+          <p:cNvPr id="3" name="Content Placeholder 2"/>
+          <p:cNvSpPr>
+            <a:spLocks noGrp="1"/>
+          </p:cNvSpPr>
+          <p:nvPr>
+            <p:ph idx="1"/>
+          </p:nvPr>
+        </p:nvSpPr>
+        <p:spPr/>
+        <p:txBody>
+          <a:bodyPr/>
+          <a:lstStyle/>
+          <a:p>
+            <a:endParaRPr lang="en-US" dirty="0" smtClean="0"/>
+          </a:p>
+        </p:txBody>
+      </p:sp>
+    </p:spTree>
+    <p:extLst>
+      <p:ext uri="{BB962C8B-B14F-4D97-AF65-F5344CB8AC3E}">
+        <p14:creationId xmlns:p14="http://schemas.microsoft.com/office/powerpoint/2010/main" val="826477111"/>
+      </p:ext>
+    </p:extLst>
+  </p:cSld>
+  <p:clrMapOvr>
+    <a:masterClrMapping/>
+  </p:clrMapOvr>
+  <p:timing>
+    <p:tnLst>
+      <p:par>
+        <p:cTn xmlns:p14="http://schemas.microsoft.com/office/powerpoint/2010/main" id="1" dur="indefinite" restart="never" nodeType="tmRoot"/>
+      </p:par>
+    </p:tnLst>
+  </p:timing>
+</p:sld>
+</file>
+
+<file path=ppt/slides/slide13.xml><?xml version="1.0" encoding="utf-8"?>
+<p:sld xmlns:a="http://schemas.openxmlformats.org/drawingml/2006/main" xmlns:r="http://schemas.openxmlformats.org/officeDocument/2006/relationships" xmlns:p="http://schemas.openxmlformats.org/presentationml/2006/main">
+  <p:cSld>
+    <p:spTree>
+      <p:nvGrpSpPr>
+        <p:cNvPr id="1" name=""/>
+        <p:cNvGrpSpPr/>
+        <p:nvPr/>
+      </p:nvGrpSpPr>
+      <p:grpSpPr>
+        <a:xfrm>
+          <a:off x="0" y="0"/>
+          <a:ext cx="0" cy="0"/>
+          <a:chOff x="0" y="0"/>
+          <a:chExt cx="0" cy="0"/>
+        </a:xfrm>
+      </p:grpSpPr>
+      <p:sp>
+        <p:nvSpPr>
+          <p:cNvPr id="2" name="Title 1"/>
+          <p:cNvSpPr>
+            <a:spLocks noGrp="1"/>
+          </p:cNvSpPr>
+          <p:nvPr>
+            <p:ph type="title"/>
+          </p:nvPr>
+        </p:nvSpPr>
+        <p:spPr/>
+        <p:txBody>
+          <a:bodyPr/>
+          <a:lstStyle/>
+          <a:p>
+            <a:r>
+              <a:rPr lang="en-US" dirty="0" smtClean="0"/>
+              <a:t>Questions?</a:t>
+            </a:r>
+            <a:endParaRPr lang="en-US" dirty="0"/>
+          </a:p>
+        </p:txBody>
+      </p:sp>
+    </p:spTree>
+    <p:extLst>
+      <p:ext uri="{BB962C8B-B14F-4D97-AF65-F5344CB8AC3E}">
+        <p14:creationId xmlns:p14="http://schemas.microsoft.com/office/powerpoint/2010/main" val="2459084719"/>
       </p:ext>
     </p:extLst>
   </p:cSld>
@@ -3571,7 +3868,7 @@
         <p:spPr>
           <a:xfrm>
             <a:off x="457200" y="1600200"/>
-            <a:ext cx="3338827" cy="4876800"/>
+            <a:ext cx="7234748" cy="3921872"/>
           </a:xfrm>
         </p:spPr>
         <p:txBody>
@@ -3580,11 +3877,7 @@
           <a:p>
             <a:r>
               <a:rPr lang="en-US" sz="3600" dirty="0" smtClean="0"/>
-              <a:t>Text </a:t>
-            </a:r>
-            <a:r>
-              <a:rPr lang="en-US" sz="3600" dirty="0" smtClean="0"/>
-              <a:t>Mining</a:t>
+              <a:t>Topics</a:t>
             </a:r>
             <a:endParaRPr lang="en-US" sz="3600" dirty="0"/>
           </a:p>
@@ -3608,62 +3901,17 @@
             </a:r>
           </a:p>
           <a:p>
-            <a:pPr lvl="1"/>
-            <a:r>
-              <a:rPr lang="en-US" sz="2600" dirty="0" smtClean="0"/>
-              <a:t>does this </a:t>
-            </a:r>
-            <a:r>
-              <a:rPr lang="en-US" sz="2600" dirty="0" err="1" smtClean="0"/>
-              <a:t>overfit</a:t>
-            </a:r>
-            <a:r>
-              <a:rPr lang="en-US" sz="2600" dirty="0" smtClean="0"/>
-              <a:t>?</a:t>
-            </a:r>
-            <a:endParaRPr lang="en-US" sz="2600" dirty="0" smtClean="0"/>
-          </a:p>
-          <a:p>
             <a:r>
               <a:rPr lang="en-US" sz="3600" dirty="0" smtClean="0"/>
               <a:t>Results</a:t>
             </a:r>
+            <a:endParaRPr lang="en-US" sz="3600" dirty="0" smtClean="0"/>
           </a:p>
           <a:p>
             <a:endParaRPr lang="en-US" dirty="0" smtClean="0"/>
           </a:p>
         </p:txBody>
       </p:sp>
-      <p:pic>
-        <p:nvPicPr>
-          <p:cNvPr id="4" name="Picture 3" descr="Big-data.jpg"/>
-          <p:cNvPicPr>
-            <a:picLocks noChangeAspect="1"/>
-          </p:cNvPicPr>
-          <p:nvPr/>
-        </p:nvPicPr>
-        <p:blipFill>
-          <a:blip r:embed="rId2" cstate="print">
-            <a:extLst>
-              <a:ext uri="{28A0092B-C50C-407E-A947-70E740481C1C}">
-                <a14:useLocalDpi xmlns:a14="http://schemas.microsoft.com/office/drawing/2010/main" val="0"/>
-              </a:ext>
-            </a:extLst>
-          </a:blip>
-          <a:stretch>
-            <a:fillRect/>
-          </a:stretch>
-        </p:blipFill>
-        <p:spPr>
-          <a:xfrm>
-            <a:off x="3681860" y="1524000"/>
-            <a:ext cx="5176190" cy="3980738"/>
-          </a:xfrm>
-          <a:prstGeom prst="rect">
-            <a:avLst/>
-          </a:prstGeom>
-        </p:spPr>
-      </p:pic>
     </p:spTree>
     <p:extLst>
       <p:ext uri="{BB962C8B-B14F-4D97-AF65-F5344CB8AC3E}">
@@ -3718,7 +3966,11 @@
           <a:p>
             <a:r>
               <a:rPr lang="en-US" dirty="0" smtClean="0"/>
-              <a:t>An Introduction to Text Mining</a:t>
+              <a:t>An Introduction to </a:t>
+            </a:r>
+            <a:r>
+              <a:rPr lang="en-US" dirty="0" smtClean="0"/>
+              <a:t>topic modeling</a:t>
             </a:r>
             <a:endParaRPr lang="en-US" dirty="0"/>
           </a:p>
@@ -3860,7 +4112,7 @@
           <a:p>
             <a:r>
               <a:rPr lang="en-US" dirty="0" smtClean="0"/>
-              <a:t>Motivations for Text Mining</a:t>
+              <a:t>Motivations for Topic Modeling</a:t>
             </a:r>
             <a:endParaRPr lang="en-US" dirty="0"/>
           </a:p>
@@ -3883,34 +4135,53 @@
           <a:p>
             <a:r>
               <a:rPr lang="en-US" dirty="0" smtClean="0"/>
-              <a:t>DNA Sequencing (Gene discovery)</a:t>
-            </a:r>
-            <a:endParaRPr lang="en-US" dirty="0"/>
-          </a:p>
-          <a:p>
-            <a:r>
-              <a:rPr lang="en-US" dirty="0"/>
-              <a:t>Document </a:t>
-            </a:r>
+              <a:t>Make quick sense of textual data</a:t>
+            </a:r>
+          </a:p>
+          <a:p>
             <a:r>
               <a:rPr lang="en-US" dirty="0" smtClean="0"/>
-              <a:t>Classification</a:t>
+              <a:t>Useful in humanities and social sciences</a:t>
             </a:r>
           </a:p>
           <a:p>
             <a:r>
               <a:rPr lang="en-US" dirty="0" smtClean="0"/>
-              <a:t>Trends across languages</a:t>
-            </a:r>
-          </a:p>
-          <a:p>
-            <a:r>
-              <a:rPr lang="en-US" dirty="0" smtClean="0"/>
-              <a:t>Topic Modeling</a:t>
-            </a:r>
-          </a:p>
-        </p:txBody>
-      </p:sp>
+              <a:t>Word clouds</a:t>
+            </a:r>
+          </a:p>
+        </p:txBody>
+      </p:sp>
+      <p:pic>
+        <p:nvPicPr>
+          <p:cNvPr id="4" name="Picture 3" descr="Big-data.jpg"/>
+          <p:cNvPicPr>
+            <a:picLocks noChangeAspect="1"/>
+          </p:cNvPicPr>
+          <p:nvPr/>
+        </p:nvPicPr>
+        <p:blipFill>
+          <a:blip r:embed="rId2" cstate="print">
+            <a:extLst>
+              <a:ext uri="{28A0092B-C50C-407E-A947-70E740481C1C}">
+                <a14:useLocalDpi xmlns:a14="http://schemas.microsoft.com/office/drawing/2010/main" val="0"/>
+              </a:ext>
+            </a:extLst>
+          </a:blip>
+          <a:stretch>
+            <a:fillRect/>
+          </a:stretch>
+        </p:blipFill>
+        <p:spPr>
+          <a:xfrm>
+            <a:off x="3139570" y="2819132"/>
+            <a:ext cx="4605359" cy="3541742"/>
+          </a:xfrm>
+          <a:prstGeom prst="rect">
+            <a:avLst/>
+          </a:prstGeom>
+        </p:spPr>
+      </p:pic>
     </p:spTree>
     <p:extLst>
       <p:ext uri="{BB962C8B-B14F-4D97-AF65-F5344CB8AC3E}">
@@ -3924,78 +4195,7 @@
   <p:timing>
     <p:tnLst>
       <p:par>
-        <p:cTn xmlns:p14="http://schemas.microsoft.com/office/powerpoint/2010/main" id="1" dur="indefinite" restart="never" nodeType="tmRoot">
-          <p:childTnLst>
-            <p:seq concurrent="1" nextAc="seek">
-              <p:cTn id="2" dur="indefinite" nodeType="mainSeq">
-                <p:childTnLst>
-                  <p:par>
-                    <p:cTn id="3" fill="hold">
-                      <p:stCondLst>
-                        <p:cond delay="indefinite"/>
-                      </p:stCondLst>
-                      <p:childTnLst>
-                        <p:par>
-                          <p:cTn id="4" fill="hold">
-                            <p:stCondLst>
-                              <p:cond delay="0"/>
-                            </p:stCondLst>
-                            <p:childTnLst>
-                              <p:par>
-                                <p:cTn id="5" presetID="15" presetClass="emph" presetSubtype="0" nodeType="clickEffect">
-                                  <p:stCondLst>
-                                    <p:cond delay="0"/>
-                                  </p:stCondLst>
-                                  <p:iterate type="lt">
-                                    <p:tmAbs val="25"/>
-                                  </p:iterate>
-                                  <p:childTnLst>
-                                    <p:set>
-                                      <p:cBhvr override="childStyle">
-                                        <p:cTn id="6" dur="indefinite"/>
-                                        <p:tgtEl>
-                                          <p:spTgt spid="3">
-                                            <p:txEl>
-                                              <p:pRg st="3" end="3"/>
-                                            </p:txEl>
-                                          </p:spTgt>
-                                        </p:tgtEl>
-                                        <p:attrNameLst>
-                                          <p:attrName>style.fontWeight</p:attrName>
-                                        </p:attrNameLst>
-                                      </p:cBhvr>
-                                      <p:to>
-                                        <p:strVal val="bold"/>
-                                      </p:to>
-                                    </p:set>
-                                  </p:childTnLst>
-                                </p:cTn>
-                              </p:par>
-                            </p:childTnLst>
-                          </p:cTn>
-                        </p:par>
-                      </p:childTnLst>
-                    </p:cTn>
-                  </p:par>
-                </p:childTnLst>
-              </p:cTn>
-              <p:prevCondLst>
-                <p:cond evt="onPrev" delay="0">
-                  <p:tgtEl>
-                    <p:sldTgt/>
-                  </p:tgtEl>
-                </p:cond>
-              </p:prevCondLst>
-              <p:nextCondLst>
-                <p:cond evt="onNext" delay="0">
-                  <p:tgtEl>
-                    <p:sldTgt/>
-                  </p:tgtEl>
-                </p:cond>
-              </p:nextCondLst>
-            </p:seq>
-          </p:childTnLst>
-        </p:cTn>
+        <p:cTn xmlns:p14="http://schemas.microsoft.com/office/powerpoint/2010/main" id="1" dur="indefinite" restart="never" nodeType="tmRoot"/>
       </p:par>
     </p:tnLst>
   </p:timing>
@@ -4036,7 +4236,11 @@
           <a:p>
             <a:r>
               <a:rPr lang="en-US" dirty="0" smtClean="0"/>
-              <a:t>Topic Modeling</a:t>
+              <a:t>Topic </a:t>
+            </a:r>
+            <a:r>
+              <a:rPr lang="en-US" dirty="0" smtClean="0"/>
+              <a:t>Modeling techniques</a:t>
             </a:r>
             <a:endParaRPr lang="en-US" dirty="0"/>
           </a:p>
@@ -4110,7 +4314,7 @@
             </a:r>
             <a:r>
               <a:rPr lang="en-US" dirty="0" smtClean="0"/>
-              <a:t>Allocation</a:t>
+              <a:t>Allocation (LDA)</a:t>
             </a:r>
             <a:endParaRPr lang="en-US" dirty="0"/>
           </a:p>
@@ -4156,11 +4360,19 @@
             </a:r>
             <a:r>
               <a:rPr lang="en-US" dirty="0" err="1"/>
-              <a:t>dirichlict</a:t>
+              <a:t>Dirichlet</a:t>
             </a:r>
             <a:r>
               <a:rPr lang="en-US" dirty="0"/>
-              <a:t> prior on a word given a </a:t>
+              <a:t> </a:t>
+            </a:r>
+            <a:r>
+              <a:rPr lang="en-US" dirty="0" smtClean="0"/>
+              <a:t>prior </a:t>
+            </a:r>
+            <a:r>
+              <a:rPr lang="en-US" dirty="0"/>
+              <a:t>on a word given a </a:t>
             </a:r>
             <a:r>
               <a:rPr lang="en-US" dirty="0" smtClean="0"/>
@@ -4219,12 +4431,18 @@
         </p:nvSpPr>
         <p:spPr/>
         <p:txBody>
-          <a:bodyPr/>
+          <a:bodyPr>
+            <a:normAutofit fontScale="90000"/>
+          </a:bodyPr>
           <a:lstStyle/>
           <a:p>
             <a:r>
               <a:rPr lang="en-US" dirty="0" smtClean="0"/>
-              <a:t>Non-negative Matrix Factorization</a:t>
+              <a:t>Non-negative Matrix </a:t>
+            </a:r>
+            <a:r>
+              <a:rPr lang="en-US" dirty="0" smtClean="0"/>
+              <a:t>Factorization (NMF)</a:t>
             </a:r>
             <a:endParaRPr lang="en-US" dirty="0"/>
           </a:p>
@@ -4377,7 +4595,7 @@
           <a:p>
             <a:r>
               <a:rPr lang="en-US" dirty="0" smtClean="0"/>
-              <a:t>Questions?</a:t>
+              <a:t>Methods for setting number of topics</a:t>
             </a:r>
             <a:endParaRPr lang="en-US" dirty="0"/>
           </a:p>
@@ -4386,7 +4604,7 @@
     </p:spTree>
     <p:extLst>
       <p:ext uri="{BB962C8B-B14F-4D97-AF65-F5344CB8AC3E}">
-        <p14:creationId xmlns:p14="http://schemas.microsoft.com/office/powerpoint/2010/main" val="2459084719"/>
+        <p14:creationId xmlns:p14="http://schemas.microsoft.com/office/powerpoint/2010/main" val="2355179620"/>
       </p:ext>
     </p:extLst>
   </p:cSld>

--- a/BMML_Presentation.pptx
+++ b/BMML_Presentation.pptx
@@ -8,16 +8,17 @@
     <p:sldId id="256" r:id="rId2"/>
     <p:sldId id="257" r:id="rId3"/>
     <p:sldId id="260" r:id="rId4"/>
-    <p:sldId id="261" r:id="rId5"/>
-    <p:sldId id="264" r:id="rId6"/>
-    <p:sldId id="258" r:id="rId7"/>
-    <p:sldId id="262" r:id="rId8"/>
-    <p:sldId id="259" r:id="rId9"/>
-    <p:sldId id="265" r:id="rId10"/>
-    <p:sldId id="266" r:id="rId11"/>
-    <p:sldId id="267" r:id="rId12"/>
-    <p:sldId id="268" r:id="rId13"/>
-    <p:sldId id="263" r:id="rId14"/>
+    <p:sldId id="264" r:id="rId5"/>
+    <p:sldId id="269" r:id="rId6"/>
+    <p:sldId id="261" r:id="rId7"/>
+    <p:sldId id="258" r:id="rId8"/>
+    <p:sldId id="262" r:id="rId9"/>
+    <p:sldId id="259" r:id="rId10"/>
+    <p:sldId id="268" r:id="rId11"/>
+    <p:sldId id="265" r:id="rId12"/>
+    <p:sldId id="266" r:id="rId13"/>
+    <p:sldId id="267" r:id="rId14"/>
+    <p:sldId id="263" r:id="rId15"/>
   </p:sldIdLst>
   <p:sldSz cx="9144000" cy="6858000" type="screen4x3"/>
   <p:notesSz cx="6858000" cy="9144000"/>
@@ -3533,7 +3534,15 @@
           <a:p>
             <a:r>
               <a:rPr lang="en-US" dirty="0" smtClean="0"/>
-              <a:t>HDP…</a:t>
+              <a:t>LDA </a:t>
+            </a:r>
+            <a:r>
+              <a:rPr lang="en-US" dirty="0" err="1" smtClean="0"/>
+              <a:t>vs</a:t>
+            </a:r>
+            <a:r>
+              <a:rPr lang="en-US" dirty="0" smtClean="0"/>
+              <a:t> NMF</a:t>
             </a:r>
             <a:endParaRPr lang="en-US" dirty="0"/>
           </a:p>
@@ -3541,18 +3550,217 @@
       </p:sp>
       <p:sp>
         <p:nvSpPr>
-          <p:cNvPr id="3" name="Content Placeholder 2"/>
-          <p:cNvSpPr>
-            <a:spLocks noGrp="1"/>
-          </p:cNvSpPr>
-          <p:nvPr>
-            <p:ph idx="1"/>
-          </p:nvPr>
-        </p:nvSpPr>
-        <p:spPr/>
-        <p:txBody>
-          <a:bodyPr/>
-          <a:lstStyle/>
+          <p:cNvPr id="5" name="Content Placeholder 2"/>
+          <p:cNvSpPr txBox="1">
+            <a:spLocks/>
+          </p:cNvSpPr>
+          <p:nvPr/>
+        </p:nvSpPr>
+        <p:spPr>
+          <a:xfrm>
+            <a:off x="457200" y="1600200"/>
+            <a:ext cx="8229600" cy="4876800"/>
+          </a:xfrm>
+          <a:prstGeom prst="rect">
+            <a:avLst/>
+          </a:prstGeom>
+        </p:spPr>
+        <p:txBody>
+          <a:bodyPr/>
+          <a:lstStyle>
+            <a:lvl1pPr marL="182880" indent="-182880" algn="l" defTabSz="914400" rtl="0" eaLnBrk="1" latinLnBrk="0" hangingPunct="1">
+              <a:spcBef>
+                <a:spcPct val="20000"/>
+              </a:spcBef>
+              <a:buClr>
+                <a:schemeClr val="accent1"/>
+              </a:buClr>
+              <a:buSzPct val="85000"/>
+              <a:buFont typeface="Arial" pitchFamily="34" charset="0"/>
+              <a:buChar char="•"/>
+              <a:defRPr sz="2400" kern="1200">
+                <a:solidFill>
+                  <a:schemeClr val="tx1"/>
+                </a:solidFill>
+                <a:latin typeface="+mn-lt"/>
+                <a:ea typeface="+mn-ea"/>
+                <a:cs typeface="+mn-cs"/>
+              </a:defRPr>
+            </a:lvl1pPr>
+            <a:lvl2pPr marL="457200" indent="-182880" algn="l" defTabSz="914400" rtl="0" eaLnBrk="1" latinLnBrk="0" hangingPunct="1">
+              <a:spcBef>
+                <a:spcPct val="20000"/>
+              </a:spcBef>
+              <a:buClr>
+                <a:schemeClr val="accent1"/>
+              </a:buClr>
+              <a:buSzPct val="85000"/>
+              <a:buFont typeface="Arial" pitchFamily="34" charset="0"/>
+              <a:buChar char="•"/>
+              <a:defRPr sz="2000" kern="1200">
+                <a:solidFill>
+                  <a:schemeClr val="tx1"/>
+                </a:solidFill>
+                <a:latin typeface="+mn-lt"/>
+                <a:ea typeface="+mn-ea"/>
+                <a:cs typeface="+mn-cs"/>
+              </a:defRPr>
+            </a:lvl2pPr>
+            <a:lvl3pPr marL="731520" indent="-182880" algn="l" defTabSz="914400" rtl="0" eaLnBrk="1" latinLnBrk="0" hangingPunct="1">
+              <a:spcBef>
+                <a:spcPct val="20000"/>
+              </a:spcBef>
+              <a:buClr>
+                <a:schemeClr val="accent1"/>
+              </a:buClr>
+              <a:buSzPct val="90000"/>
+              <a:buFont typeface="Arial" pitchFamily="34" charset="0"/>
+              <a:buChar char="•"/>
+              <a:defRPr sz="1800" kern="1200">
+                <a:solidFill>
+                  <a:schemeClr val="tx1"/>
+                </a:solidFill>
+                <a:latin typeface="+mn-lt"/>
+                <a:ea typeface="+mn-ea"/>
+                <a:cs typeface="+mn-cs"/>
+              </a:defRPr>
+            </a:lvl3pPr>
+            <a:lvl4pPr marL="1005840" indent="-182880" algn="l" defTabSz="914400" rtl="0" eaLnBrk="1" latinLnBrk="0" hangingPunct="1">
+              <a:spcBef>
+                <a:spcPct val="20000"/>
+              </a:spcBef>
+              <a:buClr>
+                <a:schemeClr val="accent1"/>
+              </a:buClr>
+              <a:buFont typeface="Arial" pitchFamily="34" charset="0"/>
+              <a:buChar char="•"/>
+              <a:defRPr sz="1600" kern="1200">
+                <a:solidFill>
+                  <a:schemeClr val="tx1"/>
+                </a:solidFill>
+                <a:latin typeface="+mn-lt"/>
+                <a:ea typeface="+mn-ea"/>
+                <a:cs typeface="+mn-cs"/>
+              </a:defRPr>
+            </a:lvl4pPr>
+            <a:lvl5pPr marL="1188720" indent="-137160" algn="l" defTabSz="914400" rtl="0" eaLnBrk="1" latinLnBrk="0" hangingPunct="1">
+              <a:spcBef>
+                <a:spcPct val="20000"/>
+              </a:spcBef>
+              <a:buClr>
+                <a:schemeClr val="accent1"/>
+              </a:buClr>
+              <a:buSzPct val="100000"/>
+              <a:buFont typeface="Arial" pitchFamily="34" charset="0"/>
+              <a:buChar char="•"/>
+              <a:defRPr sz="1400" kern="1200" baseline="0">
+                <a:solidFill>
+                  <a:schemeClr val="tx1"/>
+                </a:solidFill>
+                <a:latin typeface="+mn-lt"/>
+                <a:ea typeface="+mn-ea"/>
+                <a:cs typeface="+mn-cs"/>
+              </a:defRPr>
+            </a:lvl5pPr>
+            <a:lvl6pPr marL="1371600" indent="-182880" algn="l" defTabSz="914400" rtl="0" eaLnBrk="1" latinLnBrk="0" hangingPunct="1">
+              <a:spcBef>
+                <a:spcPct val="20000"/>
+              </a:spcBef>
+              <a:buClr>
+                <a:schemeClr val="accent1"/>
+              </a:buClr>
+              <a:buFont typeface="Arial" pitchFamily="34" charset="0"/>
+              <a:buChar char="•"/>
+              <a:defRPr sz="1300" kern="1200">
+                <a:solidFill>
+                  <a:schemeClr val="tx1"/>
+                </a:solidFill>
+                <a:latin typeface="+mn-lt"/>
+                <a:ea typeface="+mn-ea"/>
+                <a:cs typeface="+mn-cs"/>
+              </a:defRPr>
+            </a:lvl6pPr>
+            <a:lvl7pPr marL="1554480" indent="-182880" algn="l" defTabSz="914400" rtl="0" eaLnBrk="1" latinLnBrk="0" hangingPunct="1">
+              <a:spcBef>
+                <a:spcPct val="20000"/>
+              </a:spcBef>
+              <a:buClr>
+                <a:schemeClr val="accent1"/>
+              </a:buClr>
+              <a:buFont typeface="Arial" pitchFamily="34" charset="0"/>
+              <a:buChar char="•"/>
+              <a:defRPr sz="1300" kern="1200">
+                <a:solidFill>
+                  <a:schemeClr val="tx1"/>
+                </a:solidFill>
+                <a:latin typeface="+mn-lt"/>
+                <a:ea typeface="+mn-ea"/>
+                <a:cs typeface="+mn-cs"/>
+              </a:defRPr>
+            </a:lvl7pPr>
+            <a:lvl8pPr marL="1737360" indent="-182880" algn="l" defTabSz="914400" rtl="0" eaLnBrk="1" latinLnBrk="0" hangingPunct="1">
+              <a:spcBef>
+                <a:spcPct val="20000"/>
+              </a:spcBef>
+              <a:buClr>
+                <a:schemeClr val="accent1"/>
+              </a:buClr>
+              <a:buFont typeface="Arial" pitchFamily="34" charset="0"/>
+              <a:buChar char="•"/>
+              <a:defRPr sz="1300" kern="1200">
+                <a:solidFill>
+                  <a:schemeClr val="tx1"/>
+                </a:solidFill>
+                <a:latin typeface="+mn-lt"/>
+                <a:ea typeface="+mn-ea"/>
+                <a:cs typeface="+mn-cs"/>
+              </a:defRPr>
+            </a:lvl8pPr>
+            <a:lvl9pPr marL="1920240" indent="-182880" algn="l" defTabSz="914400" rtl="0" eaLnBrk="1" latinLnBrk="0" hangingPunct="1">
+              <a:spcBef>
+                <a:spcPct val="20000"/>
+              </a:spcBef>
+              <a:buClr>
+                <a:schemeClr val="accent1"/>
+              </a:buClr>
+              <a:buFont typeface="Arial" pitchFamily="34" charset="0"/>
+              <a:buChar char="•"/>
+              <a:defRPr sz="1300" kern="1200">
+                <a:solidFill>
+                  <a:schemeClr val="tx1"/>
+                </a:solidFill>
+                <a:latin typeface="+mn-lt"/>
+                <a:ea typeface="+mn-ea"/>
+                <a:cs typeface="+mn-cs"/>
+              </a:defRPr>
+            </a:lvl9pPr>
+          </a:lstStyle>
+          <a:p>
+            <a:r>
+              <a:rPr lang="en-US" dirty="0" smtClean="0"/>
+              <a:t>NMF faster, of course</a:t>
+            </a:r>
+          </a:p>
+          <a:p>
+            <a:r>
+              <a:rPr lang="en-US" dirty="0" smtClean="0"/>
+              <a:t>NMF (particularly with the right representation of corpus—TF-IDF) seems to produce more coherent topics?</a:t>
+            </a:r>
+          </a:p>
+          <a:p>
+            <a:pPr lvl="1"/>
+            <a:r>
+              <a:rPr lang="en-US" dirty="0" smtClean="0"/>
+              <a:t>LDA (depending on representation of corpus) can produce fine or very poor topics</a:t>
+            </a:r>
+          </a:p>
+          <a:p>
+            <a:pPr lvl="1"/>
+            <a:r>
+              <a:rPr lang="en-US" dirty="0" smtClean="0"/>
+              <a:t>Probably a problem on our end</a:t>
+            </a:r>
+          </a:p>
           <a:p>
             <a:endParaRPr lang="en-US" dirty="0" smtClean="0"/>
           </a:p>
@@ -3561,20 +3769,13 @@
     </p:spTree>
     <p:extLst>
       <p:ext uri="{BB962C8B-B14F-4D97-AF65-F5344CB8AC3E}">
-        <p14:creationId xmlns:p14="http://schemas.microsoft.com/office/powerpoint/2010/main" val="4066006703"/>
+        <p14:creationId xmlns:p14="http://schemas.microsoft.com/office/powerpoint/2010/main" val="992791850"/>
       </p:ext>
     </p:extLst>
   </p:cSld>
   <p:clrMapOvr>
     <a:masterClrMapping/>
   </p:clrMapOvr>
-  <p:timing>
-    <p:tnLst>
-      <p:par>
-        <p:cTn xmlns:p14="http://schemas.microsoft.com/office/powerpoint/2010/main" id="1" dur="indefinite" restart="never" nodeType="tmRoot"/>
-      </p:par>
-    </p:tnLst>
-  </p:timing>
 </p:sld>
 </file>
 
@@ -3607,59 +3808,21 @@
         </p:nvSpPr>
         <p:spPr/>
         <p:txBody>
-          <a:bodyPr>
-            <a:normAutofit fontScale="90000"/>
-          </a:bodyPr>
-          <a:lstStyle/>
-          <a:p>
-            <a:r>
-              <a:rPr lang="en-US" dirty="0" smtClean="0"/>
-              <a:t>Using LDA Topic-Distributions as Features</a:t>
+          <a:bodyPr/>
+          <a:lstStyle/>
+          <a:p>
+            <a:r>
+              <a:rPr lang="en-US" dirty="0" smtClean="0"/>
+              <a:t>Methods for setting number of topics</a:t>
             </a:r>
             <a:endParaRPr lang="en-US" dirty="0"/>
-          </a:p>
-        </p:txBody>
-      </p:sp>
-      <p:sp>
-        <p:nvSpPr>
-          <p:cNvPr id="3" name="Content Placeholder 2"/>
-          <p:cNvSpPr>
-            <a:spLocks noGrp="1"/>
-          </p:cNvSpPr>
-          <p:nvPr>
-            <p:ph idx="1"/>
-          </p:nvPr>
-        </p:nvSpPr>
-        <p:spPr/>
-        <p:txBody>
-          <a:bodyPr/>
-          <a:lstStyle/>
-          <a:p>
-            <a:r>
-              <a:rPr lang="en-US" dirty="0" smtClean="0"/>
-              <a:t>How does topic count affect accuracy of classifiers?</a:t>
-            </a:r>
-          </a:p>
-          <a:p>
-            <a:r>
-              <a:rPr lang="en-US" dirty="0" smtClean="0"/>
-              <a:t>How does this relate to other methods of </a:t>
-            </a:r>
-            <a:r>
-              <a:rPr lang="en-US" dirty="0" err="1" smtClean="0"/>
-              <a:t>determiniing</a:t>
-            </a:r>
-            <a:r>
-              <a:rPr lang="en-US" dirty="0" smtClean="0"/>
-              <a:t> ideal topic count?</a:t>
-            </a:r>
           </a:p>
         </p:txBody>
       </p:sp>
     </p:spTree>
     <p:extLst>
       <p:ext uri="{BB962C8B-B14F-4D97-AF65-F5344CB8AC3E}">
-        <p14:creationId xmlns:p14="http://schemas.microsoft.com/office/powerpoint/2010/main" val="4066006703"/>
+        <p14:creationId xmlns:p14="http://schemas.microsoft.com/office/powerpoint/2010/main" val="2355179620"/>
       </p:ext>
     </p:extLst>
   </p:cSld>
@@ -3705,12 +3868,14 @@
         </p:nvSpPr>
         <p:spPr/>
         <p:txBody>
-          <a:bodyPr/>
-          <a:lstStyle/>
-          <a:p>
-            <a:r>
-              <a:rPr lang="en-US" dirty="0" smtClean="0"/>
-              <a:t>Our progress so far…</a:t>
+          <a:bodyPr>
+            <a:normAutofit/>
+          </a:bodyPr>
+          <a:lstStyle/>
+          <a:p>
+            <a:r>
+              <a:rPr lang="en-US" dirty="0" smtClean="0"/>
+              <a:t>Different possible approaches</a:t>
             </a:r>
             <a:endParaRPr lang="en-US" dirty="0"/>
           </a:p>
@@ -3731,6 +3896,28 @@
           <a:bodyPr/>
           <a:lstStyle/>
           <a:p>
+            <a:r>
+              <a:rPr lang="en-US" dirty="0" smtClean="0"/>
+              <a:t>Compare different numbers of topics and see what the log likelihood of the data is</a:t>
+            </a:r>
+          </a:p>
+          <a:p>
+            <a:r>
+              <a:rPr lang="en-US" dirty="0" smtClean="0"/>
+              <a:t>Hierarchical </a:t>
+            </a:r>
+            <a:r>
+              <a:rPr lang="en-US" dirty="0" err="1" smtClean="0"/>
+              <a:t>Dirichlet</a:t>
+            </a:r>
+            <a:r>
+              <a:rPr lang="en-US" dirty="0" smtClean="0"/>
+              <a:t> processes (investigating)</a:t>
+            </a:r>
+            <a:r>
+              <a:rPr lang="en-US" dirty="0" smtClean="0"/>
+              <a:t> </a:t>
+            </a:r>
             <a:endParaRPr lang="en-US" dirty="0" smtClean="0"/>
           </a:p>
         </p:txBody>
@@ -3738,7 +3925,7 @@
     </p:spTree>
     <p:extLst>
       <p:ext uri="{BB962C8B-B14F-4D97-AF65-F5344CB8AC3E}">
-        <p14:creationId xmlns:p14="http://schemas.microsoft.com/office/powerpoint/2010/main" val="826477111"/>
+        <p14:creationId xmlns:p14="http://schemas.microsoft.com/office/powerpoint/2010/main" val="4066006703"/>
       </p:ext>
     </p:extLst>
   </p:cSld>
@@ -3756,6 +3943,185 @@
 </file>
 
 <file path=ppt/slides/slide13.xml><?xml version="1.0" encoding="utf-8"?>
+<p:sld xmlns:a="http://schemas.openxmlformats.org/drawingml/2006/main" xmlns:r="http://schemas.openxmlformats.org/officeDocument/2006/relationships" xmlns:p="http://schemas.openxmlformats.org/presentationml/2006/main">
+  <p:cSld>
+    <p:spTree>
+      <p:nvGrpSpPr>
+        <p:cNvPr id="1" name=""/>
+        <p:cNvGrpSpPr/>
+        <p:nvPr/>
+      </p:nvGrpSpPr>
+      <p:grpSpPr>
+        <a:xfrm>
+          <a:off x="0" y="0"/>
+          <a:ext cx="0" cy="0"/>
+          <a:chOff x="0" y="0"/>
+          <a:chExt cx="0" cy="0"/>
+        </a:xfrm>
+      </p:grpSpPr>
+      <p:sp>
+        <p:nvSpPr>
+          <p:cNvPr id="2" name="Title 1"/>
+          <p:cNvSpPr>
+            <a:spLocks noGrp="1"/>
+          </p:cNvSpPr>
+          <p:nvPr>
+            <p:ph type="title"/>
+          </p:nvPr>
+        </p:nvSpPr>
+        <p:spPr/>
+        <p:txBody>
+          <a:bodyPr>
+            <a:normAutofit/>
+          </a:bodyPr>
+          <a:lstStyle/>
+          <a:p>
+            <a:r>
+              <a:rPr lang="en-US" dirty="0" smtClean="0"/>
+              <a:t>LDA for document classification</a:t>
+            </a:r>
+            <a:endParaRPr lang="en-US" dirty="0"/>
+          </a:p>
+        </p:txBody>
+      </p:sp>
+      <p:sp>
+        <p:nvSpPr>
+          <p:cNvPr id="3" name="Content Placeholder 2"/>
+          <p:cNvSpPr>
+            <a:spLocks noGrp="1"/>
+          </p:cNvSpPr>
+          <p:nvPr>
+            <p:ph idx="1"/>
+          </p:nvPr>
+        </p:nvSpPr>
+        <p:spPr/>
+        <p:txBody>
+          <a:bodyPr/>
+          <a:lstStyle/>
+          <a:p>
+            <a:r>
+              <a:rPr lang="en-US" dirty="0" smtClean="0"/>
+              <a:t>Train a machine learning classifier using distributions over topics as features for each document (</a:t>
+            </a:r>
+            <a:r>
+              <a:rPr lang="en-US" dirty="0" err="1" smtClean="0"/>
+              <a:t>Blei</a:t>
+            </a:r>
+            <a:r>
+              <a:rPr lang="en-US" dirty="0" smtClean="0"/>
+              <a:t> et al, 2003)</a:t>
+            </a:r>
+          </a:p>
+          <a:p>
+            <a:pPr lvl="1"/>
+            <a:r>
+              <a:rPr lang="en-US" dirty="0" smtClean="0"/>
+              <a:t>Much lower dimensional</a:t>
+            </a:r>
+          </a:p>
+          <a:p>
+            <a:pPr lvl="1"/>
+            <a:r>
+              <a:rPr lang="en-US" dirty="0" smtClean="0"/>
+              <a:t>Currently, as mentioned, our topics have quality issues (bug?) so our classifier doesn’t perform well</a:t>
+            </a:r>
+          </a:p>
+          <a:p>
+            <a:pPr marL="274320" lvl="1" indent="0">
+              <a:buNone/>
+            </a:pPr>
+            <a:endParaRPr lang="en-US" dirty="0" smtClean="0"/>
+          </a:p>
+          <a:p>
+            <a:r>
+              <a:rPr lang="en-US" dirty="0" smtClean="0"/>
+              <a:t>How </a:t>
+            </a:r>
+            <a:r>
+              <a:rPr lang="en-US" dirty="0" smtClean="0"/>
+              <a:t>does topic count affect accuracy of classifiers</a:t>
+            </a:r>
+            <a:r>
+              <a:rPr lang="en-US" dirty="0" smtClean="0"/>
+              <a:t>?</a:t>
+            </a:r>
+          </a:p>
+          <a:p>
+            <a:pPr lvl="1"/>
+            <a:r>
+              <a:rPr lang="en-US" dirty="0" smtClean="0"/>
+              <a:t>Too few topics </a:t>
+            </a:r>
+            <a:r>
+              <a:rPr lang="en-US" dirty="0" smtClean="0">
+                <a:sym typeface="Wingdings"/>
+              </a:rPr>
+              <a:t></a:t>
+            </a:r>
+            <a:r>
+              <a:rPr lang="en-US" dirty="0" smtClean="0"/>
+              <a:t> not enough features</a:t>
+            </a:r>
+          </a:p>
+          <a:p>
+            <a:pPr lvl="1"/>
+            <a:r>
+              <a:rPr lang="en-US" dirty="0" smtClean="0"/>
+              <a:t>Too many </a:t>
+            </a:r>
+            <a:r>
+              <a:rPr lang="en-US" dirty="0" smtClean="0">
+                <a:sym typeface="Wingdings"/>
+              </a:rPr>
+              <a:t> </a:t>
+            </a:r>
+            <a:r>
+              <a:rPr lang="en-US" dirty="0" err="1" smtClean="0"/>
+              <a:t>overfit</a:t>
+            </a:r>
+            <a:endParaRPr lang="en-US" dirty="0" smtClean="0"/>
+          </a:p>
+          <a:p>
+            <a:pPr lvl="1"/>
+            <a:endParaRPr lang="en-US" dirty="0" smtClean="0"/>
+          </a:p>
+          <a:p>
+            <a:r>
+              <a:rPr lang="en-US" dirty="0" smtClean="0"/>
+              <a:t>How does this relate to other methods of </a:t>
+            </a:r>
+            <a:r>
+              <a:rPr lang="en-US" dirty="0" smtClean="0"/>
+              <a:t>determining </a:t>
+            </a:r>
+            <a:r>
+              <a:rPr lang="en-US" dirty="0" smtClean="0"/>
+              <a:t>ideal topic count?</a:t>
+            </a:r>
+          </a:p>
+        </p:txBody>
+      </p:sp>
+    </p:spTree>
+    <p:extLst>
+      <p:ext uri="{BB962C8B-B14F-4D97-AF65-F5344CB8AC3E}">
+        <p14:creationId xmlns:p14="http://schemas.microsoft.com/office/powerpoint/2010/main" val="4066006703"/>
+      </p:ext>
+    </p:extLst>
+  </p:cSld>
+  <p:clrMapOvr>
+    <a:masterClrMapping/>
+  </p:clrMapOvr>
+  <p:timing>
+    <p:tnLst>
+      <p:par>
+        <p:cTn xmlns:p14="http://schemas.microsoft.com/office/powerpoint/2010/main" id="1" dur="indefinite" restart="never" nodeType="tmRoot"/>
+      </p:par>
+    </p:tnLst>
+  </p:timing>
+</p:sld>
+</file>
+
+<file path=ppt/slides/slide14.xml><?xml version="1.0" encoding="utf-8"?>
 <p:sld xmlns:a="http://schemas.openxmlformats.org/drawingml/2006/main" xmlns:r="http://schemas.openxmlformats.org/officeDocument/2006/relationships" xmlns:p="http://schemas.openxmlformats.org/presentationml/2006/main">
   <p:cSld>
     <p:spTree>
@@ -3877,37 +4243,28 @@
           <a:p>
             <a:r>
               <a:rPr lang="en-US" sz="3600" dirty="0" smtClean="0"/>
-              <a:t>Topics</a:t>
+              <a:t>Topic Modeling</a:t>
             </a:r>
             <a:endParaRPr lang="en-US" sz="3600" dirty="0"/>
           </a:p>
           <a:p>
             <a:r>
               <a:rPr lang="en-US" sz="3600" dirty="0" smtClean="0"/>
-              <a:t>LDA</a:t>
+              <a:t>Comparison of techniques</a:t>
             </a:r>
             <a:endParaRPr lang="en-US" sz="3600" dirty="0"/>
           </a:p>
           <a:p>
             <a:r>
               <a:rPr lang="en-US" sz="3600" dirty="0" smtClean="0"/>
-              <a:t>NMF</a:t>
-            </a:r>
-          </a:p>
-          <a:p>
-            <a:r>
-              <a:rPr lang="en-US" sz="3600" dirty="0" smtClean="0"/>
-              <a:t>HDP</a:t>
-            </a:r>
-          </a:p>
-          <a:p>
-            <a:r>
-              <a:rPr lang="en-US" sz="3600" dirty="0" smtClean="0"/>
-              <a:t>Results</a:t>
+              <a:t>Determining number of topics</a:t>
             </a:r>
             <a:endParaRPr lang="en-US" sz="3600" dirty="0" smtClean="0"/>
           </a:p>
           <a:p>
+            <a:pPr marL="0" indent="0">
+              <a:buNone/>
+            </a:pPr>
             <a:endParaRPr lang="en-US" dirty="0" smtClean="0"/>
           </a:p>
         </p:txBody>
@@ -3966,11 +4323,7 @@
           <a:p>
             <a:r>
               <a:rPr lang="en-US" dirty="0" smtClean="0"/>
-              <a:t>An Introduction to </a:t>
-            </a:r>
-            <a:r>
-              <a:rPr lang="en-US" dirty="0" smtClean="0"/>
-              <a:t>topic modeling</a:t>
+              <a:t>An Introduction to topic modeling</a:t>
             </a:r>
             <a:endParaRPr lang="en-US" dirty="0"/>
           </a:p>
@@ -3997,88 +4350,6 @@
 </file>
 
 <file path=ppt/slides/slide4.xml><?xml version="1.0" encoding="utf-8"?>
-<p:sld xmlns:a="http://schemas.openxmlformats.org/drawingml/2006/main" xmlns:r="http://schemas.openxmlformats.org/officeDocument/2006/relationships" xmlns:p="http://schemas.openxmlformats.org/presentationml/2006/main">
-  <p:cSld>
-    <p:spTree>
-      <p:nvGrpSpPr>
-        <p:cNvPr id="1" name=""/>
-        <p:cNvGrpSpPr/>
-        <p:nvPr/>
-      </p:nvGrpSpPr>
-      <p:grpSpPr>
-        <a:xfrm>
-          <a:off x="0" y="0"/>
-          <a:ext cx="0" cy="0"/>
-          <a:chOff x="0" y="0"/>
-          <a:chExt cx="0" cy="0"/>
-        </a:xfrm>
-      </p:grpSpPr>
-      <p:sp>
-        <p:nvSpPr>
-          <p:cNvPr id="2" name="Title 1"/>
-          <p:cNvSpPr>
-            <a:spLocks noGrp="1"/>
-          </p:cNvSpPr>
-          <p:nvPr>
-            <p:ph type="title"/>
-          </p:nvPr>
-        </p:nvSpPr>
-        <p:spPr/>
-        <p:txBody>
-          <a:bodyPr/>
-          <a:lstStyle/>
-          <a:p>
-            <a:r>
-              <a:rPr lang="en-US" dirty="0" smtClean="0"/>
-              <a:t>Term-Document Matrix</a:t>
-            </a:r>
-            <a:endParaRPr lang="en-US" dirty="0"/>
-          </a:p>
-        </p:txBody>
-      </p:sp>
-      <p:pic>
-        <p:nvPicPr>
-          <p:cNvPr id="5" name="Content Placeholder 4"/>
-          <p:cNvPicPr>
-            <a:picLocks noGrp="1" noChangeAspect="1"/>
-          </p:cNvPicPr>
-          <p:nvPr>
-            <p:ph idx="1"/>
-          </p:nvPr>
-        </p:nvPicPr>
-        <p:blipFill rotWithShape="1">
-          <a:blip r:embed="rId2"/>
-          <a:srcRect l="2741" t="5402" r="2142" b="5436"/>
-          <a:stretch/>
-        </p:blipFill>
-        <p:spPr>
-          <a:xfrm>
-            <a:off x="657141" y="1709496"/>
-            <a:ext cx="7883920" cy="4511753"/>
-          </a:xfrm>
-        </p:spPr>
-      </p:pic>
-    </p:spTree>
-    <p:extLst>
-      <p:ext uri="{BB962C8B-B14F-4D97-AF65-F5344CB8AC3E}">
-        <p14:creationId xmlns:p14="http://schemas.microsoft.com/office/powerpoint/2010/main" val="1386330539"/>
-      </p:ext>
-    </p:extLst>
-  </p:cSld>
-  <p:clrMapOvr>
-    <a:masterClrMapping/>
-  </p:clrMapOvr>
-  <p:timing>
-    <p:tnLst>
-      <p:par>
-        <p:cTn xmlns:p14="http://schemas.microsoft.com/office/powerpoint/2010/main" id="1" dur="indefinite" restart="never" nodeType="tmRoot"/>
-      </p:par>
-    </p:tnLst>
-  </p:timing>
-</p:sld>
-</file>
-
-<file path=ppt/slides/slide5.xml><?xml version="1.0" encoding="utf-8"?>
 <p:sld xmlns:a="http://schemas.openxmlformats.org/drawingml/2006/main" xmlns:r="http://schemas.openxmlformats.org/officeDocument/2006/relationships" xmlns:p="http://schemas.openxmlformats.org/presentationml/2006/main">
   <p:cSld>
     <p:spTree>
@@ -4202,6 +4473,435 @@
 </p:sld>
 </file>
 
+<file path=ppt/slides/slide5.xml><?xml version="1.0" encoding="utf-8"?>
+<p:sld xmlns:a="http://schemas.openxmlformats.org/drawingml/2006/main" xmlns:r="http://schemas.openxmlformats.org/officeDocument/2006/relationships" xmlns:p="http://schemas.openxmlformats.org/presentationml/2006/main">
+  <p:cSld>
+    <p:spTree>
+      <p:nvGrpSpPr>
+        <p:cNvPr id="1" name=""/>
+        <p:cNvGrpSpPr/>
+        <p:nvPr/>
+      </p:nvGrpSpPr>
+      <p:grpSpPr>
+        <a:xfrm>
+          <a:off x="0" y="0"/>
+          <a:ext cx="0" cy="0"/>
+          <a:chOff x="0" y="0"/>
+          <a:chExt cx="0" cy="0"/>
+        </a:xfrm>
+      </p:grpSpPr>
+      <p:sp>
+        <p:nvSpPr>
+          <p:cNvPr id="2" name="Title 1"/>
+          <p:cNvSpPr>
+            <a:spLocks noGrp="1"/>
+          </p:cNvSpPr>
+          <p:nvPr>
+            <p:ph type="title"/>
+          </p:nvPr>
+        </p:nvSpPr>
+        <p:spPr/>
+        <p:txBody>
+          <a:bodyPr/>
+          <a:lstStyle/>
+          <a:p>
+            <a:r>
+              <a:rPr lang="en-US" dirty="0" smtClean="0"/>
+              <a:t>Representing data</a:t>
+            </a:r>
+            <a:endParaRPr lang="en-US" dirty="0"/>
+          </a:p>
+        </p:txBody>
+      </p:sp>
+      <p:sp>
+        <p:nvSpPr>
+          <p:cNvPr id="3" name="Content Placeholder 2"/>
+          <p:cNvSpPr>
+            <a:spLocks noGrp="1"/>
+          </p:cNvSpPr>
+          <p:nvPr>
+            <p:ph idx="1"/>
+          </p:nvPr>
+        </p:nvSpPr>
+        <p:spPr/>
+        <p:txBody>
+          <a:bodyPr/>
+          <a:lstStyle/>
+          <a:p>
+            <a:r>
+              <a:rPr lang="en-US" dirty="0" smtClean="0"/>
+              <a:t>Consider corpus:</a:t>
+            </a:r>
+          </a:p>
+          <a:p>
+            <a:pPr lvl="1"/>
+            <a:r>
+              <a:rPr lang="en-US" dirty="0" smtClean="0"/>
+              <a:t>“Business is business.”</a:t>
+            </a:r>
+          </a:p>
+          <a:p>
+            <a:pPr lvl="1"/>
+            <a:r>
+              <a:rPr lang="en-US" dirty="0" smtClean="0"/>
+              <a:t>“None of your business.”</a:t>
+            </a:r>
+          </a:p>
+          <a:p>
+            <a:pPr lvl="1"/>
+            <a:endParaRPr lang="en-US" dirty="0" smtClean="0"/>
+          </a:p>
+          <a:p>
+            <a:r>
+              <a:rPr lang="en-US" dirty="0"/>
+              <a:t>Bag of words</a:t>
+            </a:r>
+          </a:p>
+          <a:p>
+            <a:pPr lvl="1"/>
+            <a:r>
+              <a:rPr lang="en-US" dirty="0"/>
+              <a:t>[(“business”, 2), (“is”, 1)]</a:t>
+            </a:r>
+          </a:p>
+          <a:p>
+            <a:pPr lvl="1"/>
+            <a:r>
+              <a:rPr lang="en-US" dirty="0"/>
+              <a:t>[(“None”, 1), (“of”, 1), (“your”, 1), (“business”, 1)]</a:t>
+            </a:r>
+          </a:p>
+          <a:p>
+            <a:endParaRPr lang="en-US" dirty="0"/>
+          </a:p>
+          <a:p>
+            <a:r>
+              <a:rPr lang="en-US" dirty="0" smtClean="0"/>
+              <a:t>Term-document matrix</a:t>
+            </a:r>
+          </a:p>
+          <a:p>
+            <a:pPr lvl="1"/>
+            <a:endParaRPr lang="en-US" dirty="0" smtClean="0"/>
+          </a:p>
+          <a:p>
+            <a:pPr marL="274320" lvl="1" indent="0">
+              <a:buNone/>
+            </a:pPr>
+            <a:endParaRPr lang="en-US" dirty="0" smtClean="0"/>
+          </a:p>
+        </p:txBody>
+      </p:sp>
+      <p:graphicFrame>
+        <p:nvGraphicFramePr>
+          <p:cNvPr id="4" name="Table 3"/>
+          <p:cNvGraphicFramePr>
+            <a:graphicFrameLocks noGrp="1"/>
+          </p:cNvGraphicFramePr>
+          <p:nvPr>
+            <p:extLst>
+              <p:ext uri="{D42A27DB-BD31-4B8C-83A1-F6EECF244321}">
+                <p14:modId xmlns:p14="http://schemas.microsoft.com/office/powerpoint/2010/main" val="3351413792"/>
+              </p:ext>
+            </p:extLst>
+          </p:nvPr>
+        </p:nvGraphicFramePr>
+        <p:xfrm>
+          <a:off x="1117600" y="5283198"/>
+          <a:ext cx="5350932" cy="1193802"/>
+        </p:xfrm>
+        <a:graphic>
+          <a:graphicData uri="http://schemas.openxmlformats.org/drawingml/2006/table">
+            <a:tbl>
+              <a:tblPr firstRow="1" bandRow="1">
+                <a:tableStyleId>{5C22544A-7EE6-4342-B048-85BDC9FD1C3A}</a:tableStyleId>
+              </a:tblPr>
+              <a:tblGrid>
+                <a:gridCol w="891822"/>
+                <a:gridCol w="1360311"/>
+                <a:gridCol w="423333"/>
+                <a:gridCol w="891822"/>
+                <a:gridCol w="891822"/>
+                <a:gridCol w="891822"/>
+              </a:tblGrid>
+              <a:tr h="397934">
+                <a:tc>
+                  <a:txBody>
+                    <a:bodyPr/>
+                    <a:lstStyle/>
+                    <a:p>
+                      <a:endParaRPr lang="en-US" dirty="0"/>
+                    </a:p>
+                  </a:txBody>
+                  <a:tcPr/>
+                </a:tc>
+                <a:tc>
+                  <a:txBody>
+                    <a:bodyPr/>
+                    <a:lstStyle/>
+                    <a:p>
+                      <a:r>
+                        <a:rPr lang="en-US" dirty="0" smtClean="0"/>
+                        <a:t>Business</a:t>
+                      </a:r>
+                      <a:endParaRPr lang="en-US" dirty="0"/>
+                    </a:p>
+                  </a:txBody>
+                  <a:tcPr/>
+                </a:tc>
+                <a:tc>
+                  <a:txBody>
+                    <a:bodyPr/>
+                    <a:lstStyle/>
+                    <a:p>
+                      <a:r>
+                        <a:rPr lang="en-US" dirty="0" smtClean="0"/>
+                        <a:t>Is</a:t>
+                      </a:r>
+                      <a:endParaRPr lang="en-US" dirty="0"/>
+                    </a:p>
+                  </a:txBody>
+                  <a:tcPr/>
+                </a:tc>
+                <a:tc>
+                  <a:txBody>
+                    <a:bodyPr/>
+                    <a:lstStyle/>
+                    <a:p>
+                      <a:r>
+                        <a:rPr lang="en-US" dirty="0" smtClean="0"/>
+                        <a:t>None</a:t>
+                      </a:r>
+                      <a:endParaRPr lang="en-US" dirty="0"/>
+                    </a:p>
+                  </a:txBody>
+                  <a:tcPr/>
+                </a:tc>
+                <a:tc>
+                  <a:txBody>
+                    <a:bodyPr/>
+                    <a:lstStyle/>
+                    <a:p>
+                      <a:r>
+                        <a:rPr lang="en-US" dirty="0" smtClean="0"/>
+                        <a:t>Of</a:t>
+                      </a:r>
+                      <a:endParaRPr lang="en-US" dirty="0"/>
+                    </a:p>
+                  </a:txBody>
+                  <a:tcPr/>
+                </a:tc>
+                <a:tc>
+                  <a:txBody>
+                    <a:bodyPr/>
+                    <a:lstStyle/>
+                    <a:p>
+                      <a:r>
+                        <a:rPr lang="en-US" dirty="0" smtClean="0"/>
+                        <a:t>Your</a:t>
+                      </a:r>
+                      <a:endParaRPr lang="en-US" dirty="0"/>
+                    </a:p>
+                  </a:txBody>
+                  <a:tcPr/>
+                </a:tc>
+              </a:tr>
+              <a:tr h="397934">
+                <a:tc>
+                  <a:txBody>
+                    <a:bodyPr/>
+                    <a:lstStyle/>
+                    <a:p>
+                      <a:r>
+                        <a:rPr lang="en-US" dirty="0" smtClean="0"/>
+                        <a:t>Doc 1</a:t>
+                      </a:r>
+                      <a:endParaRPr lang="en-US" dirty="0"/>
+                    </a:p>
+                  </a:txBody>
+                  <a:tcPr/>
+                </a:tc>
+                <a:tc>
+                  <a:txBody>
+                    <a:bodyPr/>
+                    <a:lstStyle/>
+                    <a:p>
+                      <a:r>
+                        <a:rPr lang="en-US" dirty="0" smtClean="0"/>
+                        <a:t>2</a:t>
+                      </a:r>
+                      <a:endParaRPr lang="en-US" dirty="0"/>
+                    </a:p>
+                  </a:txBody>
+                  <a:tcPr/>
+                </a:tc>
+                <a:tc>
+                  <a:txBody>
+                    <a:bodyPr/>
+                    <a:lstStyle/>
+                    <a:p>
+                      <a:r>
+                        <a:rPr lang="en-US" dirty="0" smtClean="0"/>
+                        <a:t>1</a:t>
+                      </a:r>
+                      <a:endParaRPr lang="en-US" dirty="0"/>
+                    </a:p>
+                  </a:txBody>
+                  <a:tcPr/>
+                </a:tc>
+                <a:tc>
+                  <a:txBody>
+                    <a:bodyPr/>
+                    <a:lstStyle/>
+                    <a:p>
+                      <a:r>
+                        <a:rPr lang="en-US" dirty="0" smtClean="0"/>
+                        <a:t>0</a:t>
+                      </a:r>
+                      <a:endParaRPr lang="en-US" dirty="0"/>
+                    </a:p>
+                  </a:txBody>
+                  <a:tcPr/>
+                </a:tc>
+                <a:tc>
+                  <a:txBody>
+                    <a:bodyPr/>
+                    <a:lstStyle/>
+                    <a:p>
+                      <a:r>
+                        <a:rPr lang="en-US" dirty="0" smtClean="0"/>
+                        <a:t>0</a:t>
+                      </a:r>
+                      <a:endParaRPr lang="en-US" dirty="0"/>
+                    </a:p>
+                  </a:txBody>
+                  <a:tcPr/>
+                </a:tc>
+                <a:tc>
+                  <a:txBody>
+                    <a:bodyPr/>
+                    <a:lstStyle/>
+                    <a:p>
+                      <a:r>
+                        <a:rPr lang="en-US" dirty="0" smtClean="0"/>
+                        <a:t>0</a:t>
+                      </a:r>
+                      <a:endParaRPr lang="en-US" dirty="0"/>
+                    </a:p>
+                  </a:txBody>
+                  <a:tcPr/>
+                </a:tc>
+              </a:tr>
+              <a:tr h="397934">
+                <a:tc>
+                  <a:txBody>
+                    <a:bodyPr/>
+                    <a:lstStyle/>
+                    <a:p>
+                      <a:r>
+                        <a:rPr lang="en-US" dirty="0" smtClean="0"/>
+                        <a:t>Doc 2</a:t>
+                      </a:r>
+                      <a:endParaRPr lang="en-US" dirty="0"/>
+                    </a:p>
+                  </a:txBody>
+                  <a:tcPr/>
+                </a:tc>
+                <a:tc>
+                  <a:txBody>
+                    <a:bodyPr/>
+                    <a:lstStyle/>
+                    <a:p>
+                      <a:r>
+                        <a:rPr lang="en-US" dirty="0" smtClean="0"/>
+                        <a:t>1</a:t>
+                      </a:r>
+                      <a:endParaRPr lang="en-US" dirty="0"/>
+                    </a:p>
+                  </a:txBody>
+                  <a:tcPr/>
+                </a:tc>
+                <a:tc>
+                  <a:txBody>
+                    <a:bodyPr/>
+                    <a:lstStyle/>
+                    <a:p>
+                      <a:r>
+                        <a:rPr lang="en-US" dirty="0" smtClean="0"/>
+                        <a:t>0</a:t>
+                      </a:r>
+                      <a:endParaRPr lang="en-US" dirty="0"/>
+                    </a:p>
+                  </a:txBody>
+                  <a:tcPr/>
+                </a:tc>
+                <a:tc>
+                  <a:txBody>
+                    <a:bodyPr/>
+                    <a:lstStyle/>
+                    <a:p>
+                      <a:r>
+                        <a:rPr lang="en-US" dirty="0" smtClean="0"/>
+                        <a:t>1</a:t>
+                      </a:r>
+                      <a:endParaRPr lang="en-US" dirty="0"/>
+                    </a:p>
+                  </a:txBody>
+                  <a:tcPr/>
+                </a:tc>
+                <a:tc>
+                  <a:txBody>
+                    <a:bodyPr/>
+                    <a:lstStyle/>
+                    <a:p>
+                      <a:r>
+                        <a:rPr lang="en-US" dirty="0" smtClean="0"/>
+                        <a:t>1</a:t>
+                      </a:r>
+                      <a:endParaRPr lang="en-US" dirty="0"/>
+                    </a:p>
+                  </a:txBody>
+                  <a:tcPr/>
+                </a:tc>
+                <a:tc>
+                  <a:txBody>
+                    <a:bodyPr/>
+                    <a:lstStyle/>
+                    <a:p>
+                      <a:r>
+                        <a:rPr lang="en-US" dirty="0" smtClean="0"/>
+                        <a:t>1</a:t>
+                      </a:r>
+                      <a:endParaRPr lang="en-US" dirty="0"/>
+                    </a:p>
+                  </a:txBody>
+                  <a:tcPr/>
+                </a:tc>
+              </a:tr>
+            </a:tbl>
+          </a:graphicData>
+        </a:graphic>
+      </p:graphicFrame>
+    </p:spTree>
+    <p:extLst>
+      <p:ext uri="{BB962C8B-B14F-4D97-AF65-F5344CB8AC3E}">
+        <p14:creationId xmlns:p14="http://schemas.microsoft.com/office/powerpoint/2010/main" val="3198492193"/>
+      </p:ext>
+    </p:extLst>
+  </p:cSld>
+  <p:clrMapOvr>
+    <a:masterClrMapping/>
+  </p:clrMapOvr>
+  <p:timing>
+    <p:tnLst>
+      <p:par>
+        <p:cTn xmlns:p14="http://schemas.microsoft.com/office/powerpoint/2010/main" id="1" dur="indefinite" restart="never" nodeType="tmRoot"/>
+      </p:par>
+    </p:tnLst>
+  </p:timing>
+</p:sld>
+</file>
+
 <file path=ppt/slides/slide6.xml><?xml version="1.0" encoding="utf-8"?>
 <p:sld xmlns:a="http://schemas.openxmlformats.org/drawingml/2006/main" xmlns:r="http://schemas.openxmlformats.org/officeDocument/2006/relationships" xmlns:p="http://schemas.openxmlformats.org/presentationml/2006/main">
   <p:cSld>
@@ -4236,20 +4936,38 @@
           <a:p>
             <a:r>
               <a:rPr lang="en-US" dirty="0" smtClean="0"/>
-              <a:t>Topic </a:t>
-            </a:r>
-            <a:r>
-              <a:rPr lang="en-US" dirty="0" smtClean="0"/>
-              <a:t>Modeling techniques</a:t>
+              <a:t>Term-Document Matrix</a:t>
             </a:r>
             <a:endParaRPr lang="en-US" dirty="0"/>
           </a:p>
         </p:txBody>
       </p:sp>
+      <p:pic>
+        <p:nvPicPr>
+          <p:cNvPr id="5" name="Content Placeholder 4"/>
+          <p:cNvPicPr>
+            <a:picLocks noGrp="1" noChangeAspect="1"/>
+          </p:cNvPicPr>
+          <p:nvPr>
+            <p:ph idx="1"/>
+          </p:nvPr>
+        </p:nvPicPr>
+        <p:blipFill rotWithShape="1">
+          <a:blip r:embed="rId2"/>
+          <a:srcRect l="2741" t="5402" r="2142" b="5436"/>
+          <a:stretch/>
+        </p:blipFill>
+        <p:spPr>
+          <a:xfrm>
+            <a:off x="657141" y="1709496"/>
+            <a:ext cx="7883920" cy="4511753"/>
+          </a:xfrm>
+        </p:spPr>
+      </p:pic>
     </p:spTree>
     <p:extLst>
       <p:ext uri="{BB962C8B-B14F-4D97-AF65-F5344CB8AC3E}">
-        <p14:creationId xmlns:p14="http://schemas.microsoft.com/office/powerpoint/2010/main" val="3718068899"/>
+        <p14:creationId xmlns:p14="http://schemas.microsoft.com/office/powerpoint/2010/main" val="1386330539"/>
       </p:ext>
     </p:extLst>
   </p:cSld>
@@ -4295,88 +5013,12 @@
         </p:nvSpPr>
         <p:spPr/>
         <p:txBody>
-          <a:bodyPr>
-            <a:normAutofit/>
-          </a:bodyPr>
-          <a:lstStyle/>
-          <a:p>
-            <a:r>
-              <a:rPr lang="en-US" dirty="0" smtClean="0"/>
-              <a:t>Latent </a:t>
-            </a:r>
-            <a:r>
-              <a:rPr lang="en-US" dirty="0" err="1" smtClean="0"/>
-              <a:t>Dirichlet</a:t>
-            </a:r>
-            <a:r>
-              <a:rPr lang="en-US" dirty="0" smtClean="0"/>
-              <a:t> </a:t>
-            </a:r>
-            <a:r>
-              <a:rPr lang="en-US" dirty="0" smtClean="0"/>
-              <a:t>Allocation (LDA)</a:t>
-            </a:r>
-            <a:endParaRPr lang="en-US" dirty="0"/>
-          </a:p>
-        </p:txBody>
-      </p:sp>
-      <p:sp>
-        <p:nvSpPr>
-          <p:cNvPr id="4" name="TextBox 3"/>
-          <p:cNvSpPr txBox="1"/>
-          <p:nvPr/>
-        </p:nvSpPr>
-        <p:spPr>
-          <a:xfrm>
-            <a:off x="799163" y="2356032"/>
-            <a:ext cx="6564557" cy="369332"/>
-          </a:xfrm>
-          <a:prstGeom prst="rect">
-            <a:avLst/>
-          </a:prstGeom>
-          <a:noFill/>
-        </p:spPr>
-        <p:txBody>
-          <a:bodyPr wrap="square" rtlCol="0">
-            <a:spAutoFit/>
-          </a:bodyPr>
-          <a:lstStyle/>
-          <a:p>
-            <a:r>
-              <a:rPr lang="en-US" dirty="0" smtClean="0"/>
-              <a:t>Take </a:t>
-            </a:r>
-            <a:r>
-              <a:rPr lang="en-US" dirty="0" err="1" smtClean="0"/>
-              <a:t>pLSA</a:t>
-            </a:r>
-            <a:r>
-              <a:rPr lang="en-US" dirty="0" smtClean="0"/>
-              <a:t>, then put </a:t>
-            </a:r>
-            <a:r>
-              <a:rPr lang="en-US" dirty="0"/>
-              <a:t>a </a:t>
-            </a:r>
-            <a:r>
-              <a:rPr lang="en-US" dirty="0" err="1"/>
-              <a:t>Dirichlet</a:t>
-            </a:r>
-            <a:r>
-              <a:rPr lang="en-US" dirty="0"/>
-              <a:t> </a:t>
-            </a:r>
-            <a:r>
-              <a:rPr lang="en-US" dirty="0" smtClean="0"/>
-              <a:t>prior </a:t>
-            </a:r>
-            <a:r>
-              <a:rPr lang="en-US" dirty="0"/>
-              <a:t>on a word given a </a:t>
-            </a:r>
-            <a:r>
-              <a:rPr lang="en-US" dirty="0" smtClean="0"/>
-              <a:t>topic…</a:t>
+          <a:bodyPr/>
+          <a:lstStyle/>
+          <a:p>
+            <a:r>
+              <a:rPr lang="en-US" dirty="0" smtClean="0"/>
+              <a:t>Topic Modeling techniques</a:t>
             </a:r>
             <a:endParaRPr lang="en-US" dirty="0"/>
           </a:p>
@@ -4385,7 +5027,7 @@
     </p:spTree>
     <p:extLst>
       <p:ext uri="{BB962C8B-B14F-4D97-AF65-F5344CB8AC3E}">
-        <p14:creationId xmlns:p14="http://schemas.microsoft.com/office/powerpoint/2010/main" val="3760624967"/>
+        <p14:creationId xmlns:p14="http://schemas.microsoft.com/office/powerpoint/2010/main" val="3718068899"/>
       </p:ext>
     </p:extLst>
   </p:cSld>
@@ -4432,17 +5074,440 @@
         <p:spPr/>
         <p:txBody>
           <a:bodyPr>
+            <a:normAutofit/>
+          </a:bodyPr>
+          <a:lstStyle/>
+          <a:p>
+            <a:r>
+              <a:rPr lang="en-US" dirty="0" smtClean="0"/>
+              <a:t>Latent </a:t>
+            </a:r>
+            <a:r>
+              <a:rPr lang="en-US" dirty="0" err="1" smtClean="0"/>
+              <a:t>Dirichlet</a:t>
+            </a:r>
+            <a:r>
+              <a:rPr lang="en-US" dirty="0" smtClean="0"/>
+              <a:t> Allocation (LDA)</a:t>
+            </a:r>
+            <a:endParaRPr lang="en-US" dirty="0"/>
+          </a:p>
+        </p:txBody>
+      </p:sp>
+      <p:sp>
+        <p:nvSpPr>
+          <p:cNvPr id="5" name="Content Placeholder 2"/>
+          <p:cNvSpPr txBox="1">
+            <a:spLocks/>
+          </p:cNvSpPr>
+          <p:nvPr/>
+        </p:nvSpPr>
+        <p:spPr>
+          <a:xfrm>
+            <a:off x="457200" y="1600200"/>
+            <a:ext cx="6739467" cy="4876800"/>
+          </a:xfrm>
+          <a:prstGeom prst="rect">
+            <a:avLst/>
+          </a:prstGeom>
+        </p:spPr>
+        <p:txBody>
+          <a:bodyPr/>
+          <a:lstStyle>
+            <a:lvl1pPr marL="182880" indent="-182880" algn="l" defTabSz="914400" rtl="0" eaLnBrk="1" latinLnBrk="0" hangingPunct="1">
+              <a:spcBef>
+                <a:spcPct val="20000"/>
+              </a:spcBef>
+              <a:buClr>
+                <a:schemeClr val="accent1"/>
+              </a:buClr>
+              <a:buSzPct val="85000"/>
+              <a:buFont typeface="Arial" pitchFamily="34" charset="0"/>
+              <a:buChar char="•"/>
+              <a:defRPr sz="2400" kern="1200">
+                <a:solidFill>
+                  <a:schemeClr val="tx1"/>
+                </a:solidFill>
+                <a:latin typeface="+mn-lt"/>
+                <a:ea typeface="+mn-ea"/>
+                <a:cs typeface="+mn-cs"/>
+              </a:defRPr>
+            </a:lvl1pPr>
+            <a:lvl2pPr marL="457200" indent="-182880" algn="l" defTabSz="914400" rtl="0" eaLnBrk="1" latinLnBrk="0" hangingPunct="1">
+              <a:spcBef>
+                <a:spcPct val="20000"/>
+              </a:spcBef>
+              <a:buClr>
+                <a:schemeClr val="accent1"/>
+              </a:buClr>
+              <a:buSzPct val="85000"/>
+              <a:buFont typeface="Arial" pitchFamily="34" charset="0"/>
+              <a:buChar char="•"/>
+              <a:defRPr sz="2000" kern="1200">
+                <a:solidFill>
+                  <a:schemeClr val="tx1"/>
+                </a:solidFill>
+                <a:latin typeface="+mn-lt"/>
+                <a:ea typeface="+mn-ea"/>
+                <a:cs typeface="+mn-cs"/>
+              </a:defRPr>
+            </a:lvl2pPr>
+            <a:lvl3pPr marL="731520" indent="-182880" algn="l" defTabSz="914400" rtl="0" eaLnBrk="1" latinLnBrk="0" hangingPunct="1">
+              <a:spcBef>
+                <a:spcPct val="20000"/>
+              </a:spcBef>
+              <a:buClr>
+                <a:schemeClr val="accent1"/>
+              </a:buClr>
+              <a:buSzPct val="90000"/>
+              <a:buFont typeface="Arial" pitchFamily="34" charset="0"/>
+              <a:buChar char="•"/>
+              <a:defRPr sz="1800" kern="1200">
+                <a:solidFill>
+                  <a:schemeClr val="tx1"/>
+                </a:solidFill>
+                <a:latin typeface="+mn-lt"/>
+                <a:ea typeface="+mn-ea"/>
+                <a:cs typeface="+mn-cs"/>
+              </a:defRPr>
+            </a:lvl3pPr>
+            <a:lvl4pPr marL="1005840" indent="-182880" algn="l" defTabSz="914400" rtl="0" eaLnBrk="1" latinLnBrk="0" hangingPunct="1">
+              <a:spcBef>
+                <a:spcPct val="20000"/>
+              </a:spcBef>
+              <a:buClr>
+                <a:schemeClr val="accent1"/>
+              </a:buClr>
+              <a:buFont typeface="Arial" pitchFamily="34" charset="0"/>
+              <a:buChar char="•"/>
+              <a:defRPr sz="1600" kern="1200">
+                <a:solidFill>
+                  <a:schemeClr val="tx1"/>
+                </a:solidFill>
+                <a:latin typeface="+mn-lt"/>
+                <a:ea typeface="+mn-ea"/>
+                <a:cs typeface="+mn-cs"/>
+              </a:defRPr>
+            </a:lvl4pPr>
+            <a:lvl5pPr marL="1188720" indent="-137160" algn="l" defTabSz="914400" rtl="0" eaLnBrk="1" latinLnBrk="0" hangingPunct="1">
+              <a:spcBef>
+                <a:spcPct val="20000"/>
+              </a:spcBef>
+              <a:buClr>
+                <a:schemeClr val="accent1"/>
+              </a:buClr>
+              <a:buSzPct val="100000"/>
+              <a:buFont typeface="Arial" pitchFamily="34" charset="0"/>
+              <a:buChar char="•"/>
+              <a:defRPr sz="1400" kern="1200" baseline="0">
+                <a:solidFill>
+                  <a:schemeClr val="tx1"/>
+                </a:solidFill>
+                <a:latin typeface="+mn-lt"/>
+                <a:ea typeface="+mn-ea"/>
+                <a:cs typeface="+mn-cs"/>
+              </a:defRPr>
+            </a:lvl5pPr>
+            <a:lvl6pPr marL="1371600" indent="-182880" algn="l" defTabSz="914400" rtl="0" eaLnBrk="1" latinLnBrk="0" hangingPunct="1">
+              <a:spcBef>
+                <a:spcPct val="20000"/>
+              </a:spcBef>
+              <a:buClr>
+                <a:schemeClr val="accent1"/>
+              </a:buClr>
+              <a:buFont typeface="Arial" pitchFamily="34" charset="0"/>
+              <a:buChar char="•"/>
+              <a:defRPr sz="1300" kern="1200">
+                <a:solidFill>
+                  <a:schemeClr val="tx1"/>
+                </a:solidFill>
+                <a:latin typeface="+mn-lt"/>
+                <a:ea typeface="+mn-ea"/>
+                <a:cs typeface="+mn-cs"/>
+              </a:defRPr>
+            </a:lvl6pPr>
+            <a:lvl7pPr marL="1554480" indent="-182880" algn="l" defTabSz="914400" rtl="0" eaLnBrk="1" latinLnBrk="0" hangingPunct="1">
+              <a:spcBef>
+                <a:spcPct val="20000"/>
+              </a:spcBef>
+              <a:buClr>
+                <a:schemeClr val="accent1"/>
+              </a:buClr>
+              <a:buFont typeface="Arial" pitchFamily="34" charset="0"/>
+              <a:buChar char="•"/>
+              <a:defRPr sz="1300" kern="1200">
+                <a:solidFill>
+                  <a:schemeClr val="tx1"/>
+                </a:solidFill>
+                <a:latin typeface="+mn-lt"/>
+                <a:ea typeface="+mn-ea"/>
+                <a:cs typeface="+mn-cs"/>
+              </a:defRPr>
+            </a:lvl7pPr>
+            <a:lvl8pPr marL="1737360" indent="-182880" algn="l" defTabSz="914400" rtl="0" eaLnBrk="1" latinLnBrk="0" hangingPunct="1">
+              <a:spcBef>
+                <a:spcPct val="20000"/>
+              </a:spcBef>
+              <a:buClr>
+                <a:schemeClr val="accent1"/>
+              </a:buClr>
+              <a:buFont typeface="Arial" pitchFamily="34" charset="0"/>
+              <a:buChar char="•"/>
+              <a:defRPr sz="1300" kern="1200">
+                <a:solidFill>
+                  <a:schemeClr val="tx1"/>
+                </a:solidFill>
+                <a:latin typeface="+mn-lt"/>
+                <a:ea typeface="+mn-ea"/>
+                <a:cs typeface="+mn-cs"/>
+              </a:defRPr>
+            </a:lvl8pPr>
+            <a:lvl9pPr marL="1920240" indent="-182880" algn="l" defTabSz="914400" rtl="0" eaLnBrk="1" latinLnBrk="0" hangingPunct="1">
+              <a:spcBef>
+                <a:spcPct val="20000"/>
+              </a:spcBef>
+              <a:buClr>
+                <a:schemeClr val="accent1"/>
+              </a:buClr>
+              <a:buFont typeface="Arial" pitchFamily="34" charset="0"/>
+              <a:buChar char="•"/>
+              <a:defRPr sz="1300" kern="1200">
+                <a:solidFill>
+                  <a:schemeClr val="tx1"/>
+                </a:solidFill>
+                <a:latin typeface="+mn-lt"/>
+                <a:ea typeface="+mn-ea"/>
+                <a:cs typeface="+mn-cs"/>
+              </a:defRPr>
+            </a:lvl9pPr>
+          </a:lstStyle>
+          <a:p>
+            <a:r>
+              <a:rPr lang="en-US" dirty="0" smtClean="0"/>
+              <a:t>Assume latent topics in the data</a:t>
+            </a:r>
+          </a:p>
+          <a:p>
+            <a:r>
+              <a:rPr lang="en-US" dirty="0" smtClean="0"/>
+              <a:t>Generative model of document creation</a:t>
+            </a:r>
+          </a:p>
+          <a:p>
+            <a:pPr marL="0" indent="0">
+              <a:buNone/>
+            </a:pPr>
+            <a:endParaRPr lang="en-US" dirty="0"/>
+          </a:p>
+          <a:p>
+            <a:r>
+              <a:rPr lang="en-US" dirty="0" smtClean="0"/>
+              <a:t>Modeling documents</a:t>
+            </a:r>
+          </a:p>
+          <a:p>
+            <a:pPr lvl="1"/>
+            <a:r>
+              <a:rPr lang="en-US" dirty="0" smtClean="0"/>
+              <a:t>Each document </a:t>
+            </a:r>
+            <a:r>
+              <a:rPr lang="en-US" i="1" dirty="0" smtClean="0"/>
+              <a:t>d</a:t>
+            </a:r>
+            <a:r>
+              <a:rPr lang="en-US" dirty="0" smtClean="0"/>
+              <a:t> has a distribution </a:t>
+            </a:r>
+            <a:r>
+              <a:rPr lang="en-US" dirty="0" err="1" smtClean="0"/>
+              <a:t>θ</a:t>
+            </a:r>
+            <a:r>
+              <a:rPr lang="en-US" baseline="-25000" dirty="0" err="1" smtClean="0"/>
+              <a:t>d</a:t>
+            </a:r>
+            <a:r>
+              <a:rPr lang="en-US" dirty="0" smtClean="0"/>
+              <a:t> of topics </a:t>
+            </a:r>
+          </a:p>
+          <a:p>
+            <a:pPr lvl="1"/>
+            <a:r>
+              <a:rPr lang="en-US" dirty="0" smtClean="0"/>
+              <a:t>Start out with a prior </a:t>
+            </a:r>
+            <a:r>
+              <a:rPr lang="en-US" dirty="0" err="1"/>
+              <a:t>θ</a:t>
+            </a:r>
+            <a:r>
+              <a:rPr lang="en-US" dirty="0" smtClean="0"/>
+              <a:t> ~ </a:t>
+            </a:r>
+            <a:r>
+              <a:rPr lang="en-US" dirty="0" err="1" smtClean="0"/>
+              <a:t>Dirichlet</a:t>
+            </a:r>
+            <a:r>
+              <a:rPr lang="en-US" dirty="0" smtClean="0"/>
+              <a:t>(α)</a:t>
+            </a:r>
+          </a:p>
+          <a:p>
+            <a:pPr lvl="1"/>
+            <a:r>
+              <a:rPr lang="en-US" dirty="0" smtClean="0"/>
+              <a:t>Update to get posterior  distribution given documents</a:t>
+            </a:r>
+          </a:p>
+          <a:p>
+            <a:pPr lvl="2"/>
+            <a:r>
+              <a:rPr lang="en-US" dirty="0" smtClean="0"/>
+              <a:t>Given </a:t>
+            </a:r>
+            <a:r>
+              <a:rPr lang="en-US" dirty="0"/>
+              <a:t>α</a:t>
+            </a:r>
+            <a:r>
+              <a:rPr lang="en-US" dirty="0" smtClean="0"/>
+              <a:t> and β, the distribution of words given topics</a:t>
+            </a:r>
+          </a:p>
+          <a:p>
+            <a:pPr lvl="2"/>
+            <a:r>
+              <a:rPr lang="en-US" dirty="0"/>
+              <a:t>U</a:t>
+            </a:r>
+            <a:r>
+              <a:rPr lang="en-US" dirty="0" smtClean="0"/>
+              <a:t>se EM to maximize log likelihood of data</a:t>
+            </a:r>
+            <a:endParaRPr lang="en-US" dirty="0"/>
+          </a:p>
+          <a:p>
+            <a:r>
+              <a:rPr lang="en-US" dirty="0" smtClean="0"/>
+              <a:t>Generating documents on a per-word basis</a:t>
+            </a:r>
+          </a:p>
+          <a:p>
+            <a:pPr lvl="1"/>
+            <a:r>
+              <a:rPr lang="en-US" dirty="0" smtClean="0"/>
+              <a:t>Draw a topic from topic </a:t>
+            </a:r>
+            <a:r>
+              <a:rPr lang="en-US" dirty="0"/>
+              <a:t>distribution </a:t>
+            </a:r>
+            <a:r>
+              <a:rPr lang="en-US" dirty="0" err="1"/>
+              <a:t>θ</a:t>
+            </a:r>
+            <a:r>
+              <a:rPr lang="en-US" baseline="-25000" dirty="0" err="1"/>
+              <a:t>d</a:t>
+            </a:r>
+            <a:endParaRPr lang="en-US" dirty="0" smtClean="0"/>
+          </a:p>
+          <a:p>
+            <a:pPr lvl="1"/>
+            <a:r>
+              <a:rPr lang="en-US" dirty="0" smtClean="0"/>
+              <a:t>Draw a word from the word distribution of the topic</a:t>
+            </a:r>
+            <a:endParaRPr lang="en-US" dirty="0" smtClean="0"/>
+          </a:p>
+        </p:txBody>
+      </p:sp>
+      <p:sp>
+        <p:nvSpPr>
+          <p:cNvPr id="3" name="TextBox 2"/>
+          <p:cNvSpPr txBox="1"/>
+          <p:nvPr/>
+        </p:nvSpPr>
+        <p:spPr>
+          <a:xfrm>
+            <a:off x="6350000" y="1744133"/>
+            <a:ext cx="2641600" cy="369332"/>
+          </a:xfrm>
+          <a:prstGeom prst="rect">
+            <a:avLst/>
+          </a:prstGeom>
+          <a:noFill/>
+        </p:spPr>
+        <p:txBody>
+          <a:bodyPr wrap="square" rtlCol="0">
+            <a:spAutoFit/>
+          </a:bodyPr>
+          <a:lstStyle/>
+          <a:p>
+            <a:endParaRPr lang="en-US" dirty="0"/>
+          </a:p>
+        </p:txBody>
+      </p:sp>
+    </p:spTree>
+    <p:extLst>
+      <p:ext uri="{BB962C8B-B14F-4D97-AF65-F5344CB8AC3E}">
+        <p14:creationId xmlns:p14="http://schemas.microsoft.com/office/powerpoint/2010/main" val="3760624967"/>
+      </p:ext>
+    </p:extLst>
+  </p:cSld>
+  <p:clrMapOvr>
+    <a:masterClrMapping/>
+  </p:clrMapOvr>
+  <p:timing>
+    <p:tnLst>
+      <p:par>
+        <p:cTn xmlns:p14="http://schemas.microsoft.com/office/powerpoint/2010/main" id="1" dur="indefinite" restart="never" nodeType="tmRoot"/>
+      </p:par>
+    </p:tnLst>
+  </p:timing>
+</p:sld>
+</file>
+
+<file path=ppt/slides/slide9.xml><?xml version="1.0" encoding="utf-8"?>
+<p:sld xmlns:a="http://schemas.openxmlformats.org/drawingml/2006/main" xmlns:r="http://schemas.openxmlformats.org/officeDocument/2006/relationships" xmlns:p="http://schemas.openxmlformats.org/presentationml/2006/main">
+  <p:cSld>
+    <p:spTree>
+      <p:nvGrpSpPr>
+        <p:cNvPr id="1" name=""/>
+        <p:cNvGrpSpPr/>
+        <p:nvPr/>
+      </p:nvGrpSpPr>
+      <p:grpSpPr>
+        <a:xfrm>
+          <a:off x="0" y="0"/>
+          <a:ext cx="0" cy="0"/>
+          <a:chOff x="0" y="0"/>
+          <a:chExt cx="0" cy="0"/>
+        </a:xfrm>
+      </p:grpSpPr>
+      <p:sp>
+        <p:nvSpPr>
+          <p:cNvPr id="2" name="Title 1"/>
+          <p:cNvSpPr>
+            <a:spLocks noGrp="1"/>
+          </p:cNvSpPr>
+          <p:nvPr>
+            <p:ph type="title"/>
+          </p:nvPr>
+        </p:nvSpPr>
+        <p:spPr/>
+        <p:txBody>
+          <a:bodyPr>
             <a:normAutofit fontScale="90000"/>
           </a:bodyPr>
           <a:lstStyle/>
           <a:p>
             <a:r>
               <a:rPr lang="en-US" dirty="0" smtClean="0"/>
-              <a:t>Non-negative Matrix </a:t>
-            </a:r>
-            <a:r>
-              <a:rPr lang="en-US" dirty="0" smtClean="0"/>
-              <a:t>Factorization (NMF)</a:t>
+              <a:t>Non-negative Matrix Factorization (NMF)</a:t>
             </a:r>
             <a:endParaRPr lang="en-US" dirty="0"/>
           </a:p>
@@ -4545,66 +5610,6 @@
     <p:extLst>
       <p:ext uri="{BB962C8B-B14F-4D97-AF65-F5344CB8AC3E}">
         <p14:creationId xmlns:p14="http://schemas.microsoft.com/office/powerpoint/2010/main" val="4246377900"/>
-      </p:ext>
-    </p:extLst>
-  </p:cSld>
-  <p:clrMapOvr>
-    <a:masterClrMapping/>
-  </p:clrMapOvr>
-  <p:timing>
-    <p:tnLst>
-      <p:par>
-        <p:cTn xmlns:p14="http://schemas.microsoft.com/office/powerpoint/2010/main" id="1" dur="indefinite" restart="never" nodeType="tmRoot"/>
-      </p:par>
-    </p:tnLst>
-  </p:timing>
-</p:sld>
-</file>
-
-<file path=ppt/slides/slide9.xml><?xml version="1.0" encoding="utf-8"?>
-<p:sld xmlns:a="http://schemas.openxmlformats.org/drawingml/2006/main" xmlns:r="http://schemas.openxmlformats.org/officeDocument/2006/relationships" xmlns:p="http://schemas.openxmlformats.org/presentationml/2006/main">
-  <p:cSld>
-    <p:spTree>
-      <p:nvGrpSpPr>
-        <p:cNvPr id="1" name=""/>
-        <p:cNvGrpSpPr/>
-        <p:nvPr/>
-      </p:nvGrpSpPr>
-      <p:grpSpPr>
-        <a:xfrm>
-          <a:off x="0" y="0"/>
-          <a:ext cx="0" cy="0"/>
-          <a:chOff x="0" y="0"/>
-          <a:chExt cx="0" cy="0"/>
-        </a:xfrm>
-      </p:grpSpPr>
-      <p:sp>
-        <p:nvSpPr>
-          <p:cNvPr id="2" name="Title 1"/>
-          <p:cNvSpPr>
-            <a:spLocks noGrp="1"/>
-          </p:cNvSpPr>
-          <p:nvPr>
-            <p:ph type="title"/>
-          </p:nvPr>
-        </p:nvSpPr>
-        <p:spPr/>
-        <p:txBody>
-          <a:bodyPr/>
-          <a:lstStyle/>
-          <a:p>
-            <a:r>
-              <a:rPr lang="en-US" dirty="0" smtClean="0"/>
-              <a:t>Methods for setting number of topics</a:t>
-            </a:r>
-            <a:endParaRPr lang="en-US" dirty="0"/>
-          </a:p>
-        </p:txBody>
-      </p:sp>
-    </p:spTree>
-    <p:extLst>
-      <p:ext uri="{BB962C8B-B14F-4D97-AF65-F5344CB8AC3E}">
-        <p14:creationId xmlns:p14="http://schemas.microsoft.com/office/powerpoint/2010/main" val="2355179620"/>
       </p:ext>
     </p:extLst>
   </p:cSld>

--- a/BMML_Presentation.pptx
+++ b/BMML_Presentation.pptx
@@ -13,12 +13,14 @@
     <p:sldId id="261" r:id="rId7"/>
     <p:sldId id="258" r:id="rId8"/>
     <p:sldId id="262" r:id="rId9"/>
-    <p:sldId id="259" r:id="rId10"/>
-    <p:sldId id="268" r:id="rId11"/>
-    <p:sldId id="265" r:id="rId12"/>
-    <p:sldId id="266" r:id="rId13"/>
-    <p:sldId id="267" r:id="rId14"/>
-    <p:sldId id="263" r:id="rId15"/>
+    <p:sldId id="270" r:id="rId10"/>
+    <p:sldId id="271" r:id="rId11"/>
+    <p:sldId id="259" r:id="rId12"/>
+    <p:sldId id="268" r:id="rId13"/>
+    <p:sldId id="265" r:id="rId14"/>
+    <p:sldId id="266" r:id="rId15"/>
+    <p:sldId id="267" r:id="rId16"/>
+    <p:sldId id="263" r:id="rId17"/>
   </p:sldIdLst>
   <p:sldSz cx="9144000" cy="6858000" type="screen4x3"/>
   <p:notesSz cx="6858000" cy="9144000"/>
@@ -3529,20 +3531,22 @@
         </p:nvSpPr>
         <p:spPr/>
         <p:txBody>
-          <a:bodyPr/>
-          <a:lstStyle/>
-          <a:p>
-            <a:r>
-              <a:rPr lang="en-US" dirty="0" smtClean="0"/>
-              <a:t>LDA </a:t>
+          <a:bodyPr>
+            <a:normAutofit/>
+          </a:bodyPr>
+          <a:lstStyle/>
+          <a:p>
+            <a:r>
+              <a:rPr lang="en-US" dirty="0" smtClean="0"/>
+              <a:t>Latent </a:t>
             </a:r>
             <a:r>
               <a:rPr lang="en-US" dirty="0" err="1" smtClean="0"/>
-              <a:t>vs</a:t>
-            </a:r>
-            <a:r>
-              <a:rPr lang="en-US" dirty="0" smtClean="0"/>
-              <a:t> NMF</a:t>
+              <a:t>Dirichlet</a:t>
+            </a:r>
+            <a:r>
+              <a:rPr lang="en-US" dirty="0" smtClean="0"/>
+              <a:t> Allocation (LDA)</a:t>
             </a:r>
             <a:endParaRPr lang="en-US" dirty="0"/>
           </a:p>
@@ -3559,7 +3563,7 @@
         <p:spPr>
           <a:xfrm>
             <a:off x="457200" y="1600200"/>
-            <a:ext cx="8229600" cy="4876800"/>
+            <a:ext cx="8009467" cy="4876800"/>
           </a:xfrm>
           <a:prstGeom prst="rect">
             <a:avLst/>
@@ -3736,46 +3740,88 @@
             </a:lvl9pPr>
           </a:lstStyle>
           <a:p>
-            <a:r>
-              <a:rPr lang="en-US" dirty="0" smtClean="0"/>
-              <a:t>NMF faster, of course</a:t>
-            </a:r>
-          </a:p>
-          <a:p>
-            <a:r>
-              <a:rPr lang="en-US" dirty="0" smtClean="0"/>
-              <a:t>NMF (particularly with the right representation of corpus—TF-IDF) seems to produce more coherent topics?</a:t>
-            </a:r>
-          </a:p>
-          <a:p>
-            <a:pPr lvl="1"/>
-            <a:r>
-              <a:rPr lang="en-US" dirty="0" smtClean="0"/>
-              <a:t>LDA (depending on representation of corpus) can produce fine or very poor topics</a:t>
-            </a:r>
-          </a:p>
-          <a:p>
-            <a:pPr lvl="1"/>
-            <a:r>
-              <a:rPr lang="en-US" dirty="0" smtClean="0"/>
-              <a:t>Probably a problem on our end</a:t>
-            </a:r>
-          </a:p>
-          <a:p>
+            <a:pPr marL="0" indent="0">
+              <a:buNone/>
+            </a:pPr>
+            <a:r>
+              <a:rPr lang="en-US" dirty="0" smtClean="0"/>
+              <a:t>Generating </a:t>
+            </a:r>
+            <a:r>
+              <a:rPr lang="en-US" dirty="0" smtClean="0"/>
+              <a:t>documents on a per-word basis</a:t>
+            </a:r>
+          </a:p>
+          <a:p>
+            <a:r>
+              <a:rPr lang="en-US" dirty="0" smtClean="0"/>
+              <a:t>Draw a topic from topic </a:t>
+            </a:r>
+            <a:r>
+              <a:rPr lang="en-US" dirty="0"/>
+              <a:t>distribution </a:t>
+            </a:r>
+            <a:r>
+              <a:rPr lang="en-US" dirty="0" err="1"/>
+              <a:t>θ</a:t>
+            </a:r>
+            <a:r>
+              <a:rPr lang="en-US" baseline="-25000" dirty="0" err="1"/>
+              <a:t>d</a:t>
+            </a:r>
             <a:endParaRPr lang="en-US" dirty="0" smtClean="0"/>
+          </a:p>
+          <a:p>
+            <a:r>
+              <a:rPr lang="en-US" dirty="0" smtClean="0"/>
+              <a:t>Draw a word from the word distribution of the topic</a:t>
+            </a:r>
+          </a:p>
+        </p:txBody>
+      </p:sp>
+      <p:sp>
+        <p:nvSpPr>
+          <p:cNvPr id="3" name="TextBox 2"/>
+          <p:cNvSpPr txBox="1"/>
+          <p:nvPr/>
+        </p:nvSpPr>
+        <p:spPr>
+          <a:xfrm>
+            <a:off x="6350000" y="1744133"/>
+            <a:ext cx="2641600" cy="369332"/>
+          </a:xfrm>
+          <a:prstGeom prst="rect">
+            <a:avLst/>
+          </a:prstGeom>
+          <a:noFill/>
+        </p:spPr>
+        <p:txBody>
+          <a:bodyPr wrap="square" rtlCol="0">
+            <a:spAutoFit/>
+          </a:bodyPr>
+          <a:lstStyle/>
+          <a:p>
+            <a:endParaRPr lang="en-US" dirty="0"/>
           </a:p>
         </p:txBody>
       </p:sp>
     </p:spTree>
     <p:extLst>
       <p:ext uri="{BB962C8B-B14F-4D97-AF65-F5344CB8AC3E}">
-        <p14:creationId xmlns:p14="http://schemas.microsoft.com/office/powerpoint/2010/main" val="992791850"/>
+        <p14:creationId xmlns:p14="http://schemas.microsoft.com/office/powerpoint/2010/main" val="4125892671"/>
       </p:ext>
     </p:extLst>
   </p:cSld>
   <p:clrMapOvr>
     <a:masterClrMapping/>
   </p:clrMapOvr>
+  <p:timing>
+    <p:tnLst>
+      <p:par>
+        <p:cTn xmlns:p14="http://schemas.microsoft.com/office/powerpoint/2010/main" id="1" dur="indefinite" restart="never" nodeType="tmRoot"/>
+      </p:par>
+    </p:tnLst>
+  </p:timing>
 </p:sld>
 </file>
 
@@ -3808,21 +3854,116 @@
         </p:nvSpPr>
         <p:spPr/>
         <p:txBody>
-          <a:bodyPr/>
-          <a:lstStyle/>
-          <a:p>
-            <a:r>
-              <a:rPr lang="en-US" dirty="0" smtClean="0"/>
-              <a:t>Methods for setting number of topics</a:t>
+          <a:bodyPr>
+            <a:normAutofit fontScale="90000"/>
+          </a:bodyPr>
+          <a:lstStyle/>
+          <a:p>
+            <a:r>
+              <a:rPr lang="en-US" dirty="0" smtClean="0"/>
+              <a:t>Non-negative Matrix Factorization (NMF)</a:t>
             </a:r>
             <a:endParaRPr lang="en-US" dirty="0"/>
+          </a:p>
+        </p:txBody>
+      </p:sp>
+      <p:pic>
+        <p:nvPicPr>
+          <p:cNvPr id="3" name="Picture 2" descr="NMF.png"/>
+          <p:cNvPicPr>
+            <a:picLocks noChangeAspect="1"/>
+          </p:cNvPicPr>
+          <p:nvPr/>
+        </p:nvPicPr>
+        <p:blipFill>
+          <a:blip r:embed="rId2">
+            <a:extLst>
+              <a:ext uri="{28A0092B-C50C-407E-A947-70E740481C1C}">
+                <a14:useLocalDpi xmlns:a14="http://schemas.microsoft.com/office/drawing/2010/main" val="0"/>
+              </a:ext>
+            </a:extLst>
+          </a:blip>
+          <a:stretch>
+            <a:fillRect/>
+          </a:stretch>
+        </p:blipFill>
+        <p:spPr>
+          <a:xfrm>
+            <a:off x="773277" y="2304850"/>
+            <a:ext cx="7652419" cy="1910262"/>
+          </a:xfrm>
+          <a:prstGeom prst="rect">
+            <a:avLst/>
+          </a:prstGeom>
+        </p:spPr>
+      </p:pic>
+      <p:pic>
+        <p:nvPicPr>
+          <p:cNvPr id="4" name="Picture 3" descr="Macintosh HD:Users:shanedeiley:Dropbox:Screenshots:Screenshot 2015-04-17 13.47.38.png"/>
+          <p:cNvPicPr/>
+          <p:nvPr/>
+        </p:nvPicPr>
+        <p:blipFill>
+          <a:blip r:embed="rId3">
+            <a:extLst>
+              <a:ext uri="{28A0092B-C50C-407E-A947-70E740481C1C}">
+                <a14:useLocalDpi xmlns:a14="http://schemas.microsoft.com/office/drawing/2010/main" val="0"/>
+              </a:ext>
+            </a:extLst>
+          </a:blip>
+          <a:srcRect/>
+          <a:stretch>
+            <a:fillRect/>
+          </a:stretch>
+        </p:blipFill>
+        <p:spPr bwMode="auto">
+          <a:xfrm>
+            <a:off x="3783258" y="4990041"/>
+            <a:ext cx="3080959" cy="808869"/>
+          </a:xfrm>
+          <a:prstGeom prst="rect">
+            <a:avLst/>
+          </a:prstGeom>
+          <a:noFill/>
+          <a:ln>
+            <a:noFill/>
+          </a:ln>
+        </p:spPr>
+      </p:pic>
+      <p:sp>
+        <p:nvSpPr>
+          <p:cNvPr id="5" name="TextBox 4"/>
+          <p:cNvSpPr txBox="1"/>
+          <p:nvPr/>
+        </p:nvSpPr>
+        <p:spPr>
+          <a:xfrm>
+            <a:off x="1391699" y="5187830"/>
+            <a:ext cx="2391559" cy="400110"/>
+          </a:xfrm>
+          <a:prstGeom prst="rect">
+            <a:avLst/>
+          </a:prstGeom>
+          <a:noFill/>
+        </p:spPr>
+        <p:txBody>
+          <a:bodyPr wrap="square" rtlCol="0">
+            <a:spAutoFit/>
+          </a:bodyPr>
+          <a:lstStyle/>
+          <a:p>
+            <a:r>
+              <a:rPr lang="en-US" sz="2000" dirty="0" smtClean="0"/>
+              <a:t>Objective Function:</a:t>
+            </a:r>
+            <a:endParaRPr lang="en-US" sz="2000" dirty="0"/>
           </a:p>
         </p:txBody>
       </p:sp>
     </p:spTree>
     <p:extLst>
       <p:ext uri="{BB962C8B-B14F-4D97-AF65-F5344CB8AC3E}">
-        <p14:creationId xmlns:p14="http://schemas.microsoft.com/office/powerpoint/2010/main" val="2355179620"/>
+        <p14:creationId xmlns:p14="http://schemas.microsoft.com/office/powerpoint/2010/main" val="4246377900"/>
       </p:ext>
     </p:extLst>
   </p:cSld>
@@ -3868,14 +4009,20 @@
         </p:nvSpPr>
         <p:spPr/>
         <p:txBody>
-          <a:bodyPr>
-            <a:normAutofit/>
-          </a:bodyPr>
-          <a:lstStyle/>
-          <a:p>
-            <a:r>
-              <a:rPr lang="en-US" dirty="0" smtClean="0"/>
-              <a:t>Different possible approaches</a:t>
+          <a:bodyPr/>
+          <a:lstStyle/>
+          <a:p>
+            <a:r>
+              <a:rPr lang="en-US" dirty="0" smtClean="0"/>
+              <a:t>LDA </a:t>
+            </a:r>
+            <a:r>
+              <a:rPr lang="en-US" dirty="0" err="1" smtClean="0"/>
+              <a:t>vs</a:t>
+            </a:r>
+            <a:r>
+              <a:rPr lang="en-US" dirty="0" smtClean="0"/>
+              <a:t> NMF</a:t>
             </a:r>
             <a:endParaRPr lang="en-US" dirty="0"/>
           </a:p>
@@ -3883,41 +4030,253 @@
       </p:sp>
       <p:sp>
         <p:nvSpPr>
-          <p:cNvPr id="3" name="Content Placeholder 2"/>
-          <p:cNvSpPr>
-            <a:spLocks noGrp="1"/>
-          </p:cNvSpPr>
-          <p:nvPr>
-            <p:ph idx="1"/>
-          </p:nvPr>
-        </p:nvSpPr>
-        <p:spPr/>
+          <p:cNvPr id="5" name="Content Placeholder 2"/>
+          <p:cNvSpPr txBox="1">
+            <a:spLocks/>
+          </p:cNvSpPr>
+          <p:nvPr/>
+        </p:nvSpPr>
+        <p:spPr>
+          <a:xfrm>
+            <a:off x="457200" y="1600200"/>
+            <a:ext cx="8229600" cy="4876800"/>
+          </a:xfrm>
+          <a:prstGeom prst="rect">
+            <a:avLst/>
+          </a:prstGeom>
+        </p:spPr>
         <p:txBody>
           <a:bodyPr/>
-          <a:lstStyle/>
-          <a:p>
-            <a:r>
-              <a:rPr lang="en-US" dirty="0" smtClean="0"/>
-              <a:t>Compare different numbers of topics and see what the log likelihood of the data is</a:t>
-            </a:r>
-          </a:p>
-          <a:p>
-            <a:r>
-              <a:rPr lang="en-US" dirty="0" smtClean="0"/>
-              <a:t>Hierarchical </a:t>
-            </a:r>
-            <a:r>
-              <a:rPr lang="en-US" dirty="0" err="1" smtClean="0"/>
-              <a:t>Dirichlet</a:t>
-            </a:r>
-            <a:r>
-              <a:rPr lang="en-US" dirty="0" smtClean="0"/>
-              <a:t> processes (investigating)</a:t>
-            </a:r>
-            <a:r>
-              <a:rPr lang="en-US" dirty="0" smtClean="0"/>
-              <a:t> </a:t>
-            </a:r>
+          <a:lstStyle>
+            <a:lvl1pPr marL="182880" indent="-182880" algn="l" defTabSz="914400" rtl="0" eaLnBrk="1" latinLnBrk="0" hangingPunct="1">
+              <a:spcBef>
+                <a:spcPct val="20000"/>
+              </a:spcBef>
+              <a:buClr>
+                <a:schemeClr val="accent1"/>
+              </a:buClr>
+              <a:buSzPct val="85000"/>
+              <a:buFont typeface="Arial" pitchFamily="34" charset="0"/>
+              <a:buChar char="•"/>
+              <a:defRPr sz="2400" kern="1200">
+                <a:solidFill>
+                  <a:schemeClr val="tx1"/>
+                </a:solidFill>
+                <a:latin typeface="+mn-lt"/>
+                <a:ea typeface="+mn-ea"/>
+                <a:cs typeface="+mn-cs"/>
+              </a:defRPr>
+            </a:lvl1pPr>
+            <a:lvl2pPr marL="457200" indent="-182880" algn="l" defTabSz="914400" rtl="0" eaLnBrk="1" latinLnBrk="0" hangingPunct="1">
+              <a:spcBef>
+                <a:spcPct val="20000"/>
+              </a:spcBef>
+              <a:buClr>
+                <a:schemeClr val="accent1"/>
+              </a:buClr>
+              <a:buSzPct val="85000"/>
+              <a:buFont typeface="Arial" pitchFamily="34" charset="0"/>
+              <a:buChar char="•"/>
+              <a:defRPr sz="2000" kern="1200">
+                <a:solidFill>
+                  <a:schemeClr val="tx1"/>
+                </a:solidFill>
+                <a:latin typeface="+mn-lt"/>
+                <a:ea typeface="+mn-ea"/>
+                <a:cs typeface="+mn-cs"/>
+              </a:defRPr>
+            </a:lvl2pPr>
+            <a:lvl3pPr marL="731520" indent="-182880" algn="l" defTabSz="914400" rtl="0" eaLnBrk="1" latinLnBrk="0" hangingPunct="1">
+              <a:spcBef>
+                <a:spcPct val="20000"/>
+              </a:spcBef>
+              <a:buClr>
+                <a:schemeClr val="accent1"/>
+              </a:buClr>
+              <a:buSzPct val="90000"/>
+              <a:buFont typeface="Arial" pitchFamily="34" charset="0"/>
+              <a:buChar char="•"/>
+              <a:defRPr sz="1800" kern="1200">
+                <a:solidFill>
+                  <a:schemeClr val="tx1"/>
+                </a:solidFill>
+                <a:latin typeface="+mn-lt"/>
+                <a:ea typeface="+mn-ea"/>
+                <a:cs typeface="+mn-cs"/>
+              </a:defRPr>
+            </a:lvl3pPr>
+            <a:lvl4pPr marL="1005840" indent="-182880" algn="l" defTabSz="914400" rtl="0" eaLnBrk="1" latinLnBrk="0" hangingPunct="1">
+              <a:spcBef>
+                <a:spcPct val="20000"/>
+              </a:spcBef>
+              <a:buClr>
+                <a:schemeClr val="accent1"/>
+              </a:buClr>
+              <a:buFont typeface="Arial" pitchFamily="34" charset="0"/>
+              <a:buChar char="•"/>
+              <a:defRPr sz="1600" kern="1200">
+                <a:solidFill>
+                  <a:schemeClr val="tx1"/>
+                </a:solidFill>
+                <a:latin typeface="+mn-lt"/>
+                <a:ea typeface="+mn-ea"/>
+                <a:cs typeface="+mn-cs"/>
+              </a:defRPr>
+            </a:lvl4pPr>
+            <a:lvl5pPr marL="1188720" indent="-137160" algn="l" defTabSz="914400" rtl="0" eaLnBrk="1" latinLnBrk="0" hangingPunct="1">
+              <a:spcBef>
+                <a:spcPct val="20000"/>
+              </a:spcBef>
+              <a:buClr>
+                <a:schemeClr val="accent1"/>
+              </a:buClr>
+              <a:buSzPct val="100000"/>
+              <a:buFont typeface="Arial" pitchFamily="34" charset="0"/>
+              <a:buChar char="•"/>
+              <a:defRPr sz="1400" kern="1200" baseline="0">
+                <a:solidFill>
+                  <a:schemeClr val="tx1"/>
+                </a:solidFill>
+                <a:latin typeface="+mn-lt"/>
+                <a:ea typeface="+mn-ea"/>
+                <a:cs typeface="+mn-cs"/>
+              </a:defRPr>
+            </a:lvl5pPr>
+            <a:lvl6pPr marL="1371600" indent="-182880" algn="l" defTabSz="914400" rtl="0" eaLnBrk="1" latinLnBrk="0" hangingPunct="1">
+              <a:spcBef>
+                <a:spcPct val="20000"/>
+              </a:spcBef>
+              <a:buClr>
+                <a:schemeClr val="accent1"/>
+              </a:buClr>
+              <a:buFont typeface="Arial" pitchFamily="34" charset="0"/>
+              <a:buChar char="•"/>
+              <a:defRPr sz="1300" kern="1200">
+                <a:solidFill>
+                  <a:schemeClr val="tx1"/>
+                </a:solidFill>
+                <a:latin typeface="+mn-lt"/>
+                <a:ea typeface="+mn-ea"/>
+                <a:cs typeface="+mn-cs"/>
+              </a:defRPr>
+            </a:lvl6pPr>
+            <a:lvl7pPr marL="1554480" indent="-182880" algn="l" defTabSz="914400" rtl="0" eaLnBrk="1" latinLnBrk="0" hangingPunct="1">
+              <a:spcBef>
+                <a:spcPct val="20000"/>
+              </a:spcBef>
+              <a:buClr>
+                <a:schemeClr val="accent1"/>
+              </a:buClr>
+              <a:buFont typeface="Arial" pitchFamily="34" charset="0"/>
+              <a:buChar char="•"/>
+              <a:defRPr sz="1300" kern="1200">
+                <a:solidFill>
+                  <a:schemeClr val="tx1"/>
+                </a:solidFill>
+                <a:latin typeface="+mn-lt"/>
+                <a:ea typeface="+mn-ea"/>
+                <a:cs typeface="+mn-cs"/>
+              </a:defRPr>
+            </a:lvl7pPr>
+            <a:lvl8pPr marL="1737360" indent="-182880" algn="l" defTabSz="914400" rtl="0" eaLnBrk="1" latinLnBrk="0" hangingPunct="1">
+              <a:spcBef>
+                <a:spcPct val="20000"/>
+              </a:spcBef>
+              <a:buClr>
+                <a:schemeClr val="accent1"/>
+              </a:buClr>
+              <a:buFont typeface="Arial" pitchFamily="34" charset="0"/>
+              <a:buChar char="•"/>
+              <a:defRPr sz="1300" kern="1200">
+                <a:solidFill>
+                  <a:schemeClr val="tx1"/>
+                </a:solidFill>
+                <a:latin typeface="+mn-lt"/>
+                <a:ea typeface="+mn-ea"/>
+                <a:cs typeface="+mn-cs"/>
+              </a:defRPr>
+            </a:lvl8pPr>
+            <a:lvl9pPr marL="1920240" indent="-182880" algn="l" defTabSz="914400" rtl="0" eaLnBrk="1" latinLnBrk="0" hangingPunct="1">
+              <a:spcBef>
+                <a:spcPct val="20000"/>
+              </a:spcBef>
+              <a:buClr>
+                <a:schemeClr val="accent1"/>
+              </a:buClr>
+              <a:buFont typeface="Arial" pitchFamily="34" charset="0"/>
+              <a:buChar char="•"/>
+              <a:defRPr sz="1300" kern="1200">
+                <a:solidFill>
+                  <a:schemeClr val="tx1"/>
+                </a:solidFill>
+                <a:latin typeface="+mn-lt"/>
+                <a:ea typeface="+mn-ea"/>
+                <a:cs typeface="+mn-cs"/>
+              </a:defRPr>
+            </a:lvl9pPr>
+          </a:lstStyle>
+          <a:p>
+            <a:r>
+              <a:rPr lang="en-US" dirty="0" smtClean="0"/>
+              <a:t>NMF </a:t>
+            </a:r>
+            <a:r>
+              <a:rPr lang="en-US" dirty="0" smtClean="0"/>
+              <a:t>is faster </a:t>
+            </a:r>
+            <a:r>
+              <a:rPr lang="en-US" dirty="0" smtClean="0"/>
+              <a:t>of course</a:t>
+            </a:r>
+          </a:p>
+          <a:p>
+            <a:r>
+              <a:rPr lang="en-US" dirty="0" smtClean="0"/>
+              <a:t>NMF </a:t>
+            </a:r>
+            <a:r>
+              <a:rPr lang="en-US" dirty="0" smtClean="0"/>
+              <a:t>seems </a:t>
+            </a:r>
+            <a:r>
+              <a:rPr lang="en-US" dirty="0" smtClean="0"/>
+              <a:t>to produce more coherent </a:t>
+            </a:r>
+            <a:r>
+              <a:rPr lang="en-US" dirty="0" smtClean="0"/>
+              <a:t>topics</a:t>
+            </a:r>
+          </a:p>
+          <a:p>
+            <a:pPr lvl="1"/>
+            <a:r>
+              <a:rPr lang="en-US" dirty="0" smtClean="0"/>
+              <a:t>particularly </a:t>
+            </a:r>
+            <a:r>
+              <a:rPr lang="en-US" dirty="0"/>
+              <a:t>with the right representation of corpus—TF-</a:t>
+            </a:r>
+            <a:r>
+              <a:rPr lang="en-US" dirty="0" smtClean="0"/>
+              <a:t>IDF</a:t>
+            </a:r>
+            <a:endParaRPr lang="en-US" dirty="0" smtClean="0"/>
+          </a:p>
+          <a:p>
+            <a:r>
+              <a:rPr lang="en-US" dirty="0" smtClean="0"/>
+              <a:t>LDA (depending on representation of corpus) can produce fine or very poor topics</a:t>
+            </a:r>
+          </a:p>
+          <a:p>
+            <a:pPr lvl="1"/>
+            <a:r>
+              <a:rPr lang="en-US" dirty="0" smtClean="0"/>
+              <a:t>Probably a problem on our end</a:t>
+            </a:r>
+          </a:p>
+          <a:p>
             <a:endParaRPr lang="en-US" dirty="0" smtClean="0"/>
           </a:p>
         </p:txBody>
@@ -3925,7 +4284,7 @@
     </p:spTree>
     <p:extLst>
       <p:ext uri="{BB962C8B-B14F-4D97-AF65-F5344CB8AC3E}">
-        <p14:creationId xmlns:p14="http://schemas.microsoft.com/office/powerpoint/2010/main" val="4066006703"/>
+        <p14:creationId xmlns:p14="http://schemas.microsoft.com/office/powerpoint/2010/main" val="992791850"/>
       </p:ext>
     </p:extLst>
   </p:cSld>
@@ -3971,6 +4330,66 @@
         </p:nvSpPr>
         <p:spPr/>
         <p:txBody>
+          <a:bodyPr/>
+          <a:lstStyle/>
+          <a:p>
+            <a:r>
+              <a:rPr lang="en-US" dirty="0" smtClean="0"/>
+              <a:t>Methods for setting number of topics</a:t>
+            </a:r>
+            <a:endParaRPr lang="en-US" dirty="0"/>
+          </a:p>
+        </p:txBody>
+      </p:sp>
+    </p:spTree>
+    <p:extLst>
+      <p:ext uri="{BB962C8B-B14F-4D97-AF65-F5344CB8AC3E}">
+        <p14:creationId xmlns:p14="http://schemas.microsoft.com/office/powerpoint/2010/main" val="2355179620"/>
+      </p:ext>
+    </p:extLst>
+  </p:cSld>
+  <p:clrMapOvr>
+    <a:masterClrMapping/>
+  </p:clrMapOvr>
+  <p:timing>
+    <p:tnLst>
+      <p:par>
+        <p:cTn xmlns:p14="http://schemas.microsoft.com/office/powerpoint/2010/main" id="1" dur="indefinite" restart="never" nodeType="tmRoot"/>
+      </p:par>
+    </p:tnLst>
+  </p:timing>
+</p:sld>
+</file>
+
+<file path=ppt/slides/slide14.xml><?xml version="1.0" encoding="utf-8"?>
+<p:sld xmlns:a="http://schemas.openxmlformats.org/drawingml/2006/main" xmlns:r="http://schemas.openxmlformats.org/officeDocument/2006/relationships" xmlns:p="http://schemas.openxmlformats.org/presentationml/2006/main">
+  <p:cSld>
+    <p:spTree>
+      <p:nvGrpSpPr>
+        <p:cNvPr id="1" name=""/>
+        <p:cNvGrpSpPr/>
+        <p:nvPr/>
+      </p:nvGrpSpPr>
+      <p:grpSpPr>
+        <a:xfrm>
+          <a:off x="0" y="0"/>
+          <a:ext cx="0" cy="0"/>
+          <a:chOff x="0" y="0"/>
+          <a:chExt cx="0" cy="0"/>
+        </a:xfrm>
+      </p:grpSpPr>
+      <p:sp>
+        <p:nvSpPr>
+          <p:cNvPr id="2" name="Title 1"/>
+          <p:cNvSpPr>
+            <a:spLocks noGrp="1"/>
+          </p:cNvSpPr>
+          <p:nvPr>
+            <p:ph type="title"/>
+          </p:nvPr>
+        </p:nvSpPr>
+        <p:spPr/>
+        <p:txBody>
           <a:bodyPr>
             <a:normAutofit/>
           </a:bodyPr>
@@ -3978,7 +4397,7 @@
           <a:p>
             <a:r>
               <a:rPr lang="en-US" dirty="0" smtClean="0"/>
-              <a:t>LDA for document classification</a:t>
+              <a:t>Different possible approaches</a:t>
             </a:r>
             <a:endParaRPr lang="en-US" dirty="0"/>
           </a:p>
@@ -4001,102 +4420,21 @@
           <a:p>
             <a:r>
               <a:rPr lang="en-US" dirty="0" smtClean="0"/>
-              <a:t>Train a machine learning classifier using distributions over topics as features for each document (</a:t>
+              <a:t>Compare different numbers of topics and see what the log likelihood of the data is</a:t>
+            </a:r>
+          </a:p>
+          <a:p>
+            <a:r>
+              <a:rPr lang="en-US" dirty="0" smtClean="0"/>
+              <a:t>Hierarchical </a:t>
             </a:r>
             <a:r>
               <a:rPr lang="en-US" dirty="0" err="1" smtClean="0"/>
-              <a:t>Blei</a:t>
-            </a:r>
-            <a:r>
-              <a:rPr lang="en-US" dirty="0" smtClean="0"/>
-              <a:t> et al, 2003)</a:t>
-            </a:r>
-          </a:p>
-          <a:p>
-            <a:pPr lvl="1"/>
-            <a:r>
-              <a:rPr lang="en-US" dirty="0" smtClean="0"/>
-              <a:t>Much lower dimensional</a:t>
-            </a:r>
-          </a:p>
-          <a:p>
-            <a:pPr lvl="1"/>
-            <a:r>
-              <a:rPr lang="en-US" dirty="0" smtClean="0"/>
-              <a:t>Currently, as mentioned, our topics have quality issues (bug?) so our classifier doesn’t perform well</a:t>
-            </a:r>
-          </a:p>
-          <a:p>
-            <a:pPr marL="274320" lvl="1" indent="0">
-              <a:buNone/>
-            </a:pPr>
-            <a:endParaRPr lang="en-US" dirty="0" smtClean="0"/>
-          </a:p>
-          <a:p>
-            <a:r>
-              <a:rPr lang="en-US" dirty="0" smtClean="0"/>
-              <a:t>How </a:t>
-            </a:r>
-            <a:r>
-              <a:rPr lang="en-US" dirty="0" smtClean="0"/>
-              <a:t>does topic count affect accuracy of classifiers</a:t>
-            </a:r>
-            <a:r>
-              <a:rPr lang="en-US" dirty="0" smtClean="0"/>
-              <a:t>?</a:t>
-            </a:r>
-          </a:p>
-          <a:p>
-            <a:pPr lvl="1"/>
-            <a:r>
-              <a:rPr lang="en-US" dirty="0" smtClean="0"/>
-              <a:t>Too few topics </a:t>
-            </a:r>
-            <a:r>
-              <a:rPr lang="en-US" dirty="0" smtClean="0">
-                <a:sym typeface="Wingdings"/>
-              </a:rPr>
-              <a:t></a:t>
-            </a:r>
-            <a:r>
-              <a:rPr lang="en-US" dirty="0" smtClean="0"/>
-              <a:t> not enough features</a:t>
-            </a:r>
-          </a:p>
-          <a:p>
-            <a:pPr lvl="1"/>
-            <a:r>
-              <a:rPr lang="en-US" dirty="0" smtClean="0"/>
-              <a:t>Too many </a:t>
-            </a:r>
-            <a:r>
-              <a:rPr lang="en-US" dirty="0" smtClean="0">
-                <a:sym typeface="Wingdings"/>
-              </a:rPr>
-              <a:t> </a:t>
-            </a:r>
-            <a:r>
-              <a:rPr lang="en-US" dirty="0" err="1" smtClean="0"/>
-              <a:t>overfit</a:t>
-            </a:r>
-            <a:endParaRPr lang="en-US" dirty="0" smtClean="0"/>
-          </a:p>
-          <a:p>
-            <a:pPr lvl="1"/>
-            <a:endParaRPr lang="en-US" dirty="0" smtClean="0"/>
-          </a:p>
-          <a:p>
-            <a:r>
-              <a:rPr lang="en-US" dirty="0" smtClean="0"/>
-              <a:t>How does this relate to other methods of </a:t>
-            </a:r>
-            <a:r>
-              <a:rPr lang="en-US" dirty="0" smtClean="0"/>
-              <a:t>determining </a:t>
-            </a:r>
-            <a:r>
-              <a:rPr lang="en-US" dirty="0" smtClean="0"/>
-              <a:t>ideal topic count?</a:t>
+              <a:t>Dirichlet</a:t>
+            </a:r>
+            <a:r>
+              <a:rPr lang="en-US" dirty="0" smtClean="0"/>
+              <a:t> processes (investigating) </a:t>
             </a:r>
           </a:p>
         </p:txBody>
@@ -4121,7 +4459,353 @@
 </p:sld>
 </file>
 
-<file path=ppt/slides/slide14.xml><?xml version="1.0" encoding="utf-8"?>
+<file path=ppt/slides/slide15.xml><?xml version="1.0" encoding="utf-8"?>
+<p:sld xmlns:a="http://schemas.openxmlformats.org/drawingml/2006/main" xmlns:r="http://schemas.openxmlformats.org/officeDocument/2006/relationships" xmlns:p="http://schemas.openxmlformats.org/presentationml/2006/main">
+  <p:cSld>
+    <p:spTree>
+      <p:nvGrpSpPr>
+        <p:cNvPr id="1" name=""/>
+        <p:cNvGrpSpPr/>
+        <p:nvPr/>
+      </p:nvGrpSpPr>
+      <p:grpSpPr>
+        <a:xfrm>
+          <a:off x="0" y="0"/>
+          <a:ext cx="0" cy="0"/>
+          <a:chOff x="0" y="0"/>
+          <a:chExt cx="0" cy="0"/>
+        </a:xfrm>
+      </p:grpSpPr>
+      <p:sp>
+        <p:nvSpPr>
+          <p:cNvPr id="2" name="Title 1"/>
+          <p:cNvSpPr>
+            <a:spLocks noGrp="1"/>
+          </p:cNvSpPr>
+          <p:nvPr>
+            <p:ph type="title"/>
+          </p:nvPr>
+        </p:nvSpPr>
+        <p:spPr/>
+        <p:txBody>
+          <a:bodyPr>
+            <a:normAutofit/>
+          </a:bodyPr>
+          <a:lstStyle/>
+          <a:p>
+            <a:r>
+              <a:rPr lang="en-US" dirty="0" smtClean="0"/>
+              <a:t>LDA for document classification</a:t>
+            </a:r>
+            <a:endParaRPr lang="en-US" dirty="0"/>
+          </a:p>
+        </p:txBody>
+      </p:sp>
+      <p:sp>
+        <p:nvSpPr>
+          <p:cNvPr id="3" name="Content Placeholder 2"/>
+          <p:cNvSpPr>
+            <a:spLocks noGrp="1"/>
+          </p:cNvSpPr>
+          <p:nvPr>
+            <p:ph idx="1"/>
+          </p:nvPr>
+        </p:nvSpPr>
+        <p:spPr/>
+        <p:txBody>
+          <a:bodyPr/>
+          <a:lstStyle/>
+          <a:p>
+            <a:r>
+              <a:rPr lang="en-US" dirty="0" smtClean="0"/>
+              <a:t>Train a machine learning classifier using distributions over topics as features for each document (</a:t>
+            </a:r>
+            <a:r>
+              <a:rPr lang="en-US" dirty="0" err="1" smtClean="0"/>
+              <a:t>Blei</a:t>
+            </a:r>
+            <a:r>
+              <a:rPr lang="en-US" dirty="0" smtClean="0"/>
+              <a:t> et al, 2003)</a:t>
+            </a:r>
+          </a:p>
+          <a:p>
+            <a:pPr lvl="1"/>
+            <a:r>
+              <a:rPr lang="en-US" dirty="0" smtClean="0"/>
+              <a:t>Much lower dimensional</a:t>
+            </a:r>
+          </a:p>
+          <a:p>
+            <a:pPr lvl="1"/>
+            <a:r>
+              <a:rPr lang="en-US" dirty="0" smtClean="0"/>
+              <a:t>Currently, as mentioned, our topics have quality issues (bug?) so our classifier doesn’t perform well</a:t>
+            </a:r>
+          </a:p>
+          <a:p>
+            <a:pPr marL="274320" lvl="1" indent="0">
+              <a:buNone/>
+            </a:pPr>
+            <a:endParaRPr lang="en-US" dirty="0" smtClean="0"/>
+          </a:p>
+          <a:p>
+            <a:r>
+              <a:rPr lang="en-US" dirty="0" smtClean="0"/>
+              <a:t>How does topic count affect accuracy of classifiers?</a:t>
+            </a:r>
+          </a:p>
+          <a:p>
+            <a:pPr lvl="1"/>
+            <a:r>
+              <a:rPr lang="en-US" dirty="0" smtClean="0"/>
+              <a:t>Too few topics </a:t>
+            </a:r>
+            <a:r>
+              <a:rPr lang="en-US" dirty="0" smtClean="0">
+                <a:sym typeface="Wingdings"/>
+              </a:rPr>
+              <a:t></a:t>
+            </a:r>
+            <a:r>
+              <a:rPr lang="en-US" dirty="0" smtClean="0"/>
+              <a:t> not enough features</a:t>
+            </a:r>
+          </a:p>
+          <a:p>
+            <a:pPr lvl="1"/>
+            <a:r>
+              <a:rPr lang="en-US" dirty="0" smtClean="0"/>
+              <a:t>Too many </a:t>
+            </a:r>
+            <a:r>
+              <a:rPr lang="en-US" dirty="0" smtClean="0">
+                <a:sym typeface="Wingdings"/>
+              </a:rPr>
+              <a:t> </a:t>
+            </a:r>
+            <a:r>
+              <a:rPr lang="en-US" dirty="0" err="1" smtClean="0"/>
+              <a:t>overfit</a:t>
+            </a:r>
+            <a:endParaRPr lang="en-US" dirty="0" smtClean="0"/>
+          </a:p>
+          <a:p>
+            <a:pPr lvl="1"/>
+            <a:endParaRPr lang="en-US" dirty="0" smtClean="0"/>
+          </a:p>
+          <a:p>
+            <a:r>
+              <a:rPr lang="en-US" dirty="0" smtClean="0"/>
+              <a:t>How does this relate to other methods of determining ideal topic count?</a:t>
+            </a:r>
+          </a:p>
+        </p:txBody>
+      </p:sp>
+    </p:spTree>
+    <p:extLst>
+      <p:ext uri="{BB962C8B-B14F-4D97-AF65-F5344CB8AC3E}">
+        <p14:creationId xmlns:p14="http://schemas.microsoft.com/office/powerpoint/2010/main" val="4066006703"/>
+      </p:ext>
+    </p:extLst>
+  </p:cSld>
+  <p:clrMapOvr>
+    <a:masterClrMapping/>
+  </p:clrMapOvr>
+  <p:timing>
+    <p:tnLst>
+      <p:par>
+        <p:cTn xmlns:p14="http://schemas.microsoft.com/office/powerpoint/2010/main" id="1" dur="indefinite" restart="never" nodeType="tmRoot">
+          <p:childTnLst>
+            <p:seq concurrent="1" nextAc="seek">
+              <p:cTn id="2" dur="indefinite" nodeType="mainSeq">
+                <p:childTnLst>
+                  <p:par>
+                    <p:cTn id="3" fill="hold">
+                      <p:stCondLst>
+                        <p:cond delay="indefinite"/>
+                      </p:stCondLst>
+                      <p:childTnLst>
+                        <p:par>
+                          <p:cTn id="4" fill="hold">
+                            <p:stCondLst>
+                              <p:cond delay="0"/>
+                            </p:stCondLst>
+                            <p:childTnLst>
+                              <p:par>
+                                <p:cTn id="5" presetID="1" presetClass="entr" presetSubtype="0" fill="hold" nodeType="clickEffect">
+                                  <p:stCondLst>
+                                    <p:cond delay="0"/>
+                                  </p:stCondLst>
+                                  <p:childTnLst>
+                                    <p:set>
+                                      <p:cBhvr>
+                                        <p:cTn id="6" dur="1" fill="hold">
+                                          <p:stCondLst>
+                                            <p:cond delay="0"/>
+                                          </p:stCondLst>
+                                        </p:cTn>
+                                        <p:tgtEl>
+                                          <p:spTgt spid="3">
+                                            <p:txEl>
+                                              <p:pRg st="4" end="4"/>
+                                            </p:txEl>
+                                          </p:spTgt>
+                                        </p:tgtEl>
+                                        <p:attrNameLst>
+                                          <p:attrName>style.visibility</p:attrName>
+                                        </p:attrNameLst>
+                                      </p:cBhvr>
+                                      <p:to>
+                                        <p:strVal val="visible"/>
+                                      </p:to>
+                                    </p:set>
+                                  </p:childTnLst>
+                                </p:cTn>
+                              </p:par>
+                              <p:par>
+                                <p:cTn id="7" presetID="1" presetClass="entr" presetSubtype="0" fill="hold" nodeType="withEffect">
+                                  <p:stCondLst>
+                                    <p:cond delay="0"/>
+                                  </p:stCondLst>
+                                  <p:childTnLst>
+                                    <p:set>
+                                      <p:cBhvr>
+                                        <p:cTn id="8" dur="1" fill="hold">
+                                          <p:stCondLst>
+                                            <p:cond delay="0"/>
+                                          </p:stCondLst>
+                                        </p:cTn>
+                                        <p:tgtEl>
+                                          <p:spTgt spid="3">
+                                            <p:txEl>
+                                              <p:pRg st="5" end="5"/>
+                                            </p:txEl>
+                                          </p:spTgt>
+                                        </p:tgtEl>
+                                        <p:attrNameLst>
+                                          <p:attrName>style.visibility</p:attrName>
+                                        </p:attrNameLst>
+                                      </p:cBhvr>
+                                      <p:to>
+                                        <p:strVal val="visible"/>
+                                      </p:to>
+                                    </p:set>
+                                  </p:childTnLst>
+                                </p:cTn>
+                              </p:par>
+                              <p:par>
+                                <p:cTn id="9" presetID="1" presetClass="entr" presetSubtype="0" fill="hold" nodeType="withEffect">
+                                  <p:stCondLst>
+                                    <p:cond delay="0"/>
+                                  </p:stCondLst>
+                                  <p:childTnLst>
+                                    <p:set>
+                                      <p:cBhvr>
+                                        <p:cTn id="10" dur="1" fill="hold">
+                                          <p:stCondLst>
+                                            <p:cond delay="0"/>
+                                          </p:stCondLst>
+                                        </p:cTn>
+                                        <p:tgtEl>
+                                          <p:spTgt spid="3">
+                                            <p:txEl>
+                                              <p:pRg st="6" end="6"/>
+                                            </p:txEl>
+                                          </p:spTgt>
+                                        </p:tgtEl>
+                                        <p:attrNameLst>
+                                          <p:attrName>style.visibility</p:attrName>
+                                        </p:attrNameLst>
+                                      </p:cBhvr>
+                                      <p:to>
+                                        <p:strVal val="visible"/>
+                                      </p:to>
+                                    </p:set>
+                                  </p:childTnLst>
+                                </p:cTn>
+                              </p:par>
+                            </p:childTnLst>
+                          </p:cTn>
+                        </p:par>
+                      </p:childTnLst>
+                    </p:cTn>
+                  </p:par>
+                  <p:par>
+                    <p:cTn id="11" fill="hold">
+                      <p:stCondLst>
+                        <p:cond delay="indefinite"/>
+                      </p:stCondLst>
+                      <p:childTnLst>
+                        <p:par>
+                          <p:cTn id="12" fill="hold">
+                            <p:stCondLst>
+                              <p:cond delay="0"/>
+                            </p:stCondLst>
+                            <p:childTnLst>
+                              <p:par>
+                                <p:cTn id="13" presetID="1" presetClass="entr" presetSubtype="0" fill="hold" nodeType="clickEffect">
+                                  <p:stCondLst>
+                                    <p:cond delay="0"/>
+                                  </p:stCondLst>
+                                  <p:childTnLst>
+                                    <p:set>
+                                      <p:cBhvr>
+                                        <p:cTn id="14" dur="1" fill="hold">
+                                          <p:stCondLst>
+                                            <p:cond delay="0"/>
+                                          </p:stCondLst>
+                                        </p:cTn>
+                                        <p:tgtEl>
+                                          <p:spTgt spid="3">
+                                            <p:txEl>
+                                              <p:pRg st="8" end="8"/>
+                                            </p:txEl>
+                                          </p:spTgt>
+                                        </p:tgtEl>
+                                        <p:attrNameLst>
+                                          <p:attrName>style.visibility</p:attrName>
+                                        </p:attrNameLst>
+                                      </p:cBhvr>
+                                      <p:to>
+                                        <p:strVal val="visible"/>
+                                      </p:to>
+                                    </p:set>
+                                  </p:childTnLst>
+                                </p:cTn>
+                              </p:par>
+                            </p:childTnLst>
+                          </p:cTn>
+                        </p:par>
+                      </p:childTnLst>
+                    </p:cTn>
+                  </p:par>
+                </p:childTnLst>
+              </p:cTn>
+              <p:prevCondLst>
+                <p:cond evt="onPrev" delay="0">
+                  <p:tgtEl>
+                    <p:sldTgt/>
+                  </p:tgtEl>
+                </p:cond>
+              </p:prevCondLst>
+              <p:nextCondLst>
+                <p:cond evt="onNext" delay="0">
+                  <p:tgtEl>
+                    <p:sldTgt/>
+                  </p:tgtEl>
+                </p:cond>
+              </p:nextCondLst>
+            </p:seq>
+          </p:childTnLst>
+        </p:cTn>
+      </p:par>
+    </p:tnLst>
+  </p:timing>
+</p:sld>
+</file>
+
+<file path=ppt/slides/slide16.xml><?xml version="1.0" encoding="utf-8"?>
 <p:sld xmlns:a="http://schemas.openxmlformats.org/drawingml/2006/main" xmlns:r="http://schemas.openxmlformats.org/officeDocument/2006/relationships" xmlns:p="http://schemas.openxmlformats.org/presentationml/2006/main">
   <p:cSld>
     <p:spTree>
@@ -4259,7 +4943,6 @@
               <a:rPr lang="en-US" sz="3600" dirty="0" smtClean="0"/>
               <a:t>Determining number of topics</a:t>
             </a:r>
-            <a:endParaRPr lang="en-US" sz="3600" dirty="0" smtClean="0"/>
           </a:p>
           <a:p>
             <a:pPr marL="0" indent="0">
@@ -4895,7 +5578,217 @@
   <p:timing>
     <p:tnLst>
       <p:par>
-        <p:cTn xmlns:p14="http://schemas.microsoft.com/office/powerpoint/2010/main" id="1" dur="indefinite" restart="never" nodeType="tmRoot"/>
+        <p:cTn xmlns:p14="http://schemas.microsoft.com/office/powerpoint/2010/main" id="1" dur="indefinite" restart="never" nodeType="tmRoot">
+          <p:childTnLst>
+            <p:seq concurrent="1" nextAc="seek">
+              <p:cTn id="2" dur="indefinite" nodeType="mainSeq">
+                <p:childTnLst>
+                  <p:par>
+                    <p:cTn id="3" fill="hold">
+                      <p:stCondLst>
+                        <p:cond delay="indefinite"/>
+                      </p:stCondLst>
+                      <p:childTnLst>
+                        <p:par>
+                          <p:cTn id="4" fill="hold">
+                            <p:stCondLst>
+                              <p:cond delay="0"/>
+                            </p:stCondLst>
+                            <p:childTnLst>
+                              <p:par>
+                                <p:cTn id="5" presetID="1" presetClass="entr" presetSubtype="0" fill="hold" nodeType="clickEffect">
+                                  <p:stCondLst>
+                                    <p:cond delay="0"/>
+                                  </p:stCondLst>
+                                  <p:childTnLst>
+                                    <p:set>
+                                      <p:cBhvr>
+                                        <p:cTn id="6" dur="1" fill="hold">
+                                          <p:stCondLst>
+                                            <p:cond delay="0"/>
+                                          </p:stCondLst>
+                                        </p:cTn>
+                                        <p:tgtEl>
+                                          <p:spTgt spid="3">
+                                            <p:txEl>
+                                              <p:pRg st="4" end="4"/>
+                                            </p:txEl>
+                                          </p:spTgt>
+                                        </p:tgtEl>
+                                        <p:attrNameLst>
+                                          <p:attrName>style.visibility</p:attrName>
+                                        </p:attrNameLst>
+                                      </p:cBhvr>
+                                      <p:to>
+                                        <p:strVal val="visible"/>
+                                      </p:to>
+                                    </p:set>
+                                  </p:childTnLst>
+                                </p:cTn>
+                              </p:par>
+                              <p:par>
+                                <p:cTn id="7" presetID="1" presetClass="entr" presetSubtype="0" fill="hold" nodeType="withEffect">
+                                  <p:stCondLst>
+                                    <p:cond delay="0"/>
+                                  </p:stCondLst>
+                                  <p:childTnLst>
+                                    <p:set>
+                                      <p:cBhvr>
+                                        <p:cTn id="8" dur="1" fill="hold">
+                                          <p:stCondLst>
+                                            <p:cond delay="0"/>
+                                          </p:stCondLst>
+                                        </p:cTn>
+                                        <p:tgtEl>
+                                          <p:spTgt spid="3">
+                                            <p:txEl>
+                                              <p:pRg st="5" end="5"/>
+                                            </p:txEl>
+                                          </p:spTgt>
+                                        </p:tgtEl>
+                                        <p:attrNameLst>
+                                          <p:attrName>style.visibility</p:attrName>
+                                        </p:attrNameLst>
+                                      </p:cBhvr>
+                                      <p:to>
+                                        <p:strVal val="visible"/>
+                                      </p:to>
+                                    </p:set>
+                                  </p:childTnLst>
+                                </p:cTn>
+                              </p:par>
+                              <p:par>
+                                <p:cTn id="9" presetID="1" presetClass="entr" presetSubtype="0" fill="hold" nodeType="withEffect">
+                                  <p:stCondLst>
+                                    <p:cond delay="0"/>
+                                  </p:stCondLst>
+                                  <p:childTnLst>
+                                    <p:set>
+                                      <p:cBhvr>
+                                        <p:cTn id="10" dur="1" fill="hold">
+                                          <p:stCondLst>
+                                            <p:cond delay="0"/>
+                                          </p:stCondLst>
+                                        </p:cTn>
+                                        <p:tgtEl>
+                                          <p:spTgt spid="3">
+                                            <p:txEl>
+                                              <p:pRg st="6" end="6"/>
+                                            </p:txEl>
+                                          </p:spTgt>
+                                        </p:tgtEl>
+                                        <p:attrNameLst>
+                                          <p:attrName>style.visibility</p:attrName>
+                                        </p:attrNameLst>
+                                      </p:cBhvr>
+                                      <p:to>
+                                        <p:strVal val="visible"/>
+                                      </p:to>
+                                    </p:set>
+                                  </p:childTnLst>
+                                </p:cTn>
+                              </p:par>
+                            </p:childTnLst>
+                          </p:cTn>
+                        </p:par>
+                      </p:childTnLst>
+                    </p:cTn>
+                  </p:par>
+                  <p:par>
+                    <p:cTn id="11" fill="hold">
+                      <p:stCondLst>
+                        <p:cond delay="indefinite"/>
+                      </p:stCondLst>
+                      <p:childTnLst>
+                        <p:par>
+                          <p:cTn id="12" fill="hold">
+                            <p:stCondLst>
+                              <p:cond delay="0"/>
+                            </p:stCondLst>
+                            <p:childTnLst>
+                              <p:par>
+                                <p:cTn id="13" presetID="1" presetClass="entr" presetSubtype="0" fill="hold" nodeType="clickEffect">
+                                  <p:stCondLst>
+                                    <p:cond delay="0"/>
+                                  </p:stCondLst>
+                                  <p:childTnLst>
+                                    <p:set>
+                                      <p:cBhvr>
+                                        <p:cTn id="14" dur="1" fill="hold">
+                                          <p:stCondLst>
+                                            <p:cond delay="0"/>
+                                          </p:stCondLst>
+                                        </p:cTn>
+                                        <p:tgtEl>
+                                          <p:spTgt spid="3">
+                                            <p:txEl>
+                                              <p:pRg st="8" end="8"/>
+                                            </p:txEl>
+                                          </p:spTgt>
+                                        </p:tgtEl>
+                                        <p:attrNameLst>
+                                          <p:attrName>style.visibility</p:attrName>
+                                        </p:attrNameLst>
+                                      </p:cBhvr>
+                                      <p:to>
+                                        <p:strVal val="visible"/>
+                                      </p:to>
+                                    </p:set>
+                                  </p:childTnLst>
+                                </p:cTn>
+                              </p:par>
+                              <p:par>
+                                <p:cTn id="15" presetID="1" presetClass="entr" presetSubtype="0" fill="hold" nodeType="withEffect">
+                                  <p:stCondLst>
+                                    <p:cond delay="0"/>
+                                  </p:stCondLst>
+                                  <p:childTnLst>
+                                    <p:set>
+                                      <p:cBhvr>
+                                        <p:cTn id="16" dur="1" fill="hold">
+                                          <p:stCondLst>
+                                            <p:cond delay="0"/>
+                                          </p:stCondLst>
+                                        </p:cTn>
+                                        <p:tgtEl>
+                                          <p:spTgt spid="4"/>
+                                        </p:tgtEl>
+                                        <p:attrNameLst>
+                                          <p:attrName>style.visibility</p:attrName>
+                                        </p:attrNameLst>
+                                      </p:cBhvr>
+                                      <p:to>
+                                        <p:strVal val="visible"/>
+                                      </p:to>
+                                    </p:set>
+                                  </p:childTnLst>
+                                </p:cTn>
+                              </p:par>
+                            </p:childTnLst>
+                          </p:cTn>
+                        </p:par>
+                      </p:childTnLst>
+                    </p:cTn>
+                  </p:par>
+                </p:childTnLst>
+              </p:cTn>
+              <p:prevCondLst>
+                <p:cond evt="onPrev" delay="0">
+                  <p:tgtEl>
+                    <p:sldTgt/>
+                  </p:tgtEl>
+                </p:cond>
+              </p:prevCondLst>
+              <p:nextCondLst>
+                <p:cond evt="onNext" delay="0">
+                  <p:tgtEl>
+                    <p:sldTgt/>
+                  </p:tgtEl>
+                </p:cond>
+              </p:nextCondLst>
+            </p:seq>
+          </p:childTnLst>
+        </p:cTn>
       </p:par>
     </p:tnLst>
   </p:timing>
@@ -5290,136 +6183,11 @@
           <a:p>
             <a:r>
               <a:rPr lang="en-US" dirty="0" smtClean="0"/>
-              <a:t>Generative model of document creation</a:t>
-            </a:r>
-          </a:p>
-          <a:p>
-            <a:pPr marL="0" indent="0">
-              <a:buNone/>
-            </a:pPr>
-            <a:endParaRPr lang="en-US" dirty="0"/>
-          </a:p>
-          <a:p>
-            <a:r>
-              <a:rPr lang="en-US" dirty="0" smtClean="0"/>
-              <a:t>Modeling documents</a:t>
-            </a:r>
-          </a:p>
-          <a:p>
-            <a:pPr lvl="1"/>
-            <a:r>
-              <a:rPr lang="en-US" dirty="0" smtClean="0"/>
-              <a:t>Each document </a:t>
-            </a:r>
-            <a:r>
-              <a:rPr lang="en-US" i="1" dirty="0" smtClean="0"/>
-              <a:t>d</a:t>
-            </a:r>
-            <a:r>
-              <a:rPr lang="en-US" dirty="0" smtClean="0"/>
-              <a:t> has a distribution </a:t>
-            </a:r>
-            <a:r>
-              <a:rPr lang="en-US" dirty="0" err="1" smtClean="0"/>
-              <a:t>θ</a:t>
-            </a:r>
-            <a:r>
-              <a:rPr lang="en-US" baseline="-25000" dirty="0" err="1" smtClean="0"/>
-              <a:t>d</a:t>
-            </a:r>
-            <a:r>
-              <a:rPr lang="en-US" dirty="0" smtClean="0"/>
-              <a:t> of topics </a:t>
-            </a:r>
-          </a:p>
-          <a:p>
-            <a:pPr lvl="1"/>
-            <a:r>
-              <a:rPr lang="en-US" dirty="0" smtClean="0"/>
-              <a:t>Start out with a prior </a:t>
-            </a:r>
-            <a:r>
-              <a:rPr lang="en-US" dirty="0" err="1"/>
-              <a:t>θ</a:t>
-            </a:r>
-            <a:r>
-              <a:rPr lang="en-US" dirty="0" smtClean="0"/>
-              <a:t> ~ </a:t>
-            </a:r>
-            <a:r>
-              <a:rPr lang="en-US" dirty="0" err="1" smtClean="0"/>
-              <a:t>Dirichlet</a:t>
-            </a:r>
-            <a:r>
-              <a:rPr lang="en-US" dirty="0" smtClean="0"/>
-              <a:t>(α)</a:t>
-            </a:r>
-          </a:p>
-          <a:p>
-            <a:pPr lvl="1"/>
-            <a:r>
-              <a:rPr lang="en-US" dirty="0" smtClean="0"/>
-              <a:t>Update to get posterior  distribution given documents</a:t>
-            </a:r>
-          </a:p>
-          <a:p>
-            <a:pPr lvl="2"/>
-            <a:r>
-              <a:rPr lang="en-US" dirty="0" smtClean="0"/>
-              <a:t>Given </a:t>
-            </a:r>
-            <a:r>
-              <a:rPr lang="en-US" dirty="0"/>
-              <a:t>α</a:t>
-            </a:r>
-            <a:r>
-              <a:rPr lang="en-US" dirty="0" smtClean="0"/>
-              <a:t> and β, the distribution of words given topics</a:t>
-            </a:r>
-          </a:p>
-          <a:p>
-            <a:pPr lvl="2"/>
-            <a:r>
-              <a:rPr lang="en-US" dirty="0"/>
-              <a:t>U</a:t>
-            </a:r>
-            <a:r>
-              <a:rPr lang="en-US" dirty="0" smtClean="0"/>
-              <a:t>se EM to maximize log likelihood of data</a:t>
-            </a:r>
-            <a:endParaRPr lang="en-US" dirty="0"/>
-          </a:p>
-          <a:p>
-            <a:r>
-              <a:rPr lang="en-US" dirty="0" smtClean="0"/>
-              <a:t>Generating documents on a per-word basis</a:t>
-            </a:r>
-          </a:p>
-          <a:p>
-            <a:pPr lvl="1"/>
-            <a:r>
-              <a:rPr lang="en-US" dirty="0" smtClean="0"/>
-              <a:t>Draw a topic from topic </a:t>
-            </a:r>
-            <a:r>
-              <a:rPr lang="en-US" dirty="0"/>
-              <a:t>distribution </a:t>
-            </a:r>
-            <a:r>
-              <a:rPr lang="en-US" dirty="0" err="1"/>
-              <a:t>θ</a:t>
-            </a:r>
-            <a:r>
-              <a:rPr lang="en-US" baseline="-25000" dirty="0" err="1"/>
-              <a:t>d</a:t>
-            </a:r>
-            <a:endParaRPr lang="en-US" dirty="0" smtClean="0"/>
-          </a:p>
-          <a:p>
-            <a:pPr lvl="1"/>
-            <a:r>
-              <a:rPr lang="en-US" dirty="0" smtClean="0"/>
-              <a:t>Draw a word from the word distribution of the topic</a:t>
+              <a:t>Generative model of document </a:t>
+            </a:r>
+            <a:r>
+              <a:rPr lang="en-US" dirty="0" smtClean="0"/>
+              <a:t>creation</a:t>
             </a:r>
             <a:endParaRPr lang="en-US" dirty="0" smtClean="0"/>
           </a:p>
@@ -5501,91 +6269,331 @@
         <p:spPr/>
         <p:txBody>
           <a:bodyPr>
-            <a:normAutofit fontScale="90000"/>
+            <a:normAutofit/>
           </a:bodyPr>
           <a:lstStyle/>
           <a:p>
             <a:r>
               <a:rPr lang="en-US" dirty="0" smtClean="0"/>
-              <a:t>Non-negative Matrix Factorization (NMF)</a:t>
+              <a:t>Latent </a:t>
+            </a:r>
+            <a:r>
+              <a:rPr lang="en-US" dirty="0" err="1" smtClean="0"/>
+              <a:t>Dirichlet</a:t>
+            </a:r>
+            <a:r>
+              <a:rPr lang="en-US" dirty="0" smtClean="0"/>
+              <a:t> Allocation (LDA)</a:t>
             </a:r>
             <a:endParaRPr lang="en-US" dirty="0"/>
           </a:p>
         </p:txBody>
       </p:sp>
-      <p:pic>
-        <p:nvPicPr>
-          <p:cNvPr id="3" name="Picture 2" descr="NMF.png"/>
-          <p:cNvPicPr>
-            <a:picLocks noChangeAspect="1"/>
-          </p:cNvPicPr>
+      <p:sp>
+        <p:nvSpPr>
+          <p:cNvPr id="5" name="Content Placeholder 2"/>
+          <p:cNvSpPr txBox="1">
+            <a:spLocks/>
+          </p:cNvSpPr>
           <p:nvPr/>
-        </p:nvPicPr>
-        <p:blipFill>
-          <a:blip r:embed="rId2">
-            <a:extLst>
-              <a:ext uri="{28A0092B-C50C-407E-A947-70E740481C1C}">
-                <a14:useLocalDpi xmlns:a14="http://schemas.microsoft.com/office/drawing/2010/main" val="0"/>
-              </a:ext>
-            </a:extLst>
-          </a:blip>
-          <a:stretch>
-            <a:fillRect/>
-          </a:stretch>
-        </p:blipFill>
+        </p:nvSpPr>
         <p:spPr>
           <a:xfrm>
-            <a:off x="773277" y="2304850"/>
-            <a:ext cx="7652419" cy="1910262"/>
+            <a:off x="457200" y="1600200"/>
+            <a:ext cx="8094133" cy="4876800"/>
           </a:xfrm>
           <a:prstGeom prst="rect">
             <a:avLst/>
           </a:prstGeom>
         </p:spPr>
-      </p:pic>
-      <p:pic>
-        <p:nvPicPr>
-          <p:cNvPr id="4" name="Picture 3" descr="Macintosh HD:Users:shanedeiley:Dropbox:Screenshots:Screenshot 2015-04-17 13.47.38.png"/>
-          <p:cNvPicPr/>
-          <p:nvPr/>
-        </p:nvPicPr>
-        <p:blipFill>
-          <a:blip r:embed="rId3">
-            <a:extLst>
-              <a:ext uri="{28A0092B-C50C-407E-A947-70E740481C1C}">
-                <a14:useLocalDpi xmlns:a14="http://schemas.microsoft.com/office/drawing/2010/main" val="0"/>
-              </a:ext>
-            </a:extLst>
-          </a:blip>
-          <a:srcRect/>
-          <a:stretch>
-            <a:fillRect/>
-          </a:stretch>
-        </p:blipFill>
-        <p:spPr bwMode="auto">
-          <a:xfrm>
-            <a:off x="3783258" y="4990041"/>
-            <a:ext cx="3080959" cy="808869"/>
-          </a:xfrm>
-          <a:prstGeom prst="rect">
-            <a:avLst/>
-          </a:prstGeom>
-          <a:noFill/>
-          <a:ln>
-            <a:noFill/>
-          </a:ln>
-        </p:spPr>
-      </p:pic>
-      <p:sp>
-        <p:nvSpPr>
-          <p:cNvPr id="5" name="TextBox 4"/>
+        <p:txBody>
+          <a:bodyPr/>
+          <a:lstStyle>
+            <a:lvl1pPr marL="182880" indent="-182880" algn="l" defTabSz="914400" rtl="0" eaLnBrk="1" latinLnBrk="0" hangingPunct="1">
+              <a:spcBef>
+                <a:spcPct val="20000"/>
+              </a:spcBef>
+              <a:buClr>
+                <a:schemeClr val="accent1"/>
+              </a:buClr>
+              <a:buSzPct val="85000"/>
+              <a:buFont typeface="Arial" pitchFamily="34" charset="0"/>
+              <a:buChar char="•"/>
+              <a:defRPr sz="2400" kern="1200">
+                <a:solidFill>
+                  <a:schemeClr val="tx1"/>
+                </a:solidFill>
+                <a:latin typeface="+mn-lt"/>
+                <a:ea typeface="+mn-ea"/>
+                <a:cs typeface="+mn-cs"/>
+              </a:defRPr>
+            </a:lvl1pPr>
+            <a:lvl2pPr marL="457200" indent="-182880" algn="l" defTabSz="914400" rtl="0" eaLnBrk="1" latinLnBrk="0" hangingPunct="1">
+              <a:spcBef>
+                <a:spcPct val="20000"/>
+              </a:spcBef>
+              <a:buClr>
+                <a:schemeClr val="accent1"/>
+              </a:buClr>
+              <a:buSzPct val="85000"/>
+              <a:buFont typeface="Arial" pitchFamily="34" charset="0"/>
+              <a:buChar char="•"/>
+              <a:defRPr sz="2000" kern="1200">
+                <a:solidFill>
+                  <a:schemeClr val="tx1"/>
+                </a:solidFill>
+                <a:latin typeface="+mn-lt"/>
+                <a:ea typeface="+mn-ea"/>
+                <a:cs typeface="+mn-cs"/>
+              </a:defRPr>
+            </a:lvl2pPr>
+            <a:lvl3pPr marL="731520" indent="-182880" algn="l" defTabSz="914400" rtl="0" eaLnBrk="1" latinLnBrk="0" hangingPunct="1">
+              <a:spcBef>
+                <a:spcPct val="20000"/>
+              </a:spcBef>
+              <a:buClr>
+                <a:schemeClr val="accent1"/>
+              </a:buClr>
+              <a:buSzPct val="90000"/>
+              <a:buFont typeface="Arial" pitchFamily="34" charset="0"/>
+              <a:buChar char="•"/>
+              <a:defRPr sz="1800" kern="1200">
+                <a:solidFill>
+                  <a:schemeClr val="tx1"/>
+                </a:solidFill>
+                <a:latin typeface="+mn-lt"/>
+                <a:ea typeface="+mn-ea"/>
+                <a:cs typeface="+mn-cs"/>
+              </a:defRPr>
+            </a:lvl3pPr>
+            <a:lvl4pPr marL="1005840" indent="-182880" algn="l" defTabSz="914400" rtl="0" eaLnBrk="1" latinLnBrk="0" hangingPunct="1">
+              <a:spcBef>
+                <a:spcPct val="20000"/>
+              </a:spcBef>
+              <a:buClr>
+                <a:schemeClr val="accent1"/>
+              </a:buClr>
+              <a:buFont typeface="Arial" pitchFamily="34" charset="0"/>
+              <a:buChar char="•"/>
+              <a:defRPr sz="1600" kern="1200">
+                <a:solidFill>
+                  <a:schemeClr val="tx1"/>
+                </a:solidFill>
+                <a:latin typeface="+mn-lt"/>
+                <a:ea typeface="+mn-ea"/>
+                <a:cs typeface="+mn-cs"/>
+              </a:defRPr>
+            </a:lvl4pPr>
+            <a:lvl5pPr marL="1188720" indent="-137160" algn="l" defTabSz="914400" rtl="0" eaLnBrk="1" latinLnBrk="0" hangingPunct="1">
+              <a:spcBef>
+                <a:spcPct val="20000"/>
+              </a:spcBef>
+              <a:buClr>
+                <a:schemeClr val="accent1"/>
+              </a:buClr>
+              <a:buSzPct val="100000"/>
+              <a:buFont typeface="Arial" pitchFamily="34" charset="0"/>
+              <a:buChar char="•"/>
+              <a:defRPr sz="1400" kern="1200" baseline="0">
+                <a:solidFill>
+                  <a:schemeClr val="tx1"/>
+                </a:solidFill>
+                <a:latin typeface="+mn-lt"/>
+                <a:ea typeface="+mn-ea"/>
+                <a:cs typeface="+mn-cs"/>
+              </a:defRPr>
+            </a:lvl5pPr>
+            <a:lvl6pPr marL="1371600" indent="-182880" algn="l" defTabSz="914400" rtl="0" eaLnBrk="1" latinLnBrk="0" hangingPunct="1">
+              <a:spcBef>
+                <a:spcPct val="20000"/>
+              </a:spcBef>
+              <a:buClr>
+                <a:schemeClr val="accent1"/>
+              </a:buClr>
+              <a:buFont typeface="Arial" pitchFamily="34" charset="0"/>
+              <a:buChar char="•"/>
+              <a:defRPr sz="1300" kern="1200">
+                <a:solidFill>
+                  <a:schemeClr val="tx1"/>
+                </a:solidFill>
+                <a:latin typeface="+mn-lt"/>
+                <a:ea typeface="+mn-ea"/>
+                <a:cs typeface="+mn-cs"/>
+              </a:defRPr>
+            </a:lvl6pPr>
+            <a:lvl7pPr marL="1554480" indent="-182880" algn="l" defTabSz="914400" rtl="0" eaLnBrk="1" latinLnBrk="0" hangingPunct="1">
+              <a:spcBef>
+                <a:spcPct val="20000"/>
+              </a:spcBef>
+              <a:buClr>
+                <a:schemeClr val="accent1"/>
+              </a:buClr>
+              <a:buFont typeface="Arial" pitchFamily="34" charset="0"/>
+              <a:buChar char="•"/>
+              <a:defRPr sz="1300" kern="1200">
+                <a:solidFill>
+                  <a:schemeClr val="tx1"/>
+                </a:solidFill>
+                <a:latin typeface="+mn-lt"/>
+                <a:ea typeface="+mn-ea"/>
+                <a:cs typeface="+mn-cs"/>
+              </a:defRPr>
+            </a:lvl7pPr>
+            <a:lvl8pPr marL="1737360" indent="-182880" algn="l" defTabSz="914400" rtl="0" eaLnBrk="1" latinLnBrk="0" hangingPunct="1">
+              <a:spcBef>
+                <a:spcPct val="20000"/>
+              </a:spcBef>
+              <a:buClr>
+                <a:schemeClr val="accent1"/>
+              </a:buClr>
+              <a:buFont typeface="Arial" pitchFamily="34" charset="0"/>
+              <a:buChar char="•"/>
+              <a:defRPr sz="1300" kern="1200">
+                <a:solidFill>
+                  <a:schemeClr val="tx1"/>
+                </a:solidFill>
+                <a:latin typeface="+mn-lt"/>
+                <a:ea typeface="+mn-ea"/>
+                <a:cs typeface="+mn-cs"/>
+              </a:defRPr>
+            </a:lvl8pPr>
+            <a:lvl9pPr marL="1920240" indent="-182880" algn="l" defTabSz="914400" rtl="0" eaLnBrk="1" latinLnBrk="0" hangingPunct="1">
+              <a:spcBef>
+                <a:spcPct val="20000"/>
+              </a:spcBef>
+              <a:buClr>
+                <a:schemeClr val="accent1"/>
+              </a:buClr>
+              <a:buFont typeface="Arial" pitchFamily="34" charset="0"/>
+              <a:buChar char="•"/>
+              <a:defRPr sz="1300" kern="1200">
+                <a:solidFill>
+                  <a:schemeClr val="tx1"/>
+                </a:solidFill>
+                <a:latin typeface="+mn-lt"/>
+                <a:ea typeface="+mn-ea"/>
+                <a:cs typeface="+mn-cs"/>
+              </a:defRPr>
+            </a:lvl9pPr>
+          </a:lstStyle>
+          <a:p>
+            <a:pPr marL="0" indent="0">
+              <a:buNone/>
+            </a:pPr>
+            <a:r>
+              <a:rPr lang="en-US" dirty="0" smtClean="0"/>
+              <a:t>Modeling </a:t>
+            </a:r>
+            <a:r>
+              <a:rPr lang="en-US" dirty="0" smtClean="0"/>
+              <a:t>documents</a:t>
+            </a:r>
+          </a:p>
+          <a:p>
+            <a:r>
+              <a:rPr lang="en-US" dirty="0" smtClean="0"/>
+              <a:t>Each document </a:t>
+            </a:r>
+            <a:r>
+              <a:rPr lang="en-US" i="1" dirty="0" smtClean="0"/>
+              <a:t>d</a:t>
+            </a:r>
+            <a:r>
+              <a:rPr lang="en-US" dirty="0" smtClean="0"/>
+              <a:t> has a distribution </a:t>
+            </a:r>
+            <a:r>
+              <a:rPr lang="en-US" dirty="0" err="1" smtClean="0"/>
+              <a:t>θ</a:t>
+            </a:r>
+            <a:r>
+              <a:rPr lang="en-US" baseline="-25000" dirty="0" err="1" smtClean="0"/>
+              <a:t>d</a:t>
+            </a:r>
+            <a:r>
+              <a:rPr lang="en-US" dirty="0" smtClean="0"/>
+              <a:t> of topics </a:t>
+            </a:r>
+          </a:p>
+          <a:p>
+            <a:r>
+              <a:rPr lang="en-US" dirty="0" smtClean="0"/>
+              <a:t>Start out with a prior </a:t>
+            </a:r>
+            <a:r>
+              <a:rPr lang="en-US" dirty="0" err="1"/>
+              <a:t>θ</a:t>
+            </a:r>
+            <a:r>
+              <a:rPr lang="en-US" dirty="0" smtClean="0"/>
+              <a:t> ~ </a:t>
+            </a:r>
+            <a:r>
+              <a:rPr lang="en-US" dirty="0" err="1" smtClean="0"/>
+              <a:t>Dirichlet</a:t>
+            </a:r>
+            <a:r>
+              <a:rPr lang="en-US" dirty="0" smtClean="0"/>
+              <a:t>(α)</a:t>
+            </a:r>
+          </a:p>
+          <a:p>
+            <a:r>
+              <a:rPr lang="en-US" dirty="0" smtClean="0"/>
+              <a:t>Update to get </a:t>
+            </a:r>
+            <a:r>
+              <a:rPr lang="en-US" dirty="0" smtClean="0"/>
+              <a:t>posterior distribution, </a:t>
+            </a:r>
+            <a:r>
+              <a:rPr lang="en-US" dirty="0" smtClean="0"/>
+              <a:t>given documents</a:t>
+            </a:r>
+          </a:p>
+          <a:p>
+            <a:pPr lvl="1"/>
+            <a:r>
+              <a:rPr lang="en-US" dirty="0" smtClean="0"/>
+              <a:t>Given </a:t>
+            </a:r>
+            <a:r>
+              <a:rPr lang="en-US" dirty="0"/>
+              <a:t>α</a:t>
+            </a:r>
+            <a:r>
+              <a:rPr lang="en-US" dirty="0" smtClean="0"/>
+              <a:t> and β, the distribution of words given topics</a:t>
+            </a:r>
+          </a:p>
+          <a:p>
+            <a:pPr lvl="1"/>
+            <a:r>
+              <a:rPr lang="en-US" dirty="0"/>
+              <a:t>U</a:t>
+            </a:r>
+            <a:r>
+              <a:rPr lang="en-US" dirty="0" smtClean="0"/>
+              <a:t>se EM to maximize log likelihood of </a:t>
+            </a:r>
+            <a:r>
+              <a:rPr lang="en-US" dirty="0" smtClean="0"/>
+              <a:t>data</a:t>
+            </a:r>
+            <a:endParaRPr lang="en-US" dirty="0" smtClean="0"/>
+          </a:p>
+        </p:txBody>
+      </p:sp>
+      <p:sp>
+        <p:nvSpPr>
+          <p:cNvPr id="3" name="TextBox 2"/>
           <p:cNvSpPr txBox="1"/>
           <p:nvPr/>
         </p:nvSpPr>
         <p:spPr>
           <a:xfrm>
-            <a:off x="1391699" y="5187830"/>
-            <a:ext cx="2391559" cy="400110"/>
+            <a:off x="6350000" y="1744133"/>
+            <a:ext cx="2641600" cy="369332"/>
           </a:xfrm>
           <a:prstGeom prst="rect">
             <a:avLst/>
@@ -5598,18 +6606,14 @@
           </a:bodyPr>
           <a:lstStyle/>
           <a:p>
-            <a:r>
-              <a:rPr lang="en-US" sz="2000" dirty="0" smtClean="0"/>
-              <a:t>Objective Function:</a:t>
-            </a:r>
-            <a:endParaRPr lang="en-US" sz="2000" dirty="0"/>
+            <a:endParaRPr lang="en-US" dirty="0"/>
           </a:p>
         </p:txBody>
       </p:sp>
     </p:spTree>
     <p:extLst>
       <p:ext uri="{BB962C8B-B14F-4D97-AF65-F5344CB8AC3E}">
-        <p14:creationId xmlns:p14="http://schemas.microsoft.com/office/powerpoint/2010/main" val="4246377900"/>
+        <p14:creationId xmlns:p14="http://schemas.microsoft.com/office/powerpoint/2010/main" val="4125892671"/>
       </p:ext>
     </p:extLst>
   </p:cSld>

--- a/BMML_Presentation.pptx
+++ b/BMML_Presentation.pptx
@@ -5101,8 +5101,13 @@
           <a:p>
             <a:r>
               <a:rPr lang="en-US" dirty="0" smtClean="0"/>
-              <a:t>Word clouds</a:t>
-            </a:r>
+              <a:t>Word </a:t>
+            </a:r>
+            <a:r>
+              <a:rPr lang="en-US" dirty="0" smtClean="0"/>
+              <a:t>clouds (data visualization)</a:t>
+            </a:r>
+            <a:endParaRPr lang="en-US" dirty="0" smtClean="0"/>
           </a:p>
         </p:txBody>
       </p:sp>
@@ -5128,7 +5133,7 @@
         </p:blipFill>
         <p:spPr>
           <a:xfrm>
-            <a:off x="3139570" y="2819132"/>
+            <a:off x="2174371" y="2935258"/>
             <a:ext cx="4605359" cy="3541742"/>
           </a:xfrm>
           <a:prstGeom prst="rect">

--- a/BMML_Presentation.pptx
+++ b/BMML_Presentation.pptx
@@ -4420,8 +4420,13 @@
           <a:p>
             <a:r>
               <a:rPr lang="en-US" dirty="0" smtClean="0"/>
-              <a:t>Compare different numbers of topics and see what the log likelihood of the data is</a:t>
-            </a:r>
+              <a:t>Compare different numbers of topics and see what the log likelihood of the </a:t>
+            </a:r>
+            <a:r>
+              <a:rPr lang="en-US" dirty="0" smtClean="0"/>
+              <a:t>distribution is</a:t>
+            </a:r>
+            <a:endParaRPr lang="en-US" dirty="0" smtClean="0"/>
           </a:p>
           <a:p>
             <a:r>
@@ -6583,8 +6588,11 @@
             </a:r>
             <a:r>
               <a:rPr lang="en-US" dirty="0" smtClean="0"/>
-              <a:t>data</a:t>
-            </a:r>
+              <a:t>the distribution</a:t>
+            </a:r>
+          </a:p>
+          <a:p>
+            <a:pPr lvl="1"/>
             <a:endParaRPr lang="en-US" dirty="0" smtClean="0"/>
           </a:p>
         </p:txBody>

--- a/BMML_Presentation.pptx
+++ b/BMML_Presentation.pptx
@@ -16,11 +16,12 @@
     <p:sldId id="270" r:id="rId10"/>
     <p:sldId id="271" r:id="rId11"/>
     <p:sldId id="259" r:id="rId12"/>
-    <p:sldId id="268" r:id="rId13"/>
-    <p:sldId id="265" r:id="rId14"/>
-    <p:sldId id="266" r:id="rId15"/>
-    <p:sldId id="267" r:id="rId16"/>
-    <p:sldId id="263" r:id="rId17"/>
+    <p:sldId id="272" r:id="rId13"/>
+    <p:sldId id="268" r:id="rId14"/>
+    <p:sldId id="265" r:id="rId15"/>
+    <p:sldId id="266" r:id="rId16"/>
+    <p:sldId id="267" r:id="rId17"/>
+    <p:sldId id="263" r:id="rId18"/>
   </p:sldIdLst>
   <p:sldSz cx="9144000" cy="6858000" type="screen4x3"/>
   <p:notesSz cx="6858000" cy="9144000"/>
@@ -3745,11 +3746,7 @@
             </a:pPr>
             <a:r>
               <a:rPr lang="en-US" dirty="0" smtClean="0"/>
-              <a:t>Generating </a:t>
-            </a:r>
-            <a:r>
-              <a:rPr lang="en-US" dirty="0" smtClean="0"/>
-              <a:t>documents on a per-word basis</a:t>
+              <a:t>Generating documents on a per-word basis</a:t>
             </a:r>
           </a:p>
           <a:p>
@@ -3981,6 +3978,377 @@
 </file>
 
 <file path=ppt/slides/slide12.xml><?xml version="1.0" encoding="utf-8"?>
+<p:sld xmlns:a="http://schemas.openxmlformats.org/drawingml/2006/main" xmlns:r="http://schemas.openxmlformats.org/officeDocument/2006/relationships" xmlns:p="http://schemas.openxmlformats.org/presentationml/2006/main">
+  <p:cSld>
+    <p:spTree>
+      <p:nvGrpSpPr>
+        <p:cNvPr id="1" name=""/>
+        <p:cNvGrpSpPr/>
+        <p:nvPr/>
+      </p:nvGrpSpPr>
+      <p:grpSpPr>
+        <a:xfrm>
+          <a:off x="0" y="0"/>
+          <a:ext cx="0" cy="0"/>
+          <a:chOff x="0" y="0"/>
+          <a:chExt cx="0" cy="0"/>
+        </a:xfrm>
+      </p:grpSpPr>
+      <p:sp>
+        <p:nvSpPr>
+          <p:cNvPr id="2" name="Title 1"/>
+          <p:cNvSpPr>
+            <a:spLocks noGrp="1"/>
+          </p:cNvSpPr>
+          <p:nvPr>
+            <p:ph type="title"/>
+          </p:nvPr>
+        </p:nvSpPr>
+        <p:spPr/>
+        <p:txBody>
+          <a:bodyPr/>
+          <a:lstStyle/>
+          <a:p>
+            <a:r>
+              <a:rPr lang="en-US" dirty="0" smtClean="0"/>
+              <a:t>Topic Modeling with NMF</a:t>
+            </a:r>
+            <a:endParaRPr lang="en-US" dirty="0"/>
+          </a:p>
+        </p:txBody>
+      </p:sp>
+      <p:pic>
+        <p:nvPicPr>
+          <p:cNvPr id="4" name="Picture 3" descr="Screenshot 2015-04-22 15.15.34.png"/>
+          <p:cNvPicPr>
+            <a:picLocks noChangeAspect="1"/>
+          </p:cNvPicPr>
+          <p:nvPr/>
+        </p:nvPicPr>
+        <p:blipFill>
+          <a:blip r:embed="rId2">
+            <a:extLst>
+              <a:ext uri="{28A0092B-C50C-407E-A947-70E740481C1C}">
+                <a14:useLocalDpi xmlns:a14="http://schemas.microsoft.com/office/drawing/2010/main" val="0"/>
+              </a:ext>
+            </a:extLst>
+          </a:blip>
+          <a:stretch>
+            <a:fillRect/>
+          </a:stretch>
+        </p:blipFill>
+        <p:spPr>
+          <a:xfrm>
+            <a:off x="270933" y="2082799"/>
+            <a:ext cx="4393755" cy="3437467"/>
+          </a:xfrm>
+          <a:prstGeom prst="rect">
+            <a:avLst/>
+          </a:prstGeom>
+        </p:spPr>
+      </p:pic>
+      <p:sp>
+        <p:nvSpPr>
+          <p:cNvPr id="5" name="TextBox 4"/>
+          <p:cNvSpPr txBox="1"/>
+          <p:nvPr/>
+        </p:nvSpPr>
+        <p:spPr>
+          <a:xfrm>
+            <a:off x="4504954" y="3742267"/>
+            <a:ext cx="319468" cy="369332"/>
+          </a:xfrm>
+          <a:prstGeom prst="rect">
+            <a:avLst/>
+          </a:prstGeom>
+          <a:noFill/>
+        </p:spPr>
+        <p:txBody>
+          <a:bodyPr wrap="none" rtlCol="0">
+            <a:spAutoFit/>
+          </a:bodyPr>
+          <a:lstStyle/>
+          <a:p>
+            <a:r>
+              <a:rPr lang="en-US" dirty="0" smtClean="0"/>
+              <a:t>=</a:t>
+            </a:r>
+            <a:endParaRPr lang="en-US" dirty="0"/>
+          </a:p>
+        </p:txBody>
+      </p:sp>
+      <p:sp>
+        <p:nvSpPr>
+          <p:cNvPr id="6" name="Rectangle 5"/>
+          <p:cNvSpPr/>
+          <p:nvPr/>
+        </p:nvSpPr>
+        <p:spPr>
+          <a:xfrm>
+            <a:off x="5063067" y="2540000"/>
+            <a:ext cx="1066800" cy="2472267"/>
+          </a:xfrm>
+          <a:prstGeom prst="rect">
+            <a:avLst/>
+          </a:prstGeom>
+          <a:solidFill>
+            <a:srgbClr val="0000FF"/>
+          </a:solidFill>
+        </p:spPr>
+        <p:style>
+          <a:lnRef idx="1">
+            <a:schemeClr val="accent1"/>
+          </a:lnRef>
+          <a:fillRef idx="3">
+            <a:schemeClr val="accent1"/>
+          </a:fillRef>
+          <a:effectRef idx="2">
+            <a:schemeClr val="accent1"/>
+          </a:effectRef>
+          <a:fontRef idx="minor">
+            <a:schemeClr val="lt1"/>
+          </a:fontRef>
+        </p:style>
+        <p:txBody>
+          <a:bodyPr rtlCol="0" anchor="ctr"/>
+          <a:lstStyle/>
+          <a:p>
+            <a:pPr algn="ctr"/>
+            <a:endParaRPr lang="en-US">
+              <a:solidFill>
+                <a:srgbClr val="0000FF"/>
+              </a:solidFill>
+            </a:endParaRPr>
+          </a:p>
+        </p:txBody>
+      </p:sp>
+      <p:sp>
+        <p:nvSpPr>
+          <p:cNvPr id="7" name="TextBox 6"/>
+          <p:cNvSpPr txBox="1"/>
+          <p:nvPr/>
+        </p:nvSpPr>
+        <p:spPr>
+          <a:xfrm>
+            <a:off x="6366933" y="3742267"/>
+            <a:ext cx="440267" cy="369332"/>
+          </a:xfrm>
+          <a:prstGeom prst="rect">
+            <a:avLst/>
+          </a:prstGeom>
+          <a:noFill/>
+        </p:spPr>
+        <p:txBody>
+          <a:bodyPr wrap="square" rtlCol="0">
+            <a:spAutoFit/>
+          </a:bodyPr>
+          <a:lstStyle/>
+          <a:p>
+            <a:r>
+              <a:rPr lang="en-US" dirty="0" smtClean="0"/>
+              <a:t>x</a:t>
+            </a:r>
+            <a:endParaRPr lang="en-US" dirty="0"/>
+          </a:p>
+        </p:txBody>
+      </p:sp>
+      <p:sp>
+        <p:nvSpPr>
+          <p:cNvPr id="8" name="Rectangle 7"/>
+          <p:cNvSpPr/>
+          <p:nvPr/>
+        </p:nvSpPr>
+        <p:spPr>
+          <a:xfrm>
+            <a:off x="6807200" y="3335867"/>
+            <a:ext cx="2218267" cy="1117600"/>
+          </a:xfrm>
+          <a:prstGeom prst="rect">
+            <a:avLst/>
+          </a:prstGeom>
+          <a:solidFill>
+            <a:srgbClr val="3366FF"/>
+          </a:solidFill>
+        </p:spPr>
+        <p:style>
+          <a:lnRef idx="1">
+            <a:schemeClr val="accent1"/>
+          </a:lnRef>
+          <a:fillRef idx="3">
+            <a:schemeClr val="accent1"/>
+          </a:fillRef>
+          <a:effectRef idx="2">
+            <a:schemeClr val="accent1"/>
+          </a:effectRef>
+          <a:fontRef idx="minor">
+            <a:schemeClr val="lt1"/>
+          </a:fontRef>
+        </p:style>
+        <p:txBody>
+          <a:bodyPr rtlCol="0" anchor="ctr"/>
+          <a:lstStyle/>
+          <a:p>
+            <a:pPr algn="ctr"/>
+            <a:endParaRPr lang="en-US"/>
+          </a:p>
+        </p:txBody>
+      </p:sp>
+      <p:sp>
+        <p:nvSpPr>
+          <p:cNvPr id="9" name="TextBox 8"/>
+          <p:cNvSpPr txBox="1"/>
+          <p:nvPr/>
+        </p:nvSpPr>
+        <p:spPr>
+          <a:xfrm>
+            <a:off x="4824422" y="5161633"/>
+            <a:ext cx="1702245" cy="276999"/>
+          </a:xfrm>
+          <a:prstGeom prst="rect">
+            <a:avLst/>
+          </a:prstGeom>
+          <a:noFill/>
+        </p:spPr>
+        <p:txBody>
+          <a:bodyPr wrap="square" rtlCol="0">
+            <a:spAutoFit/>
+          </a:bodyPr>
+          <a:lstStyle/>
+          <a:p>
+            <a:r>
+              <a:rPr lang="en-US" sz="1200" dirty="0" smtClean="0"/>
+              <a:t>6 rows </a:t>
+            </a:r>
+            <a:r>
+              <a:rPr lang="en-US" sz="800" dirty="0" smtClean="0"/>
+              <a:t>x</a:t>
+            </a:r>
+            <a:r>
+              <a:rPr lang="en-US" sz="1200" dirty="0" smtClean="0"/>
+              <a:t> k columns</a:t>
+            </a:r>
+            <a:endParaRPr lang="en-US" sz="1200" dirty="0"/>
+          </a:p>
+        </p:txBody>
+      </p:sp>
+      <p:sp>
+        <p:nvSpPr>
+          <p:cNvPr id="10" name="TextBox 9"/>
+          <p:cNvSpPr txBox="1"/>
+          <p:nvPr/>
+        </p:nvSpPr>
+        <p:spPr>
+          <a:xfrm>
+            <a:off x="7110422" y="4799968"/>
+            <a:ext cx="1702245" cy="276999"/>
+          </a:xfrm>
+          <a:prstGeom prst="rect">
+            <a:avLst/>
+          </a:prstGeom>
+          <a:noFill/>
+        </p:spPr>
+        <p:txBody>
+          <a:bodyPr wrap="square" rtlCol="0">
+            <a:spAutoFit/>
+          </a:bodyPr>
+          <a:lstStyle/>
+          <a:p>
+            <a:r>
+              <a:rPr lang="en-US" sz="1200" dirty="0"/>
+              <a:t>k</a:t>
+            </a:r>
+            <a:r>
+              <a:rPr lang="en-US" sz="1200" dirty="0" smtClean="0"/>
+              <a:t> rows </a:t>
+            </a:r>
+            <a:r>
+              <a:rPr lang="en-US" sz="800" dirty="0" smtClean="0"/>
+              <a:t>x</a:t>
+            </a:r>
+            <a:r>
+              <a:rPr lang="en-US" sz="1200" dirty="0" smtClean="0"/>
+              <a:t> 10 columns</a:t>
+            </a:r>
+            <a:endParaRPr lang="en-US" sz="1200" dirty="0"/>
+          </a:p>
+        </p:txBody>
+      </p:sp>
+      <p:sp>
+        <p:nvSpPr>
+          <p:cNvPr id="11" name="TextBox 10"/>
+          <p:cNvSpPr txBox="1"/>
+          <p:nvPr/>
+        </p:nvSpPr>
+        <p:spPr>
+          <a:xfrm>
+            <a:off x="4521200" y="1845733"/>
+            <a:ext cx="2286000" cy="646331"/>
+          </a:xfrm>
+          <a:prstGeom prst="rect">
+            <a:avLst/>
+          </a:prstGeom>
+          <a:noFill/>
+        </p:spPr>
+        <p:txBody>
+          <a:bodyPr wrap="square" rtlCol="0">
+            <a:spAutoFit/>
+          </a:bodyPr>
+          <a:lstStyle/>
+          <a:p>
+            <a:pPr algn="ctr"/>
+            <a:r>
+              <a:rPr lang="en-US" dirty="0" smtClean="0"/>
+              <a:t>Columns are topic descriptions</a:t>
+            </a:r>
+            <a:endParaRPr lang="en-US" dirty="0"/>
+          </a:p>
+        </p:txBody>
+      </p:sp>
+      <p:sp>
+        <p:nvSpPr>
+          <p:cNvPr id="12" name="TextBox 11"/>
+          <p:cNvSpPr txBox="1"/>
+          <p:nvPr/>
+        </p:nvSpPr>
+        <p:spPr>
+          <a:xfrm>
+            <a:off x="6780667" y="2424330"/>
+            <a:ext cx="2286000" cy="646331"/>
+          </a:xfrm>
+          <a:prstGeom prst="rect">
+            <a:avLst/>
+          </a:prstGeom>
+          <a:noFill/>
+        </p:spPr>
+        <p:txBody>
+          <a:bodyPr wrap="square" rtlCol="0">
+            <a:spAutoFit/>
+          </a:bodyPr>
+          <a:lstStyle/>
+          <a:p>
+            <a:pPr algn="ctr"/>
+            <a:r>
+              <a:rPr lang="en-US" dirty="0" smtClean="0"/>
+              <a:t>Rows are document membership weights</a:t>
+            </a:r>
+            <a:endParaRPr lang="en-US" dirty="0"/>
+          </a:p>
+        </p:txBody>
+      </p:sp>
+    </p:spTree>
+    <p:extLst>
+      <p:ext uri="{BB962C8B-B14F-4D97-AF65-F5344CB8AC3E}">
+        <p14:creationId xmlns:p14="http://schemas.microsoft.com/office/powerpoint/2010/main" val="3481352828"/>
+      </p:ext>
+    </p:extLst>
+  </p:cSld>
+  <p:clrMapOvr>
+    <a:masterClrMapping/>
+  </p:clrMapOvr>
+</p:sld>
+</file>
+
+<file path=ppt/slides/slide13.xml><?xml version="1.0" encoding="utf-8"?>
 <p:sld xmlns:a="http://schemas.openxmlformats.org/drawingml/2006/main" xmlns:r="http://schemas.openxmlformats.org/officeDocument/2006/relationships" xmlns:p="http://schemas.openxmlformats.org/presentationml/2006/main">
   <p:cSld>
     <p:spTree>
@@ -4218,15 +4586,7 @@
           <a:p>
             <a:r>
               <a:rPr lang="en-US" dirty="0" smtClean="0"/>
-              <a:t>NMF </a:t>
-            </a:r>
-            <a:r>
-              <a:rPr lang="en-US" dirty="0" smtClean="0"/>
-              <a:t>is faster </a:t>
-            </a:r>
-            <a:r>
-              <a:rPr lang="en-US" dirty="0" smtClean="0"/>
-              <a:t>of course</a:t>
+              <a:t>Ran experiments on standard 20 newsgroups dataset</a:t>
             </a:r>
           </a:p>
           <a:p>
@@ -4236,15 +4596,13 @@
             </a:r>
             <a:r>
               <a:rPr lang="en-US" dirty="0" smtClean="0"/>
-              <a:t>seems </a:t>
-            </a:r>
+              <a:t>is faster of course</a:t>
+            </a:r>
+          </a:p>
+          <a:p>
             <a:r>
               <a:rPr lang="en-US" dirty="0" smtClean="0"/>
-              <a:t>to produce more coherent </a:t>
-            </a:r>
-            <a:r>
-              <a:rPr lang="en-US" dirty="0" smtClean="0"/>
-              <a:t>topics</a:t>
+              <a:t>NMF seems to produce more coherent topics</a:t>
             </a:r>
           </a:p>
           <a:p>
@@ -4261,7 +4619,6 @@
               <a:rPr lang="en-US" dirty="0" smtClean="0"/>
               <a:t>IDF</a:t>
             </a:r>
-            <a:endParaRPr lang="en-US" dirty="0" smtClean="0"/>
           </a:p>
           <a:p>
             <a:r>
@@ -4285,66 +4642,6 @@
     <p:extLst>
       <p:ext uri="{BB962C8B-B14F-4D97-AF65-F5344CB8AC3E}">
         <p14:creationId xmlns:p14="http://schemas.microsoft.com/office/powerpoint/2010/main" val="992791850"/>
-      </p:ext>
-    </p:extLst>
-  </p:cSld>
-  <p:clrMapOvr>
-    <a:masterClrMapping/>
-  </p:clrMapOvr>
-  <p:timing>
-    <p:tnLst>
-      <p:par>
-        <p:cTn xmlns:p14="http://schemas.microsoft.com/office/powerpoint/2010/main" id="1" dur="indefinite" restart="never" nodeType="tmRoot"/>
-      </p:par>
-    </p:tnLst>
-  </p:timing>
-</p:sld>
-</file>
-
-<file path=ppt/slides/slide13.xml><?xml version="1.0" encoding="utf-8"?>
-<p:sld xmlns:a="http://schemas.openxmlformats.org/drawingml/2006/main" xmlns:r="http://schemas.openxmlformats.org/officeDocument/2006/relationships" xmlns:p="http://schemas.openxmlformats.org/presentationml/2006/main">
-  <p:cSld>
-    <p:spTree>
-      <p:nvGrpSpPr>
-        <p:cNvPr id="1" name=""/>
-        <p:cNvGrpSpPr/>
-        <p:nvPr/>
-      </p:nvGrpSpPr>
-      <p:grpSpPr>
-        <a:xfrm>
-          <a:off x="0" y="0"/>
-          <a:ext cx="0" cy="0"/>
-          <a:chOff x="0" y="0"/>
-          <a:chExt cx="0" cy="0"/>
-        </a:xfrm>
-      </p:grpSpPr>
-      <p:sp>
-        <p:nvSpPr>
-          <p:cNvPr id="2" name="Title 1"/>
-          <p:cNvSpPr>
-            <a:spLocks noGrp="1"/>
-          </p:cNvSpPr>
-          <p:nvPr>
-            <p:ph type="title"/>
-          </p:nvPr>
-        </p:nvSpPr>
-        <p:spPr/>
-        <p:txBody>
-          <a:bodyPr/>
-          <a:lstStyle/>
-          <a:p>
-            <a:r>
-              <a:rPr lang="en-US" dirty="0" smtClean="0"/>
-              <a:t>Methods for setting number of topics</a:t>
-            </a:r>
-            <a:endParaRPr lang="en-US" dirty="0"/>
-          </a:p>
-        </p:txBody>
-      </p:sp>
-    </p:spTree>
-    <p:extLst>
-      <p:ext uri="{BB962C8B-B14F-4D97-AF65-F5344CB8AC3E}">
-        <p14:creationId xmlns:p14="http://schemas.microsoft.com/office/powerpoint/2010/main" val="2355179620"/>
       </p:ext>
     </p:extLst>
   </p:cSld>
@@ -4390,6 +4687,66 @@
         </p:nvSpPr>
         <p:spPr/>
         <p:txBody>
+          <a:bodyPr/>
+          <a:lstStyle/>
+          <a:p>
+            <a:r>
+              <a:rPr lang="en-US" dirty="0" smtClean="0"/>
+              <a:t>Methods for setting number of topics</a:t>
+            </a:r>
+            <a:endParaRPr lang="en-US" dirty="0"/>
+          </a:p>
+        </p:txBody>
+      </p:sp>
+    </p:spTree>
+    <p:extLst>
+      <p:ext uri="{BB962C8B-B14F-4D97-AF65-F5344CB8AC3E}">
+        <p14:creationId xmlns:p14="http://schemas.microsoft.com/office/powerpoint/2010/main" val="2355179620"/>
+      </p:ext>
+    </p:extLst>
+  </p:cSld>
+  <p:clrMapOvr>
+    <a:masterClrMapping/>
+  </p:clrMapOvr>
+  <p:timing>
+    <p:tnLst>
+      <p:par>
+        <p:cTn xmlns:p14="http://schemas.microsoft.com/office/powerpoint/2010/main" id="1" dur="indefinite" restart="never" nodeType="tmRoot"/>
+      </p:par>
+    </p:tnLst>
+  </p:timing>
+</p:sld>
+</file>
+
+<file path=ppt/slides/slide15.xml><?xml version="1.0" encoding="utf-8"?>
+<p:sld xmlns:a="http://schemas.openxmlformats.org/drawingml/2006/main" xmlns:r="http://schemas.openxmlformats.org/officeDocument/2006/relationships" xmlns:p="http://schemas.openxmlformats.org/presentationml/2006/main">
+  <p:cSld>
+    <p:spTree>
+      <p:nvGrpSpPr>
+        <p:cNvPr id="1" name=""/>
+        <p:cNvGrpSpPr/>
+        <p:nvPr/>
+      </p:nvGrpSpPr>
+      <p:grpSpPr>
+        <a:xfrm>
+          <a:off x="0" y="0"/>
+          <a:ext cx="0" cy="0"/>
+          <a:chOff x="0" y="0"/>
+          <a:chExt cx="0" cy="0"/>
+        </a:xfrm>
+      </p:grpSpPr>
+      <p:sp>
+        <p:nvSpPr>
+          <p:cNvPr id="2" name="Title 1"/>
+          <p:cNvSpPr>
+            <a:spLocks noGrp="1"/>
+          </p:cNvSpPr>
+          <p:nvPr>
+            <p:ph type="title"/>
+          </p:nvPr>
+        </p:nvSpPr>
+        <p:spPr/>
+        <p:txBody>
           <a:bodyPr>
             <a:normAutofit/>
           </a:bodyPr>
@@ -4420,13 +4777,8 @@
           <a:p>
             <a:r>
               <a:rPr lang="en-US" dirty="0" smtClean="0"/>
-              <a:t>Compare different numbers of topics and see what the log likelihood of the </a:t>
-            </a:r>
-            <a:r>
-              <a:rPr lang="en-US" dirty="0" smtClean="0"/>
-              <a:t>distribution is</a:t>
-            </a:r>
-            <a:endParaRPr lang="en-US" dirty="0" smtClean="0"/>
+              <a:t>Compare different numbers of topics and see what the log likelihood of the distribution is</a:t>
+            </a:r>
           </a:p>
           <a:p>
             <a:r>
@@ -4464,7 +4816,7 @@
 </p:sld>
 </file>
 
-<file path=ppt/slides/slide15.xml><?xml version="1.0" encoding="utf-8"?>
+<file path=ppt/slides/slide16.xml><?xml version="1.0" encoding="utf-8"?>
 <p:sld xmlns:a="http://schemas.openxmlformats.org/drawingml/2006/main" xmlns:r="http://schemas.openxmlformats.org/officeDocument/2006/relationships" xmlns:p="http://schemas.openxmlformats.org/presentationml/2006/main">
   <p:cSld>
     <p:spTree>
@@ -4810,7 +5162,7 @@
 </p:sld>
 </file>
 
-<file path=ppt/slides/slide16.xml><?xml version="1.0" encoding="utf-8"?>
+<file path=ppt/slides/slide17.xml><?xml version="1.0" encoding="utf-8"?>
 <p:sld xmlns:a="http://schemas.openxmlformats.org/drawingml/2006/main" xmlns:r="http://schemas.openxmlformats.org/officeDocument/2006/relationships" xmlns:p="http://schemas.openxmlformats.org/presentationml/2006/main">
   <p:cSld>
     <p:spTree>
@@ -5106,13 +5458,8 @@
           <a:p>
             <a:r>
               <a:rPr lang="en-US" dirty="0" smtClean="0"/>
-              <a:t>Word </a:t>
-            </a:r>
-            <a:r>
-              <a:rPr lang="en-US" dirty="0" smtClean="0"/>
-              <a:t>clouds (data visualization)</a:t>
-            </a:r>
-            <a:endParaRPr lang="en-US" dirty="0" smtClean="0"/>
+              <a:t>Word clouds (data visualization)</a:t>
+            </a:r>
           </a:p>
         </p:txBody>
       </p:sp>
@@ -6193,13 +6540,8 @@
           <a:p>
             <a:r>
               <a:rPr lang="en-US" dirty="0" smtClean="0"/>
-              <a:t>Generative model of document </a:t>
-            </a:r>
-            <a:r>
-              <a:rPr lang="en-US" dirty="0" smtClean="0"/>
-              <a:t>creation</a:t>
-            </a:r>
-            <a:endParaRPr lang="en-US" dirty="0" smtClean="0"/>
+              <a:t>Generative model of document creation</a:t>
+            </a:r>
           </a:p>
         </p:txBody>
       </p:sp>
@@ -6492,11 +6834,7 @@
             </a:pPr>
             <a:r>
               <a:rPr lang="en-US" dirty="0" smtClean="0"/>
-              <a:t>Modeling </a:t>
-            </a:r>
-            <a:r>
-              <a:rPr lang="en-US" dirty="0" smtClean="0"/>
-              <a:t>documents</a:t>
+              <a:t>Modeling documents</a:t>
             </a:r>
           </a:p>
           <a:p>
@@ -6550,15 +6888,7 @@
           <a:p>
             <a:r>
               <a:rPr lang="en-US" dirty="0" smtClean="0"/>
-              <a:t>Update to get </a:t>
-            </a:r>
-            <a:r>
-              <a:rPr lang="en-US" dirty="0" smtClean="0"/>
-              <a:t>posterior distribution, </a:t>
-            </a:r>
-            <a:r>
-              <a:rPr lang="en-US" dirty="0" smtClean="0"/>
-              <a:t>given documents</a:t>
+              <a:t>Update to get posterior distribution, given documents</a:t>
             </a:r>
           </a:p>
           <a:p>
@@ -6584,11 +6914,7 @@
             </a:r>
             <a:r>
               <a:rPr lang="en-US" dirty="0" smtClean="0"/>
-              <a:t>se EM to maximize log likelihood of </a:t>
-            </a:r>
-            <a:r>
-              <a:rPr lang="en-US" dirty="0" smtClean="0"/>
-              <a:t>the distribution</a:t>
+              <a:t>se EM to maximize log likelihood of the distribution</a:t>
             </a:r>
           </a:p>
           <a:p>
